--- a/11452-15_talk.pptx
+++ b/11452-15_talk.pptx
@@ -3064,7 +3064,7 @@
         </p:nvSpPr>
         <p:spPr>
           <a:xfrm>
-            <a:off x="6790286" y="4110562"/>
+            <a:off x="6419182" y="3836985"/>
             <a:ext cx="1766520" cy="671119"/>
           </a:xfrm>
           <a:prstGeom prst="ellipse">
@@ -3423,7 +3423,7 @@
         <p:spPr>
           <a:xfrm>
             <a:off x="4888067" y="3007682"/>
-            <a:ext cx="2160920" cy="1201163"/>
+            <a:ext cx="1789816" cy="927586"/>
           </a:xfrm>
           <a:prstGeom prst="line">
             <a:avLst/>
@@ -3490,6 +3490,453 @@
           </a:fontRef>
         </p:style>
       </p:cxnSp>
+      <p:sp>
+        <p:nvSpPr>
+          <p:cNvPr id="27" name="Ovale 26">
+            <a:extLst>
+              <a:ext uri="{FF2B5EF4-FFF2-40B4-BE49-F238E27FC236}">
+                <a16:creationId xmlns:a16="http://schemas.microsoft.com/office/drawing/2014/main" id="{A938E9F3-D13E-42A7-B0E0-53B8CD1F9EE9}"/>
+              </a:ext>
+            </a:extLst>
+          </p:cNvPr>
+          <p:cNvSpPr/>
+          <p:nvPr/>
+        </p:nvSpPr>
+        <p:spPr>
+          <a:xfrm>
+            <a:off x="965467" y="2832477"/>
+            <a:ext cx="1023456" cy="671119"/>
+          </a:xfrm>
+          <a:prstGeom prst="ellipse">
+            <a:avLst/>
+          </a:prstGeom>
+          <a:solidFill>
+            <a:srgbClr val="FF0000"/>
+          </a:solidFill>
+        </p:spPr>
+        <p:style>
+          <a:lnRef idx="2">
+            <a:schemeClr val="accent1">
+              <a:shade val="50000"/>
+            </a:schemeClr>
+          </a:lnRef>
+          <a:fillRef idx="1">
+            <a:schemeClr val="accent1"/>
+          </a:fillRef>
+          <a:effectRef idx="0">
+            <a:schemeClr val="accent1"/>
+          </a:effectRef>
+          <a:fontRef idx="minor">
+            <a:schemeClr val="lt1"/>
+          </a:fontRef>
+        </p:style>
+        <p:txBody>
+          <a:bodyPr rtlCol="0" anchor="ctr"/>
+          <a:lstStyle/>
+          <a:p>
+            <a:pPr algn="ctr"/>
+            <a:r>
+              <a:rPr lang="it-IT" dirty="0"/>
+              <a:t>TMC</a:t>
+            </a:r>
+          </a:p>
+        </p:txBody>
+      </p:sp>
+      <p:sp>
+        <p:nvSpPr>
+          <p:cNvPr id="28" name="Ovale 27">
+            <a:extLst>
+              <a:ext uri="{FF2B5EF4-FFF2-40B4-BE49-F238E27FC236}">
+                <a16:creationId xmlns:a16="http://schemas.microsoft.com/office/drawing/2014/main" id="{2C58714C-60B2-4A88-941B-5CFDCBB83FB1}"/>
+              </a:ext>
+            </a:extLst>
+          </p:cNvPr>
+          <p:cNvSpPr/>
+          <p:nvPr/>
+        </p:nvSpPr>
+        <p:spPr>
+          <a:xfrm>
+            <a:off x="2890795" y="4478624"/>
+            <a:ext cx="1023456" cy="671119"/>
+          </a:xfrm>
+          <a:prstGeom prst="ellipse">
+            <a:avLst/>
+          </a:prstGeom>
+          <a:solidFill>
+            <a:srgbClr val="FF0000"/>
+          </a:solidFill>
+        </p:spPr>
+        <p:style>
+          <a:lnRef idx="2">
+            <a:schemeClr val="accent1">
+              <a:shade val="50000"/>
+            </a:schemeClr>
+          </a:lnRef>
+          <a:fillRef idx="1">
+            <a:schemeClr val="accent1"/>
+          </a:fillRef>
+          <a:effectRef idx="0">
+            <a:schemeClr val="accent1"/>
+          </a:effectRef>
+          <a:fontRef idx="minor">
+            <a:schemeClr val="lt1"/>
+          </a:fontRef>
+        </p:style>
+        <p:txBody>
+          <a:bodyPr rtlCol="0" anchor="ctr"/>
+          <a:lstStyle/>
+          <a:p>
+            <a:pPr algn="ctr"/>
+            <a:r>
+              <a:rPr lang="it-IT" dirty="0"/>
+              <a:t>SDP</a:t>
+            </a:r>
+          </a:p>
+        </p:txBody>
+      </p:sp>
+      <p:sp>
+        <p:nvSpPr>
+          <p:cNvPr id="29" name="Ovale 28">
+            <a:extLst>
+              <a:ext uri="{FF2B5EF4-FFF2-40B4-BE49-F238E27FC236}">
+                <a16:creationId xmlns:a16="http://schemas.microsoft.com/office/drawing/2014/main" id="{8A776949-0FEF-44F2-BDB7-8E4C53924814}"/>
+              </a:ext>
+            </a:extLst>
+          </p:cNvPr>
+          <p:cNvSpPr/>
+          <p:nvPr/>
+        </p:nvSpPr>
+        <p:spPr>
+          <a:xfrm>
+            <a:off x="1010102" y="4321484"/>
+            <a:ext cx="1023456" cy="671119"/>
+          </a:xfrm>
+          <a:prstGeom prst="ellipse">
+            <a:avLst/>
+          </a:prstGeom>
+          <a:solidFill>
+            <a:srgbClr val="FF0000"/>
+          </a:solidFill>
+        </p:spPr>
+        <p:style>
+          <a:lnRef idx="2">
+            <a:schemeClr val="accent1">
+              <a:shade val="50000"/>
+            </a:schemeClr>
+          </a:lnRef>
+          <a:fillRef idx="1">
+            <a:schemeClr val="accent1"/>
+          </a:fillRef>
+          <a:effectRef idx="0">
+            <a:schemeClr val="accent1"/>
+          </a:effectRef>
+          <a:fontRef idx="minor">
+            <a:schemeClr val="lt1"/>
+          </a:fontRef>
+        </p:style>
+        <p:txBody>
+          <a:bodyPr rtlCol="0" anchor="ctr"/>
+          <a:lstStyle/>
+          <a:p>
+            <a:pPr algn="ctr"/>
+            <a:r>
+              <a:rPr lang="it-IT" dirty="0"/>
+              <a:t>CSP</a:t>
+            </a:r>
+          </a:p>
+        </p:txBody>
+      </p:sp>
+      <p:sp>
+        <p:nvSpPr>
+          <p:cNvPr id="30" name="Ovale 29">
+            <a:extLst>
+              <a:ext uri="{FF2B5EF4-FFF2-40B4-BE49-F238E27FC236}">
+                <a16:creationId xmlns:a16="http://schemas.microsoft.com/office/drawing/2014/main" id="{AC1245E4-437B-49D1-9767-03C4DD3F1C07}"/>
+              </a:ext>
+            </a:extLst>
+          </p:cNvPr>
+          <p:cNvSpPr/>
+          <p:nvPr/>
+        </p:nvSpPr>
+        <p:spPr>
+          <a:xfrm>
+            <a:off x="3439325" y="2587246"/>
+            <a:ext cx="1875854" cy="671119"/>
+          </a:xfrm>
+          <a:prstGeom prst="ellipse">
+            <a:avLst/>
+          </a:prstGeom>
+          <a:solidFill>
+            <a:srgbClr val="FF0000"/>
+          </a:solidFill>
+        </p:spPr>
+        <p:style>
+          <a:lnRef idx="2">
+            <a:schemeClr val="accent1">
+              <a:shade val="50000"/>
+            </a:schemeClr>
+          </a:lnRef>
+          <a:fillRef idx="1">
+            <a:schemeClr val="accent1"/>
+          </a:fillRef>
+          <a:effectRef idx="0">
+            <a:schemeClr val="accent1"/>
+          </a:effectRef>
+          <a:fontRef idx="minor">
+            <a:schemeClr val="lt1"/>
+          </a:fontRef>
+        </p:style>
+        <p:txBody>
+          <a:bodyPr rtlCol="0" anchor="ctr"/>
+          <a:lstStyle/>
+          <a:p>
+            <a:pPr algn="ctr"/>
+            <a:r>
+              <a:rPr lang="it-IT" dirty="0"/>
+              <a:t>UMBRELLA</a:t>
+            </a:r>
+          </a:p>
+        </p:txBody>
+      </p:sp>
+      <p:sp>
+        <p:nvSpPr>
+          <p:cNvPr id="50" name="Ovale 49">
+            <a:extLst>
+              <a:ext uri="{FF2B5EF4-FFF2-40B4-BE49-F238E27FC236}">
+                <a16:creationId xmlns:a16="http://schemas.microsoft.com/office/drawing/2014/main" id="{6AF21253-A04F-4647-9309-6214E8493439}"/>
+              </a:ext>
+            </a:extLst>
+          </p:cNvPr>
+          <p:cNvSpPr/>
+          <p:nvPr/>
+        </p:nvSpPr>
+        <p:spPr>
+          <a:xfrm>
+            <a:off x="6733136" y="2008143"/>
+            <a:ext cx="1766520" cy="671119"/>
+          </a:xfrm>
+          <a:prstGeom prst="ellipse">
+            <a:avLst/>
+          </a:prstGeom>
+          <a:solidFill>
+            <a:srgbClr val="FFC000"/>
+          </a:solidFill>
+        </p:spPr>
+        <p:style>
+          <a:lnRef idx="2">
+            <a:schemeClr val="accent1">
+              <a:shade val="50000"/>
+            </a:schemeClr>
+          </a:lnRef>
+          <a:fillRef idx="1">
+            <a:schemeClr val="accent1"/>
+          </a:fillRef>
+          <a:effectRef idx="0">
+            <a:schemeClr val="accent1"/>
+          </a:effectRef>
+          <a:fontRef idx="minor">
+            <a:schemeClr val="lt1"/>
+          </a:fontRef>
+        </p:style>
+        <p:txBody>
+          <a:bodyPr rtlCol="0" anchor="ctr"/>
+          <a:lstStyle/>
+          <a:p>
+            <a:pPr algn="ctr"/>
+            <a:r>
+              <a:rPr lang="it-IT" dirty="0"/>
+              <a:t>Tango-base</a:t>
+            </a:r>
+          </a:p>
+        </p:txBody>
+      </p:sp>
+      <p:sp>
+        <p:nvSpPr>
+          <p:cNvPr id="52" name="Ovale 51">
+            <a:extLst>
+              <a:ext uri="{FF2B5EF4-FFF2-40B4-BE49-F238E27FC236}">
+                <a16:creationId xmlns:a16="http://schemas.microsoft.com/office/drawing/2014/main" id="{240FBF30-646F-49DB-8124-E968C659EA39}"/>
+              </a:ext>
+            </a:extLst>
+          </p:cNvPr>
+          <p:cNvSpPr/>
+          <p:nvPr/>
+        </p:nvSpPr>
+        <p:spPr>
+          <a:xfrm>
+            <a:off x="6917982" y="2876192"/>
+            <a:ext cx="1766520" cy="671119"/>
+          </a:xfrm>
+          <a:prstGeom prst="ellipse">
+            <a:avLst/>
+          </a:prstGeom>
+          <a:solidFill>
+            <a:srgbClr val="FFC000"/>
+          </a:solidFill>
+        </p:spPr>
+        <p:style>
+          <a:lnRef idx="2">
+            <a:schemeClr val="accent1">
+              <a:shade val="50000"/>
+            </a:schemeClr>
+          </a:lnRef>
+          <a:fillRef idx="1">
+            <a:schemeClr val="accent1"/>
+          </a:fillRef>
+          <a:effectRef idx="0">
+            <a:schemeClr val="accent1"/>
+          </a:effectRef>
+          <a:fontRef idx="minor">
+            <a:schemeClr val="lt1"/>
+          </a:fontRef>
+        </p:style>
+        <p:txBody>
+          <a:bodyPr rtlCol="0" anchor="ctr"/>
+          <a:lstStyle/>
+          <a:p>
+            <a:pPr algn="ctr"/>
+            <a:r>
+              <a:rPr lang="it-IT" dirty="0" err="1"/>
+              <a:t>Archiver</a:t>
+            </a:r>
+            <a:endParaRPr lang="it-IT" dirty="0"/>
+          </a:p>
+        </p:txBody>
+      </p:sp>
+      <p:sp>
+        <p:nvSpPr>
+          <p:cNvPr id="54" name="Ovale 53">
+            <a:extLst>
+              <a:ext uri="{FF2B5EF4-FFF2-40B4-BE49-F238E27FC236}">
+                <a16:creationId xmlns:a16="http://schemas.microsoft.com/office/drawing/2014/main" id="{858E6B20-D1D0-4798-A19F-CC7404E2A53F}"/>
+              </a:ext>
+            </a:extLst>
+          </p:cNvPr>
+          <p:cNvSpPr/>
+          <p:nvPr/>
+        </p:nvSpPr>
+        <p:spPr>
+          <a:xfrm>
+            <a:off x="3591725" y="2739646"/>
+            <a:ext cx="1875854" cy="671119"/>
+          </a:xfrm>
+          <a:prstGeom prst="ellipse">
+            <a:avLst/>
+          </a:prstGeom>
+          <a:solidFill>
+            <a:srgbClr val="FFC000"/>
+          </a:solidFill>
+        </p:spPr>
+        <p:style>
+          <a:lnRef idx="2">
+            <a:schemeClr val="accent1">
+              <a:shade val="50000"/>
+            </a:schemeClr>
+          </a:lnRef>
+          <a:fillRef idx="1">
+            <a:schemeClr val="accent1"/>
+          </a:fillRef>
+          <a:effectRef idx="0">
+            <a:schemeClr val="accent1"/>
+          </a:effectRef>
+          <a:fontRef idx="minor">
+            <a:schemeClr val="lt1"/>
+          </a:fontRef>
+        </p:style>
+        <p:txBody>
+          <a:bodyPr rtlCol="0" anchor="ctr"/>
+          <a:lstStyle/>
+          <a:p>
+            <a:pPr algn="ctr"/>
+            <a:r>
+              <a:rPr lang="it-IT" dirty="0"/>
+              <a:t>UMBRELLA</a:t>
+            </a:r>
+          </a:p>
+        </p:txBody>
+      </p:sp>
+      <p:sp>
+        <p:nvSpPr>
+          <p:cNvPr id="55" name="Esplosione: 14 punte 54">
+            <a:extLst>
+              <a:ext uri="{FF2B5EF4-FFF2-40B4-BE49-F238E27FC236}">
+                <a16:creationId xmlns:a16="http://schemas.microsoft.com/office/drawing/2014/main" id="{30E6D790-7E8C-4E61-BD62-4C10A164381F}"/>
+              </a:ext>
+            </a:extLst>
+          </p:cNvPr>
+          <p:cNvSpPr/>
+          <p:nvPr/>
+        </p:nvSpPr>
+        <p:spPr>
+          <a:xfrm>
+            <a:off x="2754732" y="2710022"/>
+            <a:ext cx="5531566" cy="3312541"/>
+          </a:xfrm>
+          <a:prstGeom prst="irregularSeal2">
+            <a:avLst/>
+          </a:prstGeom>
+          <a:solidFill>
+            <a:srgbClr val="92D050"/>
+          </a:solidFill>
+        </p:spPr>
+        <p:style>
+          <a:lnRef idx="1">
+            <a:schemeClr val="accent1"/>
+          </a:lnRef>
+          <a:fillRef idx="3">
+            <a:schemeClr val="accent1"/>
+          </a:fillRef>
+          <a:effectRef idx="2">
+            <a:schemeClr val="accent1"/>
+          </a:effectRef>
+          <a:fontRef idx="minor">
+            <a:schemeClr val="lt1"/>
+          </a:fontRef>
+        </p:style>
+        <p:txBody>
+          <a:bodyPr rtlCol="0" anchor="ctr"/>
+          <a:lstStyle/>
+          <a:p>
+            <a:pPr algn="ctr"/>
+            <a:r>
+              <a:rPr lang="it-IT" sz="2400" dirty="0"/>
+              <a:t>For </a:t>
+            </a:r>
+            <a:r>
+              <a:rPr lang="it-IT" sz="2400" dirty="0" err="1"/>
+              <a:t>every</a:t>
+            </a:r>
+            <a:r>
+              <a:rPr lang="it-IT" sz="2400" dirty="0"/>
+              <a:t> </a:t>
+            </a:r>
+            <a:r>
+              <a:rPr lang="it-IT" sz="2400" dirty="0" err="1"/>
+              <a:t>purpose</a:t>
+            </a:r>
+            <a:r>
+              <a:rPr lang="it-IT" sz="2400" dirty="0"/>
+              <a:t>, </a:t>
+            </a:r>
+            <a:r>
+              <a:rPr lang="it-IT" sz="2400" dirty="0" err="1"/>
+              <a:t>there</a:t>
+            </a:r>
+            <a:r>
+              <a:rPr lang="it-IT" sz="2400" dirty="0"/>
+              <a:t> </a:t>
+            </a:r>
+            <a:r>
+              <a:rPr lang="it-IT" sz="2400" dirty="0" err="1"/>
+              <a:t>will</a:t>
+            </a:r>
+            <a:r>
+              <a:rPr lang="it-IT" sz="2400" dirty="0"/>
+              <a:t> be one chart</a:t>
+            </a:r>
+          </a:p>
+        </p:txBody>
+      </p:sp>
     </p:spTree>
     <p:extLst>
       <p:ext uri="{BB962C8B-B14F-4D97-AF65-F5344CB8AC3E}">
@@ -3500,6 +3947,380 @@
   <p:clrMapOvr>
     <a:masterClrMapping/>
   </p:clrMapOvr>
+  <p:timing>
+    <p:tnLst>
+      <p:par>
+        <p:cTn id="1" dur="indefinite" restart="never" nodeType="tmRoot">
+          <p:childTnLst>
+            <p:seq concurrent="1" nextAc="seek">
+              <p:cTn id="2" dur="indefinite" nodeType="mainSeq">
+                <p:childTnLst>
+                  <p:par>
+                    <p:cTn id="3" fill="hold">
+                      <p:stCondLst>
+                        <p:cond delay="indefinite"/>
+                      </p:stCondLst>
+                      <p:childTnLst>
+                        <p:par>
+                          <p:cTn id="4" fill="hold">
+                            <p:stCondLst>
+                              <p:cond delay="0"/>
+                            </p:stCondLst>
+                            <p:childTnLst>
+                              <p:par>
+                                <p:cTn id="5" presetID="10" presetClass="entr" presetSubtype="0" fill="hold" grpId="0" nodeType="clickEffect">
+                                  <p:stCondLst>
+                                    <p:cond delay="0"/>
+                                  </p:stCondLst>
+                                  <p:childTnLst>
+                                    <p:set>
+                                      <p:cBhvr>
+                                        <p:cTn id="6" dur="1" fill="hold">
+                                          <p:stCondLst>
+                                            <p:cond delay="0"/>
+                                          </p:stCondLst>
+                                        </p:cTn>
+                                        <p:tgtEl>
+                                          <p:spTgt spid="30"/>
+                                        </p:tgtEl>
+                                        <p:attrNameLst>
+                                          <p:attrName>style.visibility</p:attrName>
+                                        </p:attrNameLst>
+                                      </p:cBhvr>
+                                      <p:to>
+                                        <p:strVal val="visible"/>
+                                      </p:to>
+                                    </p:set>
+                                    <p:animEffect transition="in" filter="fade">
+                                      <p:cBhvr>
+                                        <p:cTn id="7" dur="500"/>
+                                        <p:tgtEl>
+                                          <p:spTgt spid="30"/>
+                                        </p:tgtEl>
+                                      </p:cBhvr>
+                                    </p:animEffect>
+                                  </p:childTnLst>
+                                </p:cTn>
+                              </p:par>
+                              <p:par>
+                                <p:cTn id="8" presetID="10" presetClass="entr" presetSubtype="0" fill="hold" grpId="0" nodeType="withEffect">
+                                  <p:stCondLst>
+                                    <p:cond delay="0"/>
+                                  </p:stCondLst>
+                                  <p:childTnLst>
+                                    <p:set>
+                                      <p:cBhvr>
+                                        <p:cTn id="9" dur="1" fill="hold">
+                                          <p:stCondLst>
+                                            <p:cond delay="0"/>
+                                          </p:stCondLst>
+                                        </p:cTn>
+                                        <p:tgtEl>
+                                          <p:spTgt spid="27"/>
+                                        </p:tgtEl>
+                                        <p:attrNameLst>
+                                          <p:attrName>style.visibility</p:attrName>
+                                        </p:attrNameLst>
+                                      </p:cBhvr>
+                                      <p:to>
+                                        <p:strVal val="visible"/>
+                                      </p:to>
+                                    </p:set>
+                                    <p:animEffect transition="in" filter="fade">
+                                      <p:cBhvr>
+                                        <p:cTn id="10" dur="500"/>
+                                        <p:tgtEl>
+                                          <p:spTgt spid="27"/>
+                                        </p:tgtEl>
+                                      </p:cBhvr>
+                                    </p:animEffect>
+                                  </p:childTnLst>
+                                </p:cTn>
+                              </p:par>
+                              <p:par>
+                                <p:cTn id="11" presetID="10" presetClass="entr" presetSubtype="0" fill="hold" grpId="0" nodeType="withEffect">
+                                  <p:stCondLst>
+                                    <p:cond delay="0"/>
+                                  </p:stCondLst>
+                                  <p:childTnLst>
+                                    <p:set>
+                                      <p:cBhvr>
+                                        <p:cTn id="12" dur="1" fill="hold">
+                                          <p:stCondLst>
+                                            <p:cond delay="0"/>
+                                          </p:stCondLst>
+                                        </p:cTn>
+                                        <p:tgtEl>
+                                          <p:spTgt spid="29"/>
+                                        </p:tgtEl>
+                                        <p:attrNameLst>
+                                          <p:attrName>style.visibility</p:attrName>
+                                        </p:attrNameLst>
+                                      </p:cBhvr>
+                                      <p:to>
+                                        <p:strVal val="visible"/>
+                                      </p:to>
+                                    </p:set>
+                                    <p:animEffect transition="in" filter="fade">
+                                      <p:cBhvr>
+                                        <p:cTn id="13" dur="500"/>
+                                        <p:tgtEl>
+                                          <p:spTgt spid="29"/>
+                                        </p:tgtEl>
+                                      </p:cBhvr>
+                                    </p:animEffect>
+                                  </p:childTnLst>
+                                </p:cTn>
+                              </p:par>
+                              <p:par>
+                                <p:cTn id="14" presetID="10" presetClass="entr" presetSubtype="0" fill="hold" grpId="0" nodeType="withEffect">
+                                  <p:stCondLst>
+                                    <p:cond delay="0"/>
+                                  </p:stCondLst>
+                                  <p:childTnLst>
+                                    <p:set>
+                                      <p:cBhvr>
+                                        <p:cTn id="15" dur="1" fill="hold">
+                                          <p:stCondLst>
+                                            <p:cond delay="0"/>
+                                          </p:stCondLst>
+                                        </p:cTn>
+                                        <p:tgtEl>
+                                          <p:spTgt spid="28"/>
+                                        </p:tgtEl>
+                                        <p:attrNameLst>
+                                          <p:attrName>style.visibility</p:attrName>
+                                        </p:attrNameLst>
+                                      </p:cBhvr>
+                                      <p:to>
+                                        <p:strVal val="visible"/>
+                                      </p:to>
+                                    </p:set>
+                                    <p:animEffect transition="in" filter="fade">
+                                      <p:cBhvr>
+                                        <p:cTn id="16" dur="500"/>
+                                        <p:tgtEl>
+                                          <p:spTgt spid="28"/>
+                                        </p:tgtEl>
+                                      </p:cBhvr>
+                                    </p:animEffect>
+                                  </p:childTnLst>
+                                </p:cTn>
+                              </p:par>
+                            </p:childTnLst>
+                          </p:cTn>
+                        </p:par>
+                      </p:childTnLst>
+                    </p:cTn>
+                  </p:par>
+                  <p:par>
+                    <p:cTn id="17" fill="hold">
+                      <p:stCondLst>
+                        <p:cond delay="indefinite"/>
+                      </p:stCondLst>
+                      <p:childTnLst>
+                        <p:par>
+                          <p:cTn id="18" fill="hold">
+                            <p:stCondLst>
+                              <p:cond delay="0"/>
+                            </p:stCondLst>
+                            <p:childTnLst>
+                              <p:par>
+                                <p:cTn id="19" presetID="10" presetClass="entr" presetSubtype="0" fill="hold" grpId="0" nodeType="clickEffect">
+                                  <p:stCondLst>
+                                    <p:cond delay="0"/>
+                                  </p:stCondLst>
+                                  <p:childTnLst>
+                                    <p:set>
+                                      <p:cBhvr>
+                                        <p:cTn id="20" dur="1" fill="hold">
+                                          <p:stCondLst>
+                                            <p:cond delay="0"/>
+                                          </p:stCondLst>
+                                        </p:cTn>
+                                        <p:tgtEl>
+                                          <p:spTgt spid="54"/>
+                                        </p:tgtEl>
+                                        <p:attrNameLst>
+                                          <p:attrName>style.visibility</p:attrName>
+                                        </p:attrNameLst>
+                                      </p:cBhvr>
+                                      <p:to>
+                                        <p:strVal val="visible"/>
+                                      </p:to>
+                                    </p:set>
+                                    <p:animEffect transition="in" filter="fade">
+                                      <p:cBhvr>
+                                        <p:cTn id="21" dur="500"/>
+                                        <p:tgtEl>
+                                          <p:spTgt spid="54"/>
+                                        </p:tgtEl>
+                                      </p:cBhvr>
+                                    </p:animEffect>
+                                  </p:childTnLst>
+                                </p:cTn>
+                              </p:par>
+                              <p:par>
+                                <p:cTn id="22" presetID="10" presetClass="entr" presetSubtype="0" fill="hold" grpId="0" nodeType="withEffect">
+                                  <p:stCondLst>
+                                    <p:cond delay="0"/>
+                                  </p:stCondLst>
+                                  <p:childTnLst>
+                                    <p:set>
+                                      <p:cBhvr>
+                                        <p:cTn id="23" dur="1" fill="hold">
+                                          <p:stCondLst>
+                                            <p:cond delay="0"/>
+                                          </p:stCondLst>
+                                        </p:cTn>
+                                        <p:tgtEl>
+                                          <p:spTgt spid="52"/>
+                                        </p:tgtEl>
+                                        <p:attrNameLst>
+                                          <p:attrName>style.visibility</p:attrName>
+                                        </p:attrNameLst>
+                                      </p:cBhvr>
+                                      <p:to>
+                                        <p:strVal val="visible"/>
+                                      </p:to>
+                                    </p:set>
+                                    <p:animEffect transition="in" filter="fade">
+                                      <p:cBhvr>
+                                        <p:cTn id="24" dur="500"/>
+                                        <p:tgtEl>
+                                          <p:spTgt spid="52"/>
+                                        </p:tgtEl>
+                                      </p:cBhvr>
+                                    </p:animEffect>
+                                  </p:childTnLst>
+                                </p:cTn>
+                              </p:par>
+                              <p:par>
+                                <p:cTn id="25" presetID="10" presetClass="entr" presetSubtype="0" fill="hold" grpId="0" nodeType="withEffect">
+                                  <p:stCondLst>
+                                    <p:cond delay="0"/>
+                                  </p:stCondLst>
+                                  <p:childTnLst>
+                                    <p:set>
+                                      <p:cBhvr>
+                                        <p:cTn id="26" dur="1" fill="hold">
+                                          <p:stCondLst>
+                                            <p:cond delay="0"/>
+                                          </p:stCondLst>
+                                        </p:cTn>
+                                        <p:tgtEl>
+                                          <p:spTgt spid="50"/>
+                                        </p:tgtEl>
+                                        <p:attrNameLst>
+                                          <p:attrName>style.visibility</p:attrName>
+                                        </p:attrNameLst>
+                                      </p:cBhvr>
+                                      <p:to>
+                                        <p:strVal val="visible"/>
+                                      </p:to>
+                                    </p:set>
+                                    <p:animEffect transition="in" filter="fade">
+                                      <p:cBhvr>
+                                        <p:cTn id="27" dur="500"/>
+                                        <p:tgtEl>
+                                          <p:spTgt spid="50"/>
+                                        </p:tgtEl>
+                                      </p:cBhvr>
+                                    </p:animEffect>
+                                  </p:childTnLst>
+                                </p:cTn>
+                              </p:par>
+                            </p:childTnLst>
+                          </p:cTn>
+                        </p:par>
+                      </p:childTnLst>
+                    </p:cTn>
+                  </p:par>
+                  <p:par>
+                    <p:cTn id="28" fill="hold">
+                      <p:stCondLst>
+                        <p:cond delay="indefinite"/>
+                      </p:stCondLst>
+                      <p:childTnLst>
+                        <p:par>
+                          <p:cTn id="29" fill="hold">
+                            <p:stCondLst>
+                              <p:cond delay="0"/>
+                            </p:stCondLst>
+                            <p:childTnLst>
+                              <p:par>
+                                <p:cTn id="30" presetID="10" presetClass="entr" presetSubtype="0" fill="hold" grpId="0" nodeType="clickEffect">
+                                  <p:stCondLst>
+                                    <p:cond delay="0"/>
+                                  </p:stCondLst>
+                                  <p:childTnLst>
+                                    <p:set>
+                                      <p:cBhvr>
+                                        <p:cTn id="31" dur="1" fill="hold">
+                                          <p:stCondLst>
+                                            <p:cond delay="0"/>
+                                          </p:stCondLst>
+                                        </p:cTn>
+                                        <p:tgtEl>
+                                          <p:spTgt spid="55"/>
+                                        </p:tgtEl>
+                                        <p:attrNameLst>
+                                          <p:attrName>style.visibility</p:attrName>
+                                        </p:attrNameLst>
+                                      </p:cBhvr>
+                                      <p:to>
+                                        <p:strVal val="visible"/>
+                                      </p:to>
+                                    </p:set>
+                                    <p:animEffect transition="in" filter="fade">
+                                      <p:cBhvr>
+                                        <p:cTn id="32" dur="500"/>
+                                        <p:tgtEl>
+                                          <p:spTgt spid="55"/>
+                                        </p:tgtEl>
+                                      </p:cBhvr>
+                                    </p:animEffect>
+                                  </p:childTnLst>
+                                </p:cTn>
+                              </p:par>
+                            </p:childTnLst>
+                          </p:cTn>
+                        </p:par>
+                      </p:childTnLst>
+                    </p:cTn>
+                  </p:par>
+                </p:childTnLst>
+              </p:cTn>
+              <p:prevCondLst>
+                <p:cond evt="onPrev" delay="0">
+                  <p:tgtEl>
+                    <p:sldTgt/>
+                  </p:tgtEl>
+                </p:cond>
+              </p:prevCondLst>
+              <p:nextCondLst>
+                <p:cond evt="onNext" delay="0">
+                  <p:tgtEl>
+                    <p:sldTgt/>
+                  </p:tgtEl>
+                </p:cond>
+              </p:nextCondLst>
+            </p:seq>
+          </p:childTnLst>
+        </p:cTn>
+      </p:par>
+    </p:tnLst>
+    <p:bldLst>
+      <p:bldP spid="27" grpId="0" animBg="1"/>
+      <p:bldP spid="28" grpId="0" animBg="1"/>
+      <p:bldP spid="29" grpId="0" animBg="1"/>
+      <p:bldP spid="30" grpId="0" animBg="1"/>
+      <p:bldP spid="50" grpId="0" animBg="1"/>
+      <p:bldP spid="52" grpId="0" animBg="1"/>
+      <p:bldP spid="54" grpId="0" animBg="1"/>
+      <p:bldP spid="55" grpId="0" animBg="1"/>
+    </p:bldLst>
+  </p:timing>
 </p:sld>
 </file>
 
@@ -3598,7 +4419,7 @@
           <a:p>
             <a:r>
               <a:rPr lang="en-GB" dirty="0"/>
-              <a:t>CI-CD toolchain: Gitlab</a:t>
+              <a:t>Gitlab pipeline model</a:t>
             </a:r>
           </a:p>
         </p:txBody>
@@ -3628,6 +4449,256 @@
           </a:p>
         </p:txBody>
       </p:sp>
+      <p:sp>
+        <p:nvSpPr>
+          <p:cNvPr id="2" name="Ovale 1">
+            <a:extLst>
+              <a:ext uri="{FF2B5EF4-FFF2-40B4-BE49-F238E27FC236}">
+                <a16:creationId xmlns:a16="http://schemas.microsoft.com/office/drawing/2014/main" id="{F8FF3014-674B-402F-883D-DA62F3E7F570}"/>
+              </a:ext>
+            </a:extLst>
+          </p:cNvPr>
+          <p:cNvSpPr/>
+          <p:nvPr/>
+        </p:nvSpPr>
+        <p:spPr>
+          <a:xfrm>
+            <a:off x="0" y="2743200"/>
+            <a:ext cx="1261872" cy="768096"/>
+          </a:xfrm>
+          <a:prstGeom prst="ellipse">
+            <a:avLst/>
+          </a:prstGeom>
+          <a:noFill/>
+          <a:ln w="19050">
+            <a:solidFill>
+              <a:srgbClr val="FF0000"/>
+            </a:solidFill>
+          </a:ln>
+        </p:spPr>
+        <p:style>
+          <a:lnRef idx="1">
+            <a:schemeClr val="accent1"/>
+          </a:lnRef>
+          <a:fillRef idx="3">
+            <a:schemeClr val="accent1"/>
+          </a:fillRef>
+          <a:effectRef idx="2">
+            <a:schemeClr val="accent1"/>
+          </a:effectRef>
+          <a:fontRef idx="minor">
+            <a:schemeClr val="lt1"/>
+          </a:fontRef>
+        </p:style>
+        <p:txBody>
+          <a:bodyPr rtlCol="0" anchor="ctr"/>
+          <a:lstStyle/>
+          <a:p>
+            <a:pPr algn="ctr"/>
+            <a:endParaRPr lang="it-IT"/>
+          </a:p>
+        </p:txBody>
+      </p:sp>
+      <p:sp>
+        <p:nvSpPr>
+          <p:cNvPr id="5" name="Ovale 4">
+            <a:extLst>
+              <a:ext uri="{FF2B5EF4-FFF2-40B4-BE49-F238E27FC236}">
+                <a16:creationId xmlns:a16="http://schemas.microsoft.com/office/drawing/2014/main" id="{DE1062FF-936B-4C7F-B79A-C5B85D52D097}"/>
+              </a:ext>
+            </a:extLst>
+          </p:cNvPr>
+          <p:cNvSpPr/>
+          <p:nvPr/>
+        </p:nvSpPr>
+        <p:spPr>
+          <a:xfrm>
+            <a:off x="0" y="1564518"/>
+            <a:ext cx="1261872" cy="768096"/>
+          </a:xfrm>
+          <a:prstGeom prst="ellipse">
+            <a:avLst/>
+          </a:prstGeom>
+          <a:noFill/>
+          <a:ln w="19050">
+            <a:solidFill>
+              <a:srgbClr val="FF0000"/>
+            </a:solidFill>
+          </a:ln>
+        </p:spPr>
+        <p:style>
+          <a:lnRef idx="1">
+            <a:schemeClr val="accent1"/>
+          </a:lnRef>
+          <a:fillRef idx="3">
+            <a:schemeClr val="accent1"/>
+          </a:fillRef>
+          <a:effectRef idx="2">
+            <a:schemeClr val="accent1"/>
+          </a:effectRef>
+          <a:fontRef idx="minor">
+            <a:schemeClr val="lt1"/>
+          </a:fontRef>
+        </p:style>
+        <p:txBody>
+          <a:bodyPr rtlCol="0" anchor="ctr"/>
+          <a:lstStyle/>
+          <a:p>
+            <a:pPr algn="ctr"/>
+            <a:endParaRPr lang="it-IT"/>
+          </a:p>
+        </p:txBody>
+      </p:sp>
+      <p:sp>
+        <p:nvSpPr>
+          <p:cNvPr id="7" name="Ovale 6">
+            <a:extLst>
+              <a:ext uri="{FF2B5EF4-FFF2-40B4-BE49-F238E27FC236}">
+                <a16:creationId xmlns:a16="http://schemas.microsoft.com/office/drawing/2014/main" id="{F7293C41-6945-4FA1-A051-4462A8E94C38}"/>
+              </a:ext>
+            </a:extLst>
+          </p:cNvPr>
+          <p:cNvSpPr/>
+          <p:nvPr/>
+        </p:nvSpPr>
+        <p:spPr>
+          <a:xfrm>
+            <a:off x="2072640" y="2743200"/>
+            <a:ext cx="1261872" cy="768096"/>
+          </a:xfrm>
+          <a:prstGeom prst="ellipse">
+            <a:avLst/>
+          </a:prstGeom>
+          <a:noFill/>
+          <a:ln w="19050">
+            <a:solidFill>
+              <a:srgbClr val="FF0000"/>
+            </a:solidFill>
+          </a:ln>
+        </p:spPr>
+        <p:style>
+          <a:lnRef idx="1">
+            <a:schemeClr val="accent1"/>
+          </a:lnRef>
+          <a:fillRef idx="3">
+            <a:schemeClr val="accent1"/>
+          </a:fillRef>
+          <a:effectRef idx="2">
+            <a:schemeClr val="accent1"/>
+          </a:effectRef>
+          <a:fontRef idx="minor">
+            <a:schemeClr val="lt1"/>
+          </a:fontRef>
+        </p:style>
+        <p:txBody>
+          <a:bodyPr rtlCol="0" anchor="ctr"/>
+          <a:lstStyle/>
+          <a:p>
+            <a:pPr algn="ctr"/>
+            <a:endParaRPr lang="it-IT"/>
+          </a:p>
+        </p:txBody>
+      </p:sp>
+      <p:sp>
+        <p:nvSpPr>
+          <p:cNvPr id="9" name="Ovale 8">
+            <a:extLst>
+              <a:ext uri="{FF2B5EF4-FFF2-40B4-BE49-F238E27FC236}">
+                <a16:creationId xmlns:a16="http://schemas.microsoft.com/office/drawing/2014/main" id="{5F2C8057-0DFA-4637-826F-4104824D5A58}"/>
+              </a:ext>
+            </a:extLst>
+          </p:cNvPr>
+          <p:cNvSpPr/>
+          <p:nvPr/>
+        </p:nvSpPr>
+        <p:spPr>
+          <a:xfrm>
+            <a:off x="6297168" y="2392680"/>
+            <a:ext cx="1261872" cy="768096"/>
+          </a:xfrm>
+          <a:prstGeom prst="ellipse">
+            <a:avLst/>
+          </a:prstGeom>
+          <a:noFill/>
+          <a:ln w="19050">
+            <a:solidFill>
+              <a:srgbClr val="FF0000"/>
+            </a:solidFill>
+          </a:ln>
+        </p:spPr>
+        <p:style>
+          <a:lnRef idx="1">
+            <a:schemeClr val="accent1"/>
+          </a:lnRef>
+          <a:fillRef idx="3">
+            <a:schemeClr val="accent1"/>
+          </a:fillRef>
+          <a:effectRef idx="2">
+            <a:schemeClr val="accent1"/>
+          </a:effectRef>
+          <a:fontRef idx="minor">
+            <a:schemeClr val="lt1"/>
+          </a:fontRef>
+        </p:style>
+        <p:txBody>
+          <a:bodyPr rtlCol="0" anchor="ctr"/>
+          <a:lstStyle/>
+          <a:p>
+            <a:pPr algn="ctr"/>
+            <a:endParaRPr lang="it-IT"/>
+          </a:p>
+        </p:txBody>
+      </p:sp>
+      <p:sp>
+        <p:nvSpPr>
+          <p:cNvPr id="11" name="Ovale 10">
+            <a:extLst>
+              <a:ext uri="{FF2B5EF4-FFF2-40B4-BE49-F238E27FC236}">
+                <a16:creationId xmlns:a16="http://schemas.microsoft.com/office/drawing/2014/main" id="{E42504A4-BD65-4FBF-BF11-96D05CFC191D}"/>
+              </a:ext>
+            </a:extLst>
+          </p:cNvPr>
+          <p:cNvSpPr/>
+          <p:nvPr/>
+        </p:nvSpPr>
+        <p:spPr>
+          <a:xfrm>
+            <a:off x="2703576" y="5629065"/>
+            <a:ext cx="1261872" cy="768096"/>
+          </a:xfrm>
+          <a:prstGeom prst="ellipse">
+            <a:avLst/>
+          </a:prstGeom>
+          <a:noFill/>
+          <a:ln w="19050">
+            <a:solidFill>
+              <a:srgbClr val="FF0000"/>
+            </a:solidFill>
+          </a:ln>
+        </p:spPr>
+        <p:style>
+          <a:lnRef idx="1">
+            <a:schemeClr val="accent1"/>
+          </a:lnRef>
+          <a:fillRef idx="3">
+            <a:schemeClr val="accent1"/>
+          </a:fillRef>
+          <a:effectRef idx="2">
+            <a:schemeClr val="accent1"/>
+          </a:effectRef>
+          <a:fontRef idx="minor">
+            <a:schemeClr val="lt1"/>
+          </a:fontRef>
+        </p:style>
+        <p:txBody>
+          <a:bodyPr rtlCol="0" anchor="ctr"/>
+          <a:lstStyle/>
+          <a:p>
+            <a:pPr algn="ctr"/>
+            <a:endParaRPr lang="it-IT"/>
+          </a:p>
+        </p:txBody>
+      </p:sp>
     </p:spTree>
     <p:extLst>
       <p:ext uri="{BB962C8B-B14F-4D97-AF65-F5344CB8AC3E}">
@@ -3638,6 +4709,308 @@
   <p:clrMapOvr>
     <a:masterClrMapping/>
   </p:clrMapOvr>
+  <p:timing>
+    <p:tnLst>
+      <p:par>
+        <p:cTn id="1" dur="indefinite" restart="never" nodeType="tmRoot">
+          <p:childTnLst>
+            <p:seq concurrent="1" nextAc="seek">
+              <p:cTn id="2" dur="indefinite" nodeType="mainSeq">
+                <p:childTnLst>
+                  <p:par>
+                    <p:cTn id="3" fill="hold">
+                      <p:stCondLst>
+                        <p:cond delay="indefinite"/>
+                      </p:stCondLst>
+                      <p:childTnLst>
+                        <p:par>
+                          <p:cTn id="4" fill="hold">
+                            <p:stCondLst>
+                              <p:cond delay="0"/>
+                            </p:stCondLst>
+                            <p:childTnLst>
+                              <p:par>
+                                <p:cTn id="5" presetID="10" presetClass="entr" presetSubtype="0" fill="hold" grpId="0" nodeType="clickEffect">
+                                  <p:stCondLst>
+                                    <p:cond delay="0"/>
+                                  </p:stCondLst>
+                                  <p:childTnLst>
+                                    <p:set>
+                                      <p:cBhvr>
+                                        <p:cTn id="6" dur="1" fill="hold">
+                                          <p:stCondLst>
+                                            <p:cond delay="0"/>
+                                          </p:stCondLst>
+                                        </p:cTn>
+                                        <p:tgtEl>
+                                          <p:spTgt spid="5"/>
+                                        </p:tgtEl>
+                                        <p:attrNameLst>
+                                          <p:attrName>style.visibility</p:attrName>
+                                        </p:attrNameLst>
+                                      </p:cBhvr>
+                                      <p:to>
+                                        <p:strVal val="visible"/>
+                                      </p:to>
+                                    </p:set>
+                                    <p:animEffect transition="in" filter="fade">
+                                      <p:cBhvr>
+                                        <p:cTn id="7" dur="500"/>
+                                        <p:tgtEl>
+                                          <p:spTgt spid="5"/>
+                                        </p:tgtEl>
+                                      </p:cBhvr>
+                                    </p:animEffect>
+                                  </p:childTnLst>
+                                </p:cTn>
+                              </p:par>
+                            </p:childTnLst>
+                          </p:cTn>
+                        </p:par>
+                      </p:childTnLst>
+                    </p:cTn>
+                  </p:par>
+                  <p:par>
+                    <p:cTn id="8" fill="hold">
+                      <p:stCondLst>
+                        <p:cond delay="indefinite"/>
+                      </p:stCondLst>
+                      <p:childTnLst>
+                        <p:par>
+                          <p:cTn id="9" fill="hold">
+                            <p:stCondLst>
+                              <p:cond delay="0"/>
+                            </p:stCondLst>
+                            <p:childTnLst>
+                              <p:par>
+                                <p:cTn id="10" presetID="10" presetClass="entr" presetSubtype="0" fill="hold" grpId="0" nodeType="clickEffect">
+                                  <p:stCondLst>
+                                    <p:cond delay="0"/>
+                                  </p:stCondLst>
+                                  <p:childTnLst>
+                                    <p:set>
+                                      <p:cBhvr>
+                                        <p:cTn id="11" dur="1" fill="hold">
+                                          <p:stCondLst>
+                                            <p:cond delay="0"/>
+                                          </p:stCondLst>
+                                        </p:cTn>
+                                        <p:tgtEl>
+                                          <p:spTgt spid="2"/>
+                                        </p:tgtEl>
+                                        <p:attrNameLst>
+                                          <p:attrName>style.visibility</p:attrName>
+                                        </p:attrNameLst>
+                                      </p:cBhvr>
+                                      <p:to>
+                                        <p:strVal val="visible"/>
+                                      </p:to>
+                                    </p:set>
+                                    <p:animEffect transition="in" filter="fade">
+                                      <p:cBhvr>
+                                        <p:cTn id="12" dur="500"/>
+                                        <p:tgtEl>
+                                          <p:spTgt spid="2"/>
+                                        </p:tgtEl>
+                                      </p:cBhvr>
+                                    </p:animEffect>
+                                  </p:childTnLst>
+                                </p:cTn>
+                              </p:par>
+                            </p:childTnLst>
+                          </p:cTn>
+                        </p:par>
+                      </p:childTnLst>
+                    </p:cTn>
+                  </p:par>
+                  <p:par>
+                    <p:cTn id="13" fill="hold">
+                      <p:stCondLst>
+                        <p:cond delay="indefinite"/>
+                      </p:stCondLst>
+                      <p:childTnLst>
+                        <p:par>
+                          <p:cTn id="14" fill="hold">
+                            <p:stCondLst>
+                              <p:cond delay="0"/>
+                            </p:stCondLst>
+                            <p:childTnLst>
+                              <p:par>
+                                <p:cTn id="15" presetID="10" presetClass="entr" presetSubtype="0" fill="hold" grpId="0" nodeType="clickEffect">
+                                  <p:stCondLst>
+                                    <p:cond delay="0"/>
+                                  </p:stCondLst>
+                                  <p:childTnLst>
+                                    <p:set>
+                                      <p:cBhvr>
+                                        <p:cTn id="16" dur="1" fill="hold">
+                                          <p:stCondLst>
+                                            <p:cond delay="0"/>
+                                          </p:stCondLst>
+                                        </p:cTn>
+                                        <p:tgtEl>
+                                          <p:spTgt spid="7"/>
+                                        </p:tgtEl>
+                                        <p:attrNameLst>
+                                          <p:attrName>style.visibility</p:attrName>
+                                        </p:attrNameLst>
+                                      </p:cBhvr>
+                                      <p:to>
+                                        <p:strVal val="visible"/>
+                                      </p:to>
+                                    </p:set>
+                                    <p:animEffect transition="in" filter="fade">
+                                      <p:cBhvr>
+                                        <p:cTn id="17" dur="500"/>
+                                        <p:tgtEl>
+                                          <p:spTgt spid="7"/>
+                                        </p:tgtEl>
+                                      </p:cBhvr>
+                                    </p:animEffect>
+                                  </p:childTnLst>
+                                </p:cTn>
+                              </p:par>
+                            </p:childTnLst>
+                          </p:cTn>
+                        </p:par>
+                      </p:childTnLst>
+                    </p:cTn>
+                  </p:par>
+                  <p:par>
+                    <p:cTn id="18" fill="hold">
+                      <p:stCondLst>
+                        <p:cond delay="indefinite"/>
+                      </p:stCondLst>
+                      <p:childTnLst>
+                        <p:par>
+                          <p:cTn id="19" fill="hold">
+                            <p:stCondLst>
+                              <p:cond delay="0"/>
+                            </p:stCondLst>
+                            <p:childTnLst>
+                              <p:par>
+                                <p:cTn id="20" presetID="10" presetClass="entr" presetSubtype="0" fill="hold" grpId="0" nodeType="clickEffect">
+                                  <p:stCondLst>
+                                    <p:cond delay="0"/>
+                                  </p:stCondLst>
+                                  <p:childTnLst>
+                                    <p:set>
+                                      <p:cBhvr>
+                                        <p:cTn id="21" dur="1" fill="hold">
+                                          <p:stCondLst>
+                                            <p:cond delay="0"/>
+                                          </p:stCondLst>
+                                        </p:cTn>
+                                        <p:tgtEl>
+                                          <p:spTgt spid="11"/>
+                                        </p:tgtEl>
+                                        <p:attrNameLst>
+                                          <p:attrName>style.visibility</p:attrName>
+                                        </p:attrNameLst>
+                                      </p:cBhvr>
+                                      <p:to>
+                                        <p:strVal val="visible"/>
+                                      </p:to>
+                                    </p:set>
+                                    <p:animEffect transition="in" filter="fade">
+                                      <p:cBhvr>
+                                        <p:cTn id="22" dur="500"/>
+                                        <p:tgtEl>
+                                          <p:spTgt spid="11"/>
+                                        </p:tgtEl>
+                                      </p:cBhvr>
+                                    </p:animEffect>
+                                  </p:childTnLst>
+                                </p:cTn>
+                              </p:par>
+                            </p:childTnLst>
+                          </p:cTn>
+                        </p:par>
+                      </p:childTnLst>
+                    </p:cTn>
+                  </p:par>
+                  <p:par>
+                    <p:cTn id="23" fill="hold">
+                      <p:stCondLst>
+                        <p:cond delay="indefinite"/>
+                      </p:stCondLst>
+                      <p:childTnLst>
+                        <p:par>
+                          <p:cTn id="24" fill="hold">
+                            <p:stCondLst>
+                              <p:cond delay="0"/>
+                            </p:stCondLst>
+                            <p:childTnLst>
+                              <p:par>
+                                <p:cTn id="25" presetID="10" presetClass="entr" presetSubtype="0" fill="hold" grpId="0" nodeType="clickEffect">
+                                  <p:stCondLst>
+                                    <p:cond delay="0"/>
+                                  </p:stCondLst>
+                                  <p:childTnLst>
+                                    <p:set>
+                                      <p:cBhvr>
+                                        <p:cTn id="26" dur="1" fill="hold">
+                                          <p:stCondLst>
+                                            <p:cond delay="0"/>
+                                          </p:stCondLst>
+                                        </p:cTn>
+                                        <p:tgtEl>
+                                          <p:spTgt spid="9"/>
+                                        </p:tgtEl>
+                                        <p:attrNameLst>
+                                          <p:attrName>style.visibility</p:attrName>
+                                        </p:attrNameLst>
+                                      </p:cBhvr>
+                                      <p:to>
+                                        <p:strVal val="visible"/>
+                                      </p:to>
+                                    </p:set>
+                                    <p:animEffect transition="in" filter="fade">
+                                      <p:cBhvr>
+                                        <p:cTn id="27" dur="500"/>
+                                        <p:tgtEl>
+                                          <p:spTgt spid="9"/>
+                                        </p:tgtEl>
+                                      </p:cBhvr>
+                                    </p:animEffect>
+                                  </p:childTnLst>
+                                </p:cTn>
+                              </p:par>
+                            </p:childTnLst>
+                          </p:cTn>
+                        </p:par>
+                      </p:childTnLst>
+                    </p:cTn>
+                  </p:par>
+                </p:childTnLst>
+              </p:cTn>
+              <p:prevCondLst>
+                <p:cond evt="onPrev" delay="0">
+                  <p:tgtEl>
+                    <p:sldTgt/>
+                  </p:tgtEl>
+                </p:cond>
+              </p:prevCondLst>
+              <p:nextCondLst>
+                <p:cond evt="onNext" delay="0">
+                  <p:tgtEl>
+                    <p:sldTgt/>
+                  </p:tgtEl>
+                </p:cond>
+              </p:nextCondLst>
+            </p:seq>
+          </p:childTnLst>
+        </p:cTn>
+      </p:par>
+    </p:tnLst>
+    <p:bldLst>
+      <p:bldP spid="2" grpId="0" animBg="1"/>
+      <p:bldP spid="5" grpId="0" animBg="1"/>
+      <p:bldP spid="7" grpId="0" animBg="1"/>
+      <p:bldP spid="9" grpId="0" animBg="1"/>
+      <p:bldP spid="11" grpId="0" animBg="1"/>
+    </p:bldLst>
+  </p:timing>
 </p:sld>
 </file>
 
@@ -3685,7 +5058,15 @@
             </a:r>
             <a:r>
               <a:rPr lang="it-IT" dirty="0"/>
-              <a:t> pipeline</a:t>
+              <a:t> pipeline – </a:t>
+            </a:r>
+            <a:r>
+              <a:rPr lang="it-IT" dirty="0" err="1"/>
+              <a:t>run</a:t>
+            </a:r>
+            <a:r>
+              <a:rPr lang="it-IT" dirty="0"/>
+              <a:t>-time</a:t>
             </a:r>
           </a:p>
         </p:txBody>
@@ -5412,6 +6793,230 @@
       </p:sp>
       <p:sp>
         <p:nvSpPr>
+          <p:cNvPr id="145" name="Disco magnetico 144">
+            <a:extLst>
+              <a:ext uri="{FF2B5EF4-FFF2-40B4-BE49-F238E27FC236}">
+                <a16:creationId xmlns:a16="http://schemas.microsoft.com/office/drawing/2014/main" id="{5E4FC6B9-A3B5-419D-A0B9-332FFEC132DC}"/>
+              </a:ext>
+            </a:extLst>
+          </p:cNvPr>
+          <p:cNvSpPr/>
+          <p:nvPr/>
+        </p:nvSpPr>
+        <p:spPr>
+          <a:xfrm>
+            <a:off x="2320275" y="1022655"/>
+            <a:ext cx="1640860" cy="1615182"/>
+          </a:xfrm>
+          <a:prstGeom prst="flowChartMagneticDisk">
+            <a:avLst/>
+          </a:prstGeom>
+        </p:spPr>
+        <p:style>
+          <a:lnRef idx="1">
+            <a:schemeClr val="accent1"/>
+          </a:lnRef>
+          <a:fillRef idx="3">
+            <a:schemeClr val="accent1"/>
+          </a:fillRef>
+          <a:effectRef idx="2">
+            <a:schemeClr val="accent1"/>
+          </a:effectRef>
+          <a:fontRef idx="minor">
+            <a:schemeClr val="lt1"/>
+          </a:fontRef>
+        </p:style>
+        <p:txBody>
+          <a:bodyPr rtlCol="0" anchor="ctr"/>
+          <a:lstStyle/>
+          <a:p>
+            <a:pPr algn="ctr"/>
+            <a:r>
+              <a:rPr lang="it-IT" sz="1600" u="sng" dirty="0" err="1">
+                <a:solidFill>
+                  <a:schemeClr val="bg1"/>
+                </a:solidFill>
+              </a:rPr>
+              <a:t>Gitlab</a:t>
+            </a:r>
+            <a:r>
+              <a:rPr lang="it-IT" sz="1600" u="sng" dirty="0">
+                <a:solidFill>
+                  <a:schemeClr val="bg1"/>
+                </a:solidFill>
+              </a:rPr>
+              <a:t> page </a:t>
+            </a:r>
+          </a:p>
+          <a:p>
+            <a:pPr algn="ctr"/>
+            <a:r>
+              <a:rPr lang="it-IT" sz="1400" u="sng" dirty="0">
+                <a:solidFill>
+                  <a:schemeClr val="bg1"/>
+                </a:solidFill>
+              </a:rPr>
+              <a:t>(</a:t>
+            </a:r>
+            <a:r>
+              <a:rPr lang="it-IT" sz="1400" u="sng" dirty="0" err="1">
+                <a:solidFill>
+                  <a:schemeClr val="bg1"/>
+                </a:solidFill>
+              </a:rPr>
+              <a:t>Tests</a:t>
+            </a:r>
+            <a:r>
+              <a:rPr lang="it-IT" sz="1400" u="sng" dirty="0">
+                <a:solidFill>
+                  <a:schemeClr val="bg1"/>
+                </a:solidFill>
+              </a:rPr>
+              <a:t> </a:t>
+            </a:r>
+            <a:r>
+              <a:rPr lang="it-IT" sz="1400" u="sng" dirty="0" err="1">
+                <a:solidFill>
+                  <a:schemeClr val="bg1"/>
+                </a:solidFill>
+              </a:rPr>
+              <a:t>artifacts</a:t>
+            </a:r>
+            <a:r>
+              <a:rPr lang="it-IT" sz="1400" u="sng" dirty="0">
+                <a:solidFill>
+                  <a:schemeClr val="bg1"/>
+                </a:solidFill>
+              </a:rPr>
+              <a:t>)</a:t>
+            </a:r>
+          </a:p>
+        </p:txBody>
+      </p:sp>
+      <p:sp>
+        <p:nvSpPr>
+          <p:cNvPr id="147" name="Disco magnetico 146">
+            <a:extLst>
+              <a:ext uri="{FF2B5EF4-FFF2-40B4-BE49-F238E27FC236}">
+                <a16:creationId xmlns:a16="http://schemas.microsoft.com/office/drawing/2014/main" id="{F5F5D653-FBAA-4DC2-A1BA-514E0FF58F17}"/>
+              </a:ext>
+            </a:extLst>
+          </p:cNvPr>
+          <p:cNvSpPr/>
+          <p:nvPr/>
+        </p:nvSpPr>
+        <p:spPr>
+          <a:xfrm>
+            <a:off x="4163790" y="1014427"/>
+            <a:ext cx="1783911" cy="1615182"/>
+          </a:xfrm>
+          <a:prstGeom prst="flowChartMagneticDisk">
+            <a:avLst/>
+          </a:prstGeom>
+        </p:spPr>
+        <p:style>
+          <a:lnRef idx="1">
+            <a:schemeClr val="accent1"/>
+          </a:lnRef>
+          <a:fillRef idx="3">
+            <a:schemeClr val="accent1"/>
+          </a:fillRef>
+          <a:effectRef idx="2">
+            <a:schemeClr val="accent1"/>
+          </a:effectRef>
+          <a:fontRef idx="minor">
+            <a:schemeClr val="lt1"/>
+          </a:fontRef>
+        </p:style>
+        <p:txBody>
+          <a:bodyPr rtlCol="0" anchor="ctr"/>
+          <a:lstStyle/>
+          <a:p>
+            <a:pPr algn="ctr"/>
+            <a:r>
+              <a:rPr lang="it-IT" sz="1600" u="sng" dirty="0">
+                <a:solidFill>
+                  <a:schemeClr val="bg1"/>
+                </a:solidFill>
+              </a:rPr>
+              <a:t>Nexus </a:t>
+            </a:r>
+          </a:p>
+          <a:p>
+            <a:pPr algn="ctr"/>
+            <a:r>
+              <a:rPr lang="it-IT" sz="1200" u="sng" dirty="0">
+                <a:solidFill>
+                  <a:schemeClr val="bg1"/>
+                </a:solidFill>
+              </a:rPr>
+              <a:t>(</a:t>
+            </a:r>
+            <a:r>
+              <a:rPr lang="en-US" sz="1200" u="sng" dirty="0">
+                <a:solidFill>
+                  <a:schemeClr val="bg1"/>
+                </a:solidFill>
+              </a:rPr>
+              <a:t>docker images, python packages, other packages</a:t>
+            </a:r>
+            <a:r>
+              <a:rPr lang="it-IT" sz="1200" u="sng" dirty="0">
+                <a:solidFill>
+                  <a:schemeClr val="bg1"/>
+                </a:solidFill>
+              </a:rPr>
+              <a:t>)</a:t>
+            </a:r>
+            <a:endParaRPr lang="en-US" sz="1600" u="sng" dirty="0">
+              <a:solidFill>
+                <a:schemeClr val="bg1"/>
+              </a:solidFill>
+            </a:endParaRPr>
+          </a:p>
+        </p:txBody>
+      </p:sp>
+      <p:sp>
+        <p:nvSpPr>
+          <p:cNvPr id="2" name="CasellaDiTesto 1">
+            <a:extLst>
+              <a:ext uri="{FF2B5EF4-FFF2-40B4-BE49-F238E27FC236}">
+                <a16:creationId xmlns:a16="http://schemas.microsoft.com/office/drawing/2014/main" id="{507E8156-20D0-4794-9506-9DB0EB894E11}"/>
+              </a:ext>
+            </a:extLst>
+          </p:cNvPr>
+          <p:cNvSpPr txBox="1"/>
+          <p:nvPr/>
+        </p:nvSpPr>
+        <p:spPr>
+          <a:xfrm>
+            <a:off x="4214355" y="6013911"/>
+            <a:ext cx="1304429" cy="369332"/>
+          </a:xfrm>
+          <a:prstGeom prst="rect">
+            <a:avLst/>
+          </a:prstGeom>
+          <a:noFill/>
+        </p:spPr>
+        <p:txBody>
+          <a:bodyPr wrap="square" rtlCol="0">
+            <a:spAutoFit/>
+          </a:bodyPr>
+          <a:lstStyle/>
+          <a:p>
+            <a:r>
+              <a:rPr lang="it-IT" dirty="0">
+                <a:solidFill>
+                  <a:schemeClr val="bg1"/>
+                </a:solidFill>
+              </a:rPr>
+              <a:t>K8s-cluster</a:t>
+            </a:r>
+          </a:p>
+        </p:txBody>
+      </p:sp>
+      <p:sp>
+        <p:nvSpPr>
           <p:cNvPr id="143" name="Fumetto: rettangolo 142">
             <a:extLst>
               <a:ext uri="{FF2B5EF4-FFF2-40B4-BE49-F238E27FC236}">
@@ -5475,191 +7080,6 @@
           </a:p>
         </p:txBody>
       </p:sp>
-      <p:sp>
-        <p:nvSpPr>
-          <p:cNvPr id="145" name="Disco magnetico 144">
-            <a:extLst>
-              <a:ext uri="{FF2B5EF4-FFF2-40B4-BE49-F238E27FC236}">
-                <a16:creationId xmlns:a16="http://schemas.microsoft.com/office/drawing/2014/main" id="{5E4FC6B9-A3B5-419D-A0B9-332FFEC132DC}"/>
-              </a:ext>
-            </a:extLst>
-          </p:cNvPr>
-          <p:cNvSpPr/>
-          <p:nvPr/>
-        </p:nvSpPr>
-        <p:spPr>
-          <a:xfrm>
-            <a:off x="2320275" y="1022655"/>
-            <a:ext cx="1640860" cy="1615182"/>
-          </a:xfrm>
-          <a:prstGeom prst="flowChartMagneticDisk">
-            <a:avLst/>
-          </a:prstGeom>
-        </p:spPr>
-        <p:style>
-          <a:lnRef idx="1">
-            <a:schemeClr val="accent1"/>
-          </a:lnRef>
-          <a:fillRef idx="3">
-            <a:schemeClr val="accent1"/>
-          </a:fillRef>
-          <a:effectRef idx="2">
-            <a:schemeClr val="accent1"/>
-          </a:effectRef>
-          <a:fontRef idx="minor">
-            <a:schemeClr val="lt1"/>
-          </a:fontRef>
-        </p:style>
-        <p:txBody>
-          <a:bodyPr rtlCol="0" anchor="ctr"/>
-          <a:lstStyle/>
-          <a:p>
-            <a:pPr algn="ctr"/>
-            <a:r>
-              <a:rPr lang="it-IT" sz="1600" u="sng" dirty="0" err="1">
-                <a:solidFill>
-                  <a:schemeClr val="bg1"/>
-                </a:solidFill>
-              </a:rPr>
-              <a:t>Gitlab</a:t>
-            </a:r>
-            <a:r>
-              <a:rPr lang="it-IT" sz="1600" u="sng" dirty="0">
-                <a:solidFill>
-                  <a:schemeClr val="bg1"/>
-                </a:solidFill>
-              </a:rPr>
-              <a:t> page </a:t>
-            </a:r>
-          </a:p>
-          <a:p>
-            <a:pPr algn="ctr"/>
-            <a:r>
-              <a:rPr lang="it-IT" sz="1400" u="sng" dirty="0">
-                <a:solidFill>
-                  <a:schemeClr val="bg1"/>
-                </a:solidFill>
-              </a:rPr>
-              <a:t>(</a:t>
-            </a:r>
-            <a:r>
-              <a:rPr lang="it-IT" sz="1400" u="sng" dirty="0" err="1">
-                <a:solidFill>
-                  <a:schemeClr val="bg1"/>
-                </a:solidFill>
-              </a:rPr>
-              <a:t>Tests</a:t>
-            </a:r>
-            <a:r>
-              <a:rPr lang="it-IT" sz="1400" u="sng" dirty="0">
-                <a:solidFill>
-                  <a:schemeClr val="bg1"/>
-                </a:solidFill>
-              </a:rPr>
-              <a:t> </a:t>
-            </a:r>
-            <a:r>
-              <a:rPr lang="it-IT" sz="1400" u="sng" dirty="0" err="1">
-                <a:solidFill>
-                  <a:schemeClr val="bg1"/>
-                </a:solidFill>
-              </a:rPr>
-              <a:t>artifacts</a:t>
-            </a:r>
-            <a:r>
-              <a:rPr lang="it-IT" sz="1400" u="sng" dirty="0">
-                <a:solidFill>
-                  <a:schemeClr val="bg1"/>
-                </a:solidFill>
-              </a:rPr>
-              <a:t>)</a:t>
-            </a:r>
-          </a:p>
-        </p:txBody>
-      </p:sp>
-      <p:sp>
-        <p:nvSpPr>
-          <p:cNvPr id="147" name="Disco magnetico 146">
-            <a:extLst>
-              <a:ext uri="{FF2B5EF4-FFF2-40B4-BE49-F238E27FC236}">
-                <a16:creationId xmlns:a16="http://schemas.microsoft.com/office/drawing/2014/main" id="{F5F5D653-FBAA-4DC2-A1BA-514E0FF58F17}"/>
-              </a:ext>
-            </a:extLst>
-          </p:cNvPr>
-          <p:cNvSpPr/>
-          <p:nvPr/>
-        </p:nvSpPr>
-        <p:spPr>
-          <a:xfrm>
-            <a:off x="4163790" y="1014427"/>
-            <a:ext cx="1783911" cy="1615182"/>
-          </a:xfrm>
-          <a:prstGeom prst="flowChartMagneticDisk">
-            <a:avLst/>
-          </a:prstGeom>
-        </p:spPr>
-        <p:style>
-          <a:lnRef idx="1">
-            <a:schemeClr val="accent1"/>
-          </a:lnRef>
-          <a:fillRef idx="3">
-            <a:schemeClr val="accent1"/>
-          </a:fillRef>
-          <a:effectRef idx="2">
-            <a:schemeClr val="accent1"/>
-          </a:effectRef>
-          <a:fontRef idx="minor">
-            <a:schemeClr val="lt1"/>
-          </a:fontRef>
-        </p:style>
-        <p:txBody>
-          <a:bodyPr rtlCol="0" anchor="ctr"/>
-          <a:lstStyle/>
-          <a:p>
-            <a:pPr algn="ctr"/>
-            <a:r>
-              <a:rPr lang="it-IT" sz="1600" u="sng" dirty="0">
-                <a:solidFill>
-                  <a:schemeClr val="bg1"/>
-                </a:solidFill>
-              </a:rPr>
-              <a:t>Nexus </a:t>
-            </a:r>
-          </a:p>
-          <a:p>
-            <a:pPr algn="ctr"/>
-            <a:r>
-              <a:rPr lang="it-IT" sz="1200" u="sng" dirty="0">
-                <a:solidFill>
-                  <a:schemeClr val="bg1"/>
-                </a:solidFill>
-              </a:rPr>
-              <a:t>(</a:t>
-            </a:r>
-            <a:r>
-              <a:rPr lang="en-US" sz="1200" u="sng" dirty="0">
-                <a:solidFill>
-                  <a:schemeClr val="bg1"/>
-                </a:solidFill>
-              </a:rPr>
-              <a:t>docker images, python packages, other packages</a:t>
-            </a:r>
-            <a:r>
-              <a:rPr lang="it-IT" sz="1200" u="sng" dirty="0">
-                <a:solidFill>
-                  <a:schemeClr val="bg1"/>
-                </a:solidFill>
-              </a:rPr>
-              <a:t>)</a:t>
-            </a:r>
-            <a:endParaRPr lang="en-US" sz="1600" u="sng" dirty="0">
-              <a:solidFill>
-                <a:schemeClr val="bg1"/>
-              </a:solidFill>
-            </a:endParaRPr>
-          </a:p>
-        </p:txBody>
-      </p:sp>
     </p:spTree>
     <p:extLst>
       <p:ext uri="{BB962C8B-B14F-4D97-AF65-F5344CB8AC3E}">
@@ -5670,6 +7090,967 @@
   <p:clrMapOvr>
     <a:masterClrMapping/>
   </p:clrMapOvr>
+  <p:timing>
+    <p:tnLst>
+      <p:par>
+        <p:cTn id="1" dur="indefinite" restart="never" nodeType="tmRoot">
+          <p:childTnLst>
+            <p:seq concurrent="1" nextAc="seek">
+              <p:cTn id="2" dur="indefinite" nodeType="mainSeq">
+                <p:childTnLst>
+                  <p:par>
+                    <p:cTn id="3" fill="hold">
+                      <p:stCondLst>
+                        <p:cond delay="indefinite"/>
+                      </p:stCondLst>
+                      <p:childTnLst>
+                        <p:par>
+                          <p:cTn id="4" fill="hold">
+                            <p:stCondLst>
+                              <p:cond delay="0"/>
+                            </p:stCondLst>
+                            <p:childTnLst>
+                              <p:par>
+                                <p:cTn id="5" presetID="10" presetClass="entr" presetSubtype="0" fill="hold" grpId="0" nodeType="clickEffect">
+                                  <p:stCondLst>
+                                    <p:cond delay="0"/>
+                                  </p:stCondLst>
+                                  <p:childTnLst>
+                                    <p:set>
+                                      <p:cBhvr>
+                                        <p:cTn id="6" dur="1" fill="hold">
+                                          <p:stCondLst>
+                                            <p:cond delay="0"/>
+                                          </p:stCondLst>
+                                        </p:cTn>
+                                        <p:tgtEl>
+                                          <p:spTgt spid="104"/>
+                                        </p:tgtEl>
+                                        <p:attrNameLst>
+                                          <p:attrName>style.visibility</p:attrName>
+                                        </p:attrNameLst>
+                                      </p:cBhvr>
+                                      <p:to>
+                                        <p:strVal val="visible"/>
+                                      </p:to>
+                                    </p:set>
+                                    <p:animEffect transition="in" filter="fade">
+                                      <p:cBhvr>
+                                        <p:cTn id="7" dur="500"/>
+                                        <p:tgtEl>
+                                          <p:spTgt spid="104"/>
+                                        </p:tgtEl>
+                                      </p:cBhvr>
+                                    </p:animEffect>
+                                  </p:childTnLst>
+                                </p:cTn>
+                              </p:par>
+                              <p:par>
+                                <p:cTn id="8" presetID="10" presetClass="entr" presetSubtype="0" fill="hold" grpId="0" nodeType="withEffect">
+                                  <p:stCondLst>
+                                    <p:cond delay="0"/>
+                                  </p:stCondLst>
+                                  <p:childTnLst>
+                                    <p:set>
+                                      <p:cBhvr>
+                                        <p:cTn id="9" dur="1" fill="hold">
+                                          <p:stCondLst>
+                                            <p:cond delay="0"/>
+                                          </p:stCondLst>
+                                        </p:cTn>
+                                        <p:tgtEl>
+                                          <p:spTgt spid="145"/>
+                                        </p:tgtEl>
+                                        <p:attrNameLst>
+                                          <p:attrName>style.visibility</p:attrName>
+                                        </p:attrNameLst>
+                                      </p:cBhvr>
+                                      <p:to>
+                                        <p:strVal val="visible"/>
+                                      </p:to>
+                                    </p:set>
+                                    <p:animEffect transition="in" filter="fade">
+                                      <p:cBhvr>
+                                        <p:cTn id="10" dur="500"/>
+                                        <p:tgtEl>
+                                          <p:spTgt spid="145"/>
+                                        </p:tgtEl>
+                                      </p:cBhvr>
+                                    </p:animEffect>
+                                  </p:childTnLst>
+                                </p:cTn>
+                              </p:par>
+                            </p:childTnLst>
+                          </p:cTn>
+                        </p:par>
+                      </p:childTnLst>
+                    </p:cTn>
+                  </p:par>
+                  <p:par>
+                    <p:cTn id="11" fill="hold">
+                      <p:stCondLst>
+                        <p:cond delay="indefinite"/>
+                      </p:stCondLst>
+                      <p:childTnLst>
+                        <p:par>
+                          <p:cTn id="12" fill="hold">
+                            <p:stCondLst>
+                              <p:cond delay="0"/>
+                            </p:stCondLst>
+                            <p:childTnLst>
+                              <p:par>
+                                <p:cTn id="13" presetID="10" presetClass="entr" presetSubtype="0" fill="hold" grpId="0" nodeType="clickEffect">
+                                  <p:stCondLst>
+                                    <p:cond delay="0"/>
+                                  </p:stCondLst>
+                                  <p:childTnLst>
+                                    <p:set>
+                                      <p:cBhvr>
+                                        <p:cTn id="14" dur="1" fill="hold">
+                                          <p:stCondLst>
+                                            <p:cond delay="0"/>
+                                          </p:stCondLst>
+                                        </p:cTn>
+                                        <p:tgtEl>
+                                          <p:spTgt spid="147"/>
+                                        </p:tgtEl>
+                                        <p:attrNameLst>
+                                          <p:attrName>style.visibility</p:attrName>
+                                        </p:attrNameLst>
+                                      </p:cBhvr>
+                                      <p:to>
+                                        <p:strVal val="visible"/>
+                                      </p:to>
+                                    </p:set>
+                                    <p:animEffect transition="in" filter="fade">
+                                      <p:cBhvr>
+                                        <p:cTn id="15" dur="500"/>
+                                        <p:tgtEl>
+                                          <p:spTgt spid="147"/>
+                                        </p:tgtEl>
+                                      </p:cBhvr>
+                                    </p:animEffect>
+                                  </p:childTnLst>
+                                </p:cTn>
+                              </p:par>
+                            </p:childTnLst>
+                          </p:cTn>
+                        </p:par>
+                      </p:childTnLst>
+                    </p:cTn>
+                  </p:par>
+                  <p:par>
+                    <p:cTn id="16" fill="hold">
+                      <p:stCondLst>
+                        <p:cond delay="indefinite"/>
+                      </p:stCondLst>
+                      <p:childTnLst>
+                        <p:par>
+                          <p:cTn id="17" fill="hold">
+                            <p:stCondLst>
+                              <p:cond delay="0"/>
+                            </p:stCondLst>
+                            <p:childTnLst>
+                              <p:par>
+                                <p:cTn id="18" presetID="10" presetClass="entr" presetSubtype="0" fill="hold" grpId="0" nodeType="clickEffect">
+                                  <p:stCondLst>
+                                    <p:cond delay="0"/>
+                                  </p:stCondLst>
+                                  <p:childTnLst>
+                                    <p:set>
+                                      <p:cBhvr>
+                                        <p:cTn id="19" dur="1" fill="hold">
+                                          <p:stCondLst>
+                                            <p:cond delay="0"/>
+                                          </p:stCondLst>
+                                        </p:cTn>
+                                        <p:tgtEl>
+                                          <p:spTgt spid="40"/>
+                                        </p:tgtEl>
+                                        <p:attrNameLst>
+                                          <p:attrName>style.visibility</p:attrName>
+                                        </p:attrNameLst>
+                                      </p:cBhvr>
+                                      <p:to>
+                                        <p:strVal val="visible"/>
+                                      </p:to>
+                                    </p:set>
+                                    <p:animEffect transition="in" filter="fade">
+                                      <p:cBhvr>
+                                        <p:cTn id="20" dur="500"/>
+                                        <p:tgtEl>
+                                          <p:spTgt spid="40"/>
+                                        </p:tgtEl>
+                                      </p:cBhvr>
+                                    </p:animEffect>
+                                  </p:childTnLst>
+                                </p:cTn>
+                              </p:par>
+                              <p:par>
+                                <p:cTn id="21" presetID="10" presetClass="entr" presetSubtype="0" fill="hold" grpId="0" nodeType="withEffect">
+                                  <p:stCondLst>
+                                    <p:cond delay="0"/>
+                                  </p:stCondLst>
+                                  <p:childTnLst>
+                                    <p:set>
+                                      <p:cBhvr>
+                                        <p:cTn id="22" dur="1" fill="hold">
+                                          <p:stCondLst>
+                                            <p:cond delay="0"/>
+                                          </p:stCondLst>
+                                        </p:cTn>
+                                        <p:tgtEl>
+                                          <p:spTgt spid="2"/>
+                                        </p:tgtEl>
+                                        <p:attrNameLst>
+                                          <p:attrName>style.visibility</p:attrName>
+                                        </p:attrNameLst>
+                                      </p:cBhvr>
+                                      <p:to>
+                                        <p:strVal val="visible"/>
+                                      </p:to>
+                                    </p:set>
+                                    <p:animEffect transition="in" filter="fade">
+                                      <p:cBhvr>
+                                        <p:cTn id="23" dur="500"/>
+                                        <p:tgtEl>
+                                          <p:spTgt spid="2"/>
+                                        </p:tgtEl>
+                                      </p:cBhvr>
+                                    </p:animEffect>
+                                  </p:childTnLst>
+                                </p:cTn>
+                              </p:par>
+                            </p:childTnLst>
+                          </p:cTn>
+                        </p:par>
+                      </p:childTnLst>
+                    </p:cTn>
+                  </p:par>
+                  <p:par>
+                    <p:cTn id="24" fill="hold">
+                      <p:stCondLst>
+                        <p:cond delay="indefinite"/>
+                      </p:stCondLst>
+                      <p:childTnLst>
+                        <p:par>
+                          <p:cTn id="25" fill="hold">
+                            <p:stCondLst>
+                              <p:cond delay="0"/>
+                            </p:stCondLst>
+                            <p:childTnLst>
+                              <p:par>
+                                <p:cTn id="26" presetID="10" presetClass="entr" presetSubtype="0" fill="hold" nodeType="clickEffect">
+                                  <p:stCondLst>
+                                    <p:cond delay="0"/>
+                                  </p:stCondLst>
+                                  <p:childTnLst>
+                                    <p:set>
+                                      <p:cBhvr>
+                                        <p:cTn id="27" dur="1" fill="hold">
+                                          <p:stCondLst>
+                                            <p:cond delay="0"/>
+                                          </p:stCondLst>
+                                        </p:cTn>
+                                        <p:tgtEl>
+                                          <p:spTgt spid="3098"/>
+                                        </p:tgtEl>
+                                        <p:attrNameLst>
+                                          <p:attrName>style.visibility</p:attrName>
+                                        </p:attrNameLst>
+                                      </p:cBhvr>
+                                      <p:to>
+                                        <p:strVal val="visible"/>
+                                      </p:to>
+                                    </p:set>
+                                    <p:animEffect transition="in" filter="fade">
+                                      <p:cBhvr>
+                                        <p:cTn id="28" dur="500"/>
+                                        <p:tgtEl>
+                                          <p:spTgt spid="3098"/>
+                                        </p:tgtEl>
+                                      </p:cBhvr>
+                                    </p:animEffect>
+                                  </p:childTnLst>
+                                </p:cTn>
+                              </p:par>
+                            </p:childTnLst>
+                          </p:cTn>
+                        </p:par>
+                      </p:childTnLst>
+                    </p:cTn>
+                  </p:par>
+                  <p:par>
+                    <p:cTn id="29" fill="hold">
+                      <p:stCondLst>
+                        <p:cond delay="indefinite"/>
+                      </p:stCondLst>
+                      <p:childTnLst>
+                        <p:par>
+                          <p:cTn id="30" fill="hold">
+                            <p:stCondLst>
+                              <p:cond delay="0"/>
+                            </p:stCondLst>
+                            <p:childTnLst>
+                              <p:par>
+                                <p:cTn id="31" presetID="10" presetClass="entr" presetSubtype="0" fill="hold" nodeType="clickEffect">
+                                  <p:stCondLst>
+                                    <p:cond delay="0"/>
+                                  </p:stCondLst>
+                                  <p:childTnLst>
+                                    <p:set>
+                                      <p:cBhvr>
+                                        <p:cTn id="32" dur="1" fill="hold">
+                                          <p:stCondLst>
+                                            <p:cond delay="0"/>
+                                          </p:stCondLst>
+                                        </p:cTn>
+                                        <p:tgtEl>
+                                          <p:spTgt spid="48"/>
+                                        </p:tgtEl>
+                                        <p:attrNameLst>
+                                          <p:attrName>style.visibility</p:attrName>
+                                        </p:attrNameLst>
+                                      </p:cBhvr>
+                                      <p:to>
+                                        <p:strVal val="visible"/>
+                                      </p:to>
+                                    </p:set>
+                                    <p:animEffect transition="in" filter="fade">
+                                      <p:cBhvr>
+                                        <p:cTn id="33" dur="500"/>
+                                        <p:tgtEl>
+                                          <p:spTgt spid="48"/>
+                                        </p:tgtEl>
+                                      </p:cBhvr>
+                                    </p:animEffect>
+                                  </p:childTnLst>
+                                </p:cTn>
+                              </p:par>
+                              <p:par>
+                                <p:cTn id="34" presetID="10" presetClass="entr" presetSubtype="0" fill="hold" grpId="0" nodeType="withEffect">
+                                  <p:stCondLst>
+                                    <p:cond delay="0"/>
+                                  </p:stCondLst>
+                                  <p:childTnLst>
+                                    <p:set>
+                                      <p:cBhvr>
+                                        <p:cTn id="35" dur="1" fill="hold">
+                                          <p:stCondLst>
+                                            <p:cond delay="0"/>
+                                          </p:stCondLst>
+                                        </p:cTn>
+                                        <p:tgtEl>
+                                          <p:spTgt spid="49"/>
+                                        </p:tgtEl>
+                                        <p:attrNameLst>
+                                          <p:attrName>style.visibility</p:attrName>
+                                        </p:attrNameLst>
+                                      </p:cBhvr>
+                                      <p:to>
+                                        <p:strVal val="visible"/>
+                                      </p:to>
+                                    </p:set>
+                                    <p:animEffect transition="in" filter="fade">
+                                      <p:cBhvr>
+                                        <p:cTn id="36" dur="500"/>
+                                        <p:tgtEl>
+                                          <p:spTgt spid="49"/>
+                                        </p:tgtEl>
+                                      </p:cBhvr>
+                                    </p:animEffect>
+                                  </p:childTnLst>
+                                </p:cTn>
+                              </p:par>
+                            </p:childTnLst>
+                          </p:cTn>
+                        </p:par>
+                      </p:childTnLst>
+                    </p:cTn>
+                  </p:par>
+                  <p:par>
+                    <p:cTn id="37" fill="hold">
+                      <p:stCondLst>
+                        <p:cond delay="indefinite"/>
+                      </p:stCondLst>
+                      <p:childTnLst>
+                        <p:par>
+                          <p:cTn id="38" fill="hold">
+                            <p:stCondLst>
+                              <p:cond delay="0"/>
+                            </p:stCondLst>
+                            <p:childTnLst>
+                              <p:par>
+                                <p:cTn id="39" presetID="10" presetClass="entr" presetSubtype="0" fill="hold" grpId="0" nodeType="clickEffect">
+                                  <p:stCondLst>
+                                    <p:cond delay="0"/>
+                                  </p:stCondLst>
+                                  <p:childTnLst>
+                                    <p:set>
+                                      <p:cBhvr>
+                                        <p:cTn id="40" dur="1" fill="hold">
+                                          <p:stCondLst>
+                                            <p:cond delay="0"/>
+                                          </p:stCondLst>
+                                        </p:cTn>
+                                        <p:tgtEl>
+                                          <p:spTgt spid="108"/>
+                                        </p:tgtEl>
+                                        <p:attrNameLst>
+                                          <p:attrName>style.visibility</p:attrName>
+                                        </p:attrNameLst>
+                                      </p:cBhvr>
+                                      <p:to>
+                                        <p:strVal val="visible"/>
+                                      </p:to>
+                                    </p:set>
+                                    <p:animEffect transition="in" filter="fade">
+                                      <p:cBhvr>
+                                        <p:cTn id="41" dur="500"/>
+                                        <p:tgtEl>
+                                          <p:spTgt spid="108"/>
+                                        </p:tgtEl>
+                                      </p:cBhvr>
+                                    </p:animEffect>
+                                  </p:childTnLst>
+                                </p:cTn>
+                              </p:par>
+                              <p:par>
+                                <p:cTn id="42" presetID="10" presetClass="entr" presetSubtype="0" fill="hold" nodeType="withEffect">
+                                  <p:stCondLst>
+                                    <p:cond delay="0"/>
+                                  </p:stCondLst>
+                                  <p:childTnLst>
+                                    <p:set>
+                                      <p:cBhvr>
+                                        <p:cTn id="43" dur="1" fill="hold">
+                                          <p:stCondLst>
+                                            <p:cond delay="0"/>
+                                          </p:stCondLst>
+                                        </p:cTn>
+                                        <p:tgtEl>
+                                          <p:spTgt spid="170"/>
+                                        </p:tgtEl>
+                                        <p:attrNameLst>
+                                          <p:attrName>style.visibility</p:attrName>
+                                        </p:attrNameLst>
+                                      </p:cBhvr>
+                                      <p:to>
+                                        <p:strVal val="visible"/>
+                                      </p:to>
+                                    </p:set>
+                                    <p:animEffect transition="in" filter="fade">
+                                      <p:cBhvr>
+                                        <p:cTn id="44" dur="500"/>
+                                        <p:tgtEl>
+                                          <p:spTgt spid="170"/>
+                                        </p:tgtEl>
+                                      </p:cBhvr>
+                                    </p:animEffect>
+                                  </p:childTnLst>
+                                </p:cTn>
+                              </p:par>
+                            </p:childTnLst>
+                          </p:cTn>
+                        </p:par>
+                      </p:childTnLst>
+                    </p:cTn>
+                  </p:par>
+                  <p:par>
+                    <p:cTn id="45" fill="hold">
+                      <p:stCondLst>
+                        <p:cond delay="indefinite"/>
+                      </p:stCondLst>
+                      <p:childTnLst>
+                        <p:par>
+                          <p:cTn id="46" fill="hold">
+                            <p:stCondLst>
+                              <p:cond delay="0"/>
+                            </p:stCondLst>
+                            <p:childTnLst>
+                              <p:par>
+                                <p:cTn id="47" presetID="10" presetClass="entr" presetSubtype="0" fill="hold" grpId="0" nodeType="clickEffect">
+                                  <p:stCondLst>
+                                    <p:cond delay="0"/>
+                                  </p:stCondLst>
+                                  <p:childTnLst>
+                                    <p:set>
+                                      <p:cBhvr>
+                                        <p:cTn id="48" dur="1" fill="hold">
+                                          <p:stCondLst>
+                                            <p:cond delay="0"/>
+                                          </p:stCondLst>
+                                        </p:cTn>
+                                        <p:tgtEl>
+                                          <p:spTgt spid="3101"/>
+                                        </p:tgtEl>
+                                        <p:attrNameLst>
+                                          <p:attrName>style.visibility</p:attrName>
+                                        </p:attrNameLst>
+                                      </p:cBhvr>
+                                      <p:to>
+                                        <p:strVal val="visible"/>
+                                      </p:to>
+                                    </p:set>
+                                    <p:animEffect transition="in" filter="fade">
+                                      <p:cBhvr>
+                                        <p:cTn id="49" dur="500"/>
+                                        <p:tgtEl>
+                                          <p:spTgt spid="3101"/>
+                                        </p:tgtEl>
+                                      </p:cBhvr>
+                                    </p:animEffect>
+                                  </p:childTnLst>
+                                </p:cTn>
+                              </p:par>
+                              <p:par>
+                                <p:cTn id="50" presetID="10" presetClass="entr" presetSubtype="0" fill="hold" nodeType="withEffect">
+                                  <p:stCondLst>
+                                    <p:cond delay="0"/>
+                                  </p:stCondLst>
+                                  <p:childTnLst>
+                                    <p:set>
+                                      <p:cBhvr>
+                                        <p:cTn id="51" dur="1" fill="hold">
+                                          <p:stCondLst>
+                                            <p:cond delay="0"/>
+                                          </p:stCondLst>
+                                        </p:cTn>
+                                        <p:tgtEl>
+                                          <p:spTgt spid="204"/>
+                                        </p:tgtEl>
+                                        <p:attrNameLst>
+                                          <p:attrName>style.visibility</p:attrName>
+                                        </p:attrNameLst>
+                                      </p:cBhvr>
+                                      <p:to>
+                                        <p:strVal val="visible"/>
+                                      </p:to>
+                                    </p:set>
+                                    <p:animEffect transition="in" filter="fade">
+                                      <p:cBhvr>
+                                        <p:cTn id="52" dur="500"/>
+                                        <p:tgtEl>
+                                          <p:spTgt spid="204"/>
+                                        </p:tgtEl>
+                                      </p:cBhvr>
+                                    </p:animEffect>
+                                  </p:childTnLst>
+                                </p:cTn>
+                              </p:par>
+                            </p:childTnLst>
+                          </p:cTn>
+                        </p:par>
+                      </p:childTnLst>
+                    </p:cTn>
+                  </p:par>
+                  <p:par>
+                    <p:cTn id="53" fill="hold">
+                      <p:stCondLst>
+                        <p:cond delay="indefinite"/>
+                      </p:stCondLst>
+                      <p:childTnLst>
+                        <p:par>
+                          <p:cTn id="54" fill="hold">
+                            <p:stCondLst>
+                              <p:cond delay="0"/>
+                            </p:stCondLst>
+                            <p:childTnLst>
+                              <p:par>
+                                <p:cTn id="55" presetID="10" presetClass="entr" presetSubtype="0" fill="hold" grpId="0" nodeType="clickEffect">
+                                  <p:stCondLst>
+                                    <p:cond delay="0"/>
+                                  </p:stCondLst>
+                                  <p:childTnLst>
+                                    <p:set>
+                                      <p:cBhvr>
+                                        <p:cTn id="56" dur="1" fill="hold">
+                                          <p:stCondLst>
+                                            <p:cond delay="0"/>
+                                          </p:stCondLst>
+                                        </p:cTn>
+                                        <p:tgtEl>
+                                          <p:spTgt spid="3102"/>
+                                        </p:tgtEl>
+                                        <p:attrNameLst>
+                                          <p:attrName>style.visibility</p:attrName>
+                                        </p:attrNameLst>
+                                      </p:cBhvr>
+                                      <p:to>
+                                        <p:strVal val="visible"/>
+                                      </p:to>
+                                    </p:set>
+                                    <p:animEffect transition="in" filter="fade">
+                                      <p:cBhvr>
+                                        <p:cTn id="57" dur="500"/>
+                                        <p:tgtEl>
+                                          <p:spTgt spid="3102"/>
+                                        </p:tgtEl>
+                                      </p:cBhvr>
+                                    </p:animEffect>
+                                  </p:childTnLst>
+                                </p:cTn>
+                              </p:par>
+                              <p:par>
+                                <p:cTn id="58" presetID="10" presetClass="entr" presetSubtype="0" fill="hold" nodeType="withEffect">
+                                  <p:stCondLst>
+                                    <p:cond delay="0"/>
+                                  </p:stCondLst>
+                                  <p:childTnLst>
+                                    <p:set>
+                                      <p:cBhvr>
+                                        <p:cTn id="59" dur="1" fill="hold">
+                                          <p:stCondLst>
+                                            <p:cond delay="0"/>
+                                          </p:stCondLst>
+                                        </p:cTn>
+                                        <p:tgtEl>
+                                          <p:spTgt spid="210"/>
+                                        </p:tgtEl>
+                                        <p:attrNameLst>
+                                          <p:attrName>style.visibility</p:attrName>
+                                        </p:attrNameLst>
+                                      </p:cBhvr>
+                                      <p:to>
+                                        <p:strVal val="visible"/>
+                                      </p:to>
+                                    </p:set>
+                                    <p:animEffect transition="in" filter="fade">
+                                      <p:cBhvr>
+                                        <p:cTn id="60" dur="500"/>
+                                        <p:tgtEl>
+                                          <p:spTgt spid="210"/>
+                                        </p:tgtEl>
+                                      </p:cBhvr>
+                                    </p:animEffect>
+                                  </p:childTnLst>
+                                </p:cTn>
+                              </p:par>
+                            </p:childTnLst>
+                          </p:cTn>
+                        </p:par>
+                      </p:childTnLst>
+                    </p:cTn>
+                  </p:par>
+                  <p:par>
+                    <p:cTn id="61" fill="hold">
+                      <p:stCondLst>
+                        <p:cond delay="indefinite"/>
+                      </p:stCondLst>
+                      <p:childTnLst>
+                        <p:par>
+                          <p:cTn id="62" fill="hold">
+                            <p:stCondLst>
+                              <p:cond delay="0"/>
+                            </p:stCondLst>
+                            <p:childTnLst>
+                              <p:par>
+                                <p:cTn id="63" presetID="10" presetClass="entr" presetSubtype="0" fill="hold" grpId="0" nodeType="clickEffect">
+                                  <p:stCondLst>
+                                    <p:cond delay="0"/>
+                                  </p:stCondLst>
+                                  <p:childTnLst>
+                                    <p:set>
+                                      <p:cBhvr>
+                                        <p:cTn id="64" dur="1" fill="hold">
+                                          <p:stCondLst>
+                                            <p:cond delay="0"/>
+                                          </p:stCondLst>
+                                        </p:cTn>
+                                        <p:tgtEl>
+                                          <p:spTgt spid="138"/>
+                                        </p:tgtEl>
+                                        <p:attrNameLst>
+                                          <p:attrName>style.visibility</p:attrName>
+                                        </p:attrNameLst>
+                                      </p:cBhvr>
+                                      <p:to>
+                                        <p:strVal val="visible"/>
+                                      </p:to>
+                                    </p:set>
+                                    <p:animEffect transition="in" filter="fade">
+                                      <p:cBhvr>
+                                        <p:cTn id="65" dur="500"/>
+                                        <p:tgtEl>
+                                          <p:spTgt spid="138"/>
+                                        </p:tgtEl>
+                                      </p:cBhvr>
+                                    </p:animEffect>
+                                  </p:childTnLst>
+                                </p:cTn>
+                              </p:par>
+                            </p:childTnLst>
+                          </p:cTn>
+                        </p:par>
+                      </p:childTnLst>
+                    </p:cTn>
+                  </p:par>
+                  <p:par>
+                    <p:cTn id="66" fill="hold">
+                      <p:stCondLst>
+                        <p:cond delay="indefinite"/>
+                      </p:stCondLst>
+                      <p:childTnLst>
+                        <p:par>
+                          <p:cTn id="67" fill="hold">
+                            <p:stCondLst>
+                              <p:cond delay="0"/>
+                            </p:stCondLst>
+                            <p:childTnLst>
+                              <p:par>
+                                <p:cTn id="68" presetID="10" presetClass="entr" presetSubtype="0" fill="hold" grpId="0" nodeType="clickEffect">
+                                  <p:stCondLst>
+                                    <p:cond delay="0"/>
+                                  </p:stCondLst>
+                                  <p:childTnLst>
+                                    <p:set>
+                                      <p:cBhvr>
+                                        <p:cTn id="69" dur="1" fill="hold">
+                                          <p:stCondLst>
+                                            <p:cond delay="0"/>
+                                          </p:stCondLst>
+                                        </p:cTn>
+                                        <p:tgtEl>
+                                          <p:spTgt spid="143"/>
+                                        </p:tgtEl>
+                                        <p:attrNameLst>
+                                          <p:attrName>style.visibility</p:attrName>
+                                        </p:attrNameLst>
+                                      </p:cBhvr>
+                                      <p:to>
+                                        <p:strVal val="visible"/>
+                                      </p:to>
+                                    </p:set>
+                                    <p:animEffect transition="in" filter="fade">
+                                      <p:cBhvr>
+                                        <p:cTn id="70" dur="500"/>
+                                        <p:tgtEl>
+                                          <p:spTgt spid="143"/>
+                                        </p:tgtEl>
+                                      </p:cBhvr>
+                                    </p:animEffect>
+                                  </p:childTnLst>
+                                </p:cTn>
+                              </p:par>
+                            </p:childTnLst>
+                          </p:cTn>
+                        </p:par>
+                      </p:childTnLst>
+                    </p:cTn>
+                  </p:par>
+                  <p:par>
+                    <p:cTn id="71" fill="hold">
+                      <p:stCondLst>
+                        <p:cond delay="indefinite"/>
+                      </p:stCondLst>
+                      <p:childTnLst>
+                        <p:par>
+                          <p:cTn id="72" fill="hold">
+                            <p:stCondLst>
+                              <p:cond delay="0"/>
+                            </p:stCondLst>
+                            <p:childTnLst>
+                              <p:par>
+                                <p:cTn id="73" presetID="10" presetClass="entr" presetSubtype="0" fill="hold" grpId="0" nodeType="clickEffect">
+                                  <p:stCondLst>
+                                    <p:cond delay="0"/>
+                                  </p:stCondLst>
+                                  <p:childTnLst>
+                                    <p:set>
+                                      <p:cBhvr>
+                                        <p:cTn id="74" dur="1" fill="hold">
+                                          <p:stCondLst>
+                                            <p:cond delay="0"/>
+                                          </p:stCondLst>
+                                        </p:cTn>
+                                        <p:tgtEl>
+                                          <p:spTgt spid="141"/>
+                                        </p:tgtEl>
+                                        <p:attrNameLst>
+                                          <p:attrName>style.visibility</p:attrName>
+                                        </p:attrNameLst>
+                                      </p:cBhvr>
+                                      <p:to>
+                                        <p:strVal val="visible"/>
+                                      </p:to>
+                                    </p:set>
+                                    <p:animEffect transition="in" filter="fade">
+                                      <p:cBhvr>
+                                        <p:cTn id="75" dur="500"/>
+                                        <p:tgtEl>
+                                          <p:spTgt spid="141"/>
+                                        </p:tgtEl>
+                                      </p:cBhvr>
+                                    </p:animEffect>
+                                  </p:childTnLst>
+                                </p:cTn>
+                              </p:par>
+                              <p:par>
+                                <p:cTn id="76" presetID="10" presetClass="entr" presetSubtype="0" fill="hold" grpId="0" nodeType="withEffect">
+                                  <p:stCondLst>
+                                    <p:cond delay="0"/>
+                                  </p:stCondLst>
+                                  <p:childTnLst>
+                                    <p:set>
+                                      <p:cBhvr>
+                                        <p:cTn id="77" dur="1" fill="hold">
+                                          <p:stCondLst>
+                                            <p:cond delay="0"/>
+                                          </p:stCondLst>
+                                        </p:cTn>
+                                        <p:tgtEl>
+                                          <p:spTgt spid="139"/>
+                                        </p:tgtEl>
+                                        <p:attrNameLst>
+                                          <p:attrName>style.visibility</p:attrName>
+                                        </p:attrNameLst>
+                                      </p:cBhvr>
+                                      <p:to>
+                                        <p:strVal val="visible"/>
+                                      </p:to>
+                                    </p:set>
+                                    <p:animEffect transition="in" filter="fade">
+                                      <p:cBhvr>
+                                        <p:cTn id="78" dur="500"/>
+                                        <p:tgtEl>
+                                          <p:spTgt spid="139"/>
+                                        </p:tgtEl>
+                                      </p:cBhvr>
+                                    </p:animEffect>
+                                  </p:childTnLst>
+                                </p:cTn>
+                              </p:par>
+                            </p:childTnLst>
+                          </p:cTn>
+                        </p:par>
+                      </p:childTnLst>
+                    </p:cTn>
+                  </p:par>
+                  <p:par>
+                    <p:cTn id="79" fill="hold">
+                      <p:stCondLst>
+                        <p:cond delay="indefinite"/>
+                      </p:stCondLst>
+                      <p:childTnLst>
+                        <p:par>
+                          <p:cTn id="80" fill="hold">
+                            <p:stCondLst>
+                              <p:cond delay="0"/>
+                            </p:stCondLst>
+                            <p:childTnLst>
+                              <p:par>
+                                <p:cTn id="81" presetID="10" presetClass="entr" presetSubtype="0" fill="hold" nodeType="clickEffect">
+                                  <p:stCondLst>
+                                    <p:cond delay="0"/>
+                                  </p:stCondLst>
+                                  <p:childTnLst>
+                                    <p:set>
+                                      <p:cBhvr>
+                                        <p:cTn id="82" dur="1" fill="hold">
+                                          <p:stCondLst>
+                                            <p:cond delay="0"/>
+                                          </p:stCondLst>
+                                        </p:cTn>
+                                        <p:tgtEl>
+                                          <p:spTgt spid="68"/>
+                                        </p:tgtEl>
+                                        <p:attrNameLst>
+                                          <p:attrName>style.visibility</p:attrName>
+                                        </p:attrNameLst>
+                                      </p:cBhvr>
+                                      <p:to>
+                                        <p:strVal val="visible"/>
+                                      </p:to>
+                                    </p:set>
+                                    <p:animEffect transition="in" filter="fade">
+                                      <p:cBhvr>
+                                        <p:cTn id="83" dur="500"/>
+                                        <p:tgtEl>
+                                          <p:spTgt spid="68"/>
+                                        </p:tgtEl>
+                                      </p:cBhvr>
+                                    </p:animEffect>
+                                  </p:childTnLst>
+                                </p:cTn>
+                              </p:par>
+                              <p:par>
+                                <p:cTn id="84" presetID="10" presetClass="entr" presetSubtype="0" fill="hold" nodeType="withEffect">
+                                  <p:stCondLst>
+                                    <p:cond delay="0"/>
+                                  </p:stCondLst>
+                                  <p:childTnLst>
+                                    <p:set>
+                                      <p:cBhvr>
+                                        <p:cTn id="85" dur="1" fill="hold">
+                                          <p:stCondLst>
+                                            <p:cond delay="0"/>
+                                          </p:stCondLst>
+                                        </p:cTn>
+                                        <p:tgtEl>
+                                          <p:spTgt spid="51"/>
+                                        </p:tgtEl>
+                                        <p:attrNameLst>
+                                          <p:attrName>style.visibility</p:attrName>
+                                        </p:attrNameLst>
+                                      </p:cBhvr>
+                                      <p:to>
+                                        <p:strVal val="visible"/>
+                                      </p:to>
+                                    </p:set>
+                                    <p:animEffect transition="in" filter="fade">
+                                      <p:cBhvr>
+                                        <p:cTn id="86" dur="500"/>
+                                        <p:tgtEl>
+                                          <p:spTgt spid="51"/>
+                                        </p:tgtEl>
+                                      </p:cBhvr>
+                                    </p:animEffect>
+                                  </p:childTnLst>
+                                </p:cTn>
+                              </p:par>
+                            </p:childTnLst>
+                          </p:cTn>
+                        </p:par>
+                      </p:childTnLst>
+                    </p:cTn>
+                  </p:par>
+                </p:childTnLst>
+              </p:cTn>
+              <p:prevCondLst>
+                <p:cond evt="onPrev" delay="0">
+                  <p:tgtEl>
+                    <p:sldTgt/>
+                  </p:tgtEl>
+                </p:cond>
+              </p:prevCondLst>
+              <p:nextCondLst>
+                <p:cond evt="onNext" delay="0">
+                  <p:tgtEl>
+                    <p:sldTgt/>
+                  </p:tgtEl>
+                </p:cond>
+              </p:nextCondLst>
+            </p:seq>
+          </p:childTnLst>
+        </p:cTn>
+      </p:par>
+    </p:tnLst>
+    <p:bldLst>
+      <p:bldP spid="40" grpId="0" animBg="1"/>
+      <p:bldP spid="49" grpId="0"/>
+      <p:bldP spid="104" grpId="0" animBg="1"/>
+      <p:bldP spid="108" grpId="0" animBg="1"/>
+      <p:bldP spid="3101" grpId="0" animBg="1"/>
+      <p:bldP spid="3102" grpId="0" animBg="1"/>
+      <p:bldP spid="138" grpId="0" animBg="1"/>
+      <p:bldP spid="139" grpId="0" animBg="1"/>
+      <p:bldP spid="141" grpId="0" animBg="1"/>
+      <p:bldP spid="145" grpId="0" animBg="1"/>
+      <p:bldP spid="147" grpId="0" animBg="1"/>
+      <p:bldP spid="2" grpId="0"/>
+      <p:bldP spid="143" grpId="0" animBg="1"/>
+    </p:bldLst>
+  </p:timing>
 </p:sld>
 </file>
 
@@ -5992,70 +8373,48 @@
           <a:p>
             <a:pPr fontAlgn="base"/>
             <a:r>
+              <a:rPr lang="en-GB" dirty="0" err="1"/>
+              <a:t>Makefile</a:t>
+            </a:r>
+            <a:r>
               <a:rPr lang="en-GB" dirty="0"/>
-              <a:t>Build (and testing) of each component is automated </a:t>
+              <a:t>: build and test of each component in one command</a:t>
             </a:r>
           </a:p>
           <a:p>
             <a:pPr fontAlgn="base"/>
             <a:r>
               <a:rPr lang="en-GB" dirty="0"/>
-              <a:t>Every commit triggers a build, deployment and tests</a:t>
+              <a:t>Every commit triggers a build, a deployment and run tests</a:t>
             </a:r>
           </a:p>
           <a:p>
             <a:pPr fontAlgn="base"/>
             <a:r>
+              <a:rPr lang="en-GB" dirty="0"/>
+              <a:t>Test Artifacts in </a:t>
+            </a:r>
+            <a:r>
               <a:rPr lang="en-GB" dirty="0" err="1"/>
-              <a:t>Artifacts</a:t>
+              <a:t>gitlab</a:t>
             </a:r>
             <a:r>
               <a:rPr lang="en-GB" dirty="0"/>
-              <a:t> transferred in an integration repository </a:t>
-            </a:r>
-          </a:p>
-          <a:p>
-            <a:pPr lvl="1" fontAlgn="base"/>
+              <a:t> for each pipeline run </a:t>
+            </a:r>
+          </a:p>
+          <a:p>
+            <a:pPr fontAlgn="base"/>
             <a:r>
               <a:rPr lang="en-GB" dirty="0"/>
-              <a:t>which run a </a:t>
-            </a:r>
-            <a:r>
-              <a:rPr lang="en-GB" dirty="0" err="1"/>
-              <a:t>kubernetes</a:t>
-            </a:r>
+              <a:t>Other artifacts available on nexus (docker images, helm charts, python modules, etc.)</a:t>
+            </a:r>
+          </a:p>
+          <a:p>
+            <a:pPr fontAlgn="base"/>
             <a:r>
               <a:rPr lang="en-GB" dirty="0"/>
-              <a:t> cluster and more tests are done</a:t>
-            </a:r>
-          </a:p>
-          <a:p>
-            <a:pPr fontAlgn="base"/>
-            <a:r>
-              <a:rPr lang="en-GB" dirty="0"/>
-              <a:t>Common repository for </a:t>
-            </a:r>
-            <a:r>
-              <a:rPr lang="en-GB" dirty="0" err="1"/>
-              <a:t>artifacts</a:t>
-            </a:r>
-            <a:r>
-              <a:rPr lang="en-GB" dirty="0"/>
-              <a:t> and test results </a:t>
-            </a:r>
-          </a:p>
-          <a:p>
-            <a:pPr lvl="1" fontAlgn="base"/>
-            <a:r>
-              <a:rPr lang="en-GB" dirty="0"/>
-              <a:t>very easy to download the latest changes for each component</a:t>
-            </a:r>
-          </a:p>
-          <a:p>
-            <a:pPr fontAlgn="base"/>
-            <a:r>
-              <a:rPr lang="en-GB" dirty="0"/>
-              <a:t>Integration environment is accessible for every developer</a:t>
+              <a:t>Integration environment is accessible for every developer in every repository</a:t>
             </a:r>
           </a:p>
         </p:txBody>
@@ -6489,101 +8848,6 @@
                                   </p:childTnLst>
                                 </p:cTn>
                               </p:par>
-                              <p:par>
-                                <p:cTn id="31" presetID="10" presetClass="entr" presetSubtype="0" fill="hold" nodeType="withEffect">
-                                  <p:stCondLst>
-                                    <p:cond delay="0"/>
-                                  </p:stCondLst>
-                                  <p:childTnLst>
-                                    <p:set>
-                                      <p:cBhvr>
-                                        <p:cTn id="32" dur="1" fill="hold">
-                                          <p:stCondLst>
-                                            <p:cond delay="0"/>
-                                          </p:stCondLst>
-                                        </p:cTn>
-                                        <p:tgtEl>
-                                          <p:spTgt spid="2">
-                                            <p:txEl>
-                                              <p:pRg st="7" end="7"/>
-                                            </p:txEl>
-                                          </p:spTgt>
-                                        </p:tgtEl>
-                                        <p:attrNameLst>
-                                          <p:attrName>style.visibility</p:attrName>
-                                        </p:attrNameLst>
-                                      </p:cBhvr>
-                                      <p:to>
-                                        <p:strVal val="visible"/>
-                                      </p:to>
-                                    </p:set>
-                                    <p:animEffect transition="in" filter="fade">
-                                      <p:cBhvr>
-                                        <p:cTn id="33" dur="500"/>
-                                        <p:tgtEl>
-                                          <p:spTgt spid="2">
-                                            <p:txEl>
-                                              <p:pRg st="7" end="7"/>
-                                            </p:txEl>
-                                          </p:spTgt>
-                                        </p:tgtEl>
-                                      </p:cBhvr>
-                                    </p:animEffect>
-                                  </p:childTnLst>
-                                </p:cTn>
-                              </p:par>
-                            </p:childTnLst>
-                          </p:cTn>
-                        </p:par>
-                        <p:par>
-                          <p:cTn id="34" fill="hold">
-                            <p:stCondLst>
-                              <p:cond delay="3000"/>
-                            </p:stCondLst>
-                            <p:childTnLst>
-                              <p:par>
-                                <p:cTn id="35" presetID="10" presetClass="entr" presetSubtype="0" fill="hold" nodeType="afterEffect">
-                                  <p:stCondLst>
-                                    <p:cond delay="0"/>
-                                  </p:stCondLst>
-                                  <p:childTnLst>
-                                    <p:set>
-                                      <p:cBhvr>
-                                        <p:cTn id="36" dur="1" fill="hold">
-                                          <p:stCondLst>
-                                            <p:cond delay="0"/>
-                                          </p:stCondLst>
-                                        </p:cTn>
-                                        <p:tgtEl>
-                                          <p:spTgt spid="2">
-                                            <p:txEl>
-                                              <p:pRg st="8" end="8"/>
-                                            </p:txEl>
-                                          </p:spTgt>
-                                        </p:tgtEl>
-                                        <p:attrNameLst>
-                                          <p:attrName>style.visibility</p:attrName>
-                                        </p:attrNameLst>
-                                      </p:cBhvr>
-                                      <p:to>
-                                        <p:strVal val="visible"/>
-                                      </p:to>
-                                    </p:set>
-                                    <p:animEffect transition="in" filter="fade">
-                                      <p:cBhvr>
-                                        <p:cTn id="37" dur="500"/>
-                                        <p:tgtEl>
-                                          <p:spTgt spid="2">
-                                            <p:txEl>
-                                              <p:pRg st="8" end="8"/>
-                                            </p:txEl>
-                                          </p:spTgt>
-                                        </p:tgtEl>
-                                      </p:cBhvr>
-                                    </p:animEffect>
-                                  </p:childTnLst>
-                                </p:cTn>
-                              </p:par>
                             </p:childTnLst>
                           </p:cTn>
                         </p:par>
@@ -8175,23 +10439,23 @@
             </a:r>
             <a:r>
               <a:rPr lang="it-IT" sz="2800" dirty="0"/>
-              <a:t> component of the system </a:t>
+              <a:t> component of the system can be </a:t>
             </a:r>
             <a:r>
               <a:rPr lang="it-IT" sz="2800" dirty="0" err="1"/>
-              <a:t>is</a:t>
+              <a:t>deployed</a:t>
             </a:r>
             <a:r>
               <a:rPr lang="it-IT" sz="2800" dirty="0"/>
-              <a:t> </a:t>
+              <a:t> (</a:t>
             </a:r>
             <a:r>
               <a:rPr lang="it-IT" sz="2800" dirty="0" err="1"/>
-              <a:t>drawn</a:t>
+              <a:t>run</a:t>
             </a:r>
             <a:r>
               <a:rPr lang="it-IT" sz="2800" dirty="0"/>
-              <a:t> with an </a:t>
+              <a:t>) with an </a:t>
             </a:r>
             <a:r>
               <a:rPr lang="it-IT" sz="2800" dirty="0" err="1"/>
@@ -8214,6 +10478,92 @@
   <p:clrMapOvr>
     <a:masterClrMapping/>
   </p:clrMapOvr>
+  <p:timing>
+    <p:tnLst>
+      <p:par>
+        <p:cTn id="1" dur="indefinite" restart="never" nodeType="tmRoot">
+          <p:childTnLst>
+            <p:seq concurrent="1" nextAc="seek">
+              <p:cTn id="2" dur="indefinite" nodeType="mainSeq">
+                <p:childTnLst>
+                  <p:par>
+                    <p:cTn id="3" fill="hold">
+                      <p:stCondLst>
+                        <p:cond delay="indefinite"/>
+                      </p:stCondLst>
+                      <p:childTnLst>
+                        <p:par>
+                          <p:cTn id="4" fill="hold">
+                            <p:stCondLst>
+                              <p:cond delay="0"/>
+                            </p:stCondLst>
+                            <p:childTnLst>
+                              <p:par>
+                                <p:cTn id="5" presetID="10" presetClass="entr" presetSubtype="0" fill="hold" grpId="0" nodeType="clickEffect">
+                                  <p:stCondLst>
+                                    <p:cond delay="0"/>
+                                  </p:stCondLst>
+                                  <p:childTnLst>
+                                    <p:set>
+                                      <p:cBhvr>
+                                        <p:cTn id="6" dur="1" fill="hold">
+                                          <p:stCondLst>
+                                            <p:cond delay="0"/>
+                                          </p:stCondLst>
+                                        </p:cTn>
+                                        <p:tgtEl>
+                                          <p:spTgt spid="5"/>
+                                        </p:tgtEl>
+                                        <p:attrNameLst>
+                                          <p:attrName>style.visibility</p:attrName>
+                                        </p:attrNameLst>
+                                      </p:cBhvr>
+                                      <p:to>
+                                        <p:strVal val="visible"/>
+                                      </p:to>
+                                    </p:set>
+                                    <p:animEffect transition="in" filter="fade">
+                                      <p:cBhvr>
+                                        <p:cTn id="7" dur="500"/>
+                                        <p:tgtEl>
+                                          <p:spTgt spid="5"/>
+                                        </p:tgtEl>
+                                      </p:cBhvr>
+                                    </p:animEffect>
+                                  </p:childTnLst>
+                                </p:cTn>
+                              </p:par>
+                            </p:childTnLst>
+                          </p:cTn>
+                        </p:par>
+                      </p:childTnLst>
+                    </p:cTn>
+                  </p:par>
+                </p:childTnLst>
+              </p:cTn>
+              <p:prevCondLst>
+                <p:cond evt="onPrev" delay="0">
+                  <p:tgtEl>
+                    <p:sldTgt/>
+                  </p:tgtEl>
+                </p:cond>
+              </p:prevCondLst>
+              <p:nextCondLst>
+                <p:cond evt="onNext" delay="0">
+                  <p:tgtEl>
+                    <p:sldTgt/>
+                  </p:tgtEl>
+                </p:cond>
+              </p:nextCondLst>
+            </p:seq>
+          </p:childTnLst>
+        </p:cTn>
+      </p:par>
+    </p:tnLst>
+    <p:bldLst>
+      <p:bldP spid="5" grpId="0" animBg="1"/>
+    </p:bldLst>
+  </p:timing>
 </p:sld>
 </file>
 

--- a/11452-15_talk.pptx
+++ b/11452-15_talk.pptx
@@ -3869,8 +3869,8 @@
         </p:nvSpPr>
         <p:spPr>
           <a:xfrm>
-            <a:off x="2754732" y="2710022"/>
-            <a:ext cx="5531566" cy="3312541"/>
+            <a:off x="2033558" y="2541730"/>
+            <a:ext cx="7019002" cy="3868790"/>
           </a:xfrm>
           <a:prstGeom prst="irregularSeal2">
             <a:avLst/>
@@ -3908,15 +3908,7 @@
             </a:r>
             <a:r>
               <a:rPr lang="it-IT" sz="2400" dirty="0"/>
-              <a:t> </a:t>
-            </a:r>
-            <a:r>
-              <a:rPr lang="it-IT" sz="2400" dirty="0" err="1"/>
-              <a:t>purpose</a:t>
-            </a:r>
-            <a:r>
-              <a:rPr lang="it-IT" sz="2400" dirty="0"/>
-              <a:t>, </a:t>
+              <a:t> repository, </a:t>
             </a:r>
             <a:r>
               <a:rPr lang="it-IT" sz="2400" dirty="0" err="1"/>
@@ -3928,11 +3920,27 @@
             </a:r>
             <a:r>
               <a:rPr lang="it-IT" sz="2400" dirty="0" err="1"/>
-              <a:t>will</a:t>
+              <a:t>is</a:t>
             </a:r>
             <a:r>
               <a:rPr lang="it-IT" sz="2400" dirty="0"/>
-              <a:t> be one chart</a:t>
+              <a:t> an </a:t>
+            </a:r>
+            <a:r>
+              <a:rPr lang="it-IT" sz="2400" dirty="0" err="1"/>
+              <a:t>umbrella</a:t>
+            </a:r>
+            <a:r>
+              <a:rPr lang="it-IT" sz="2400" dirty="0"/>
+              <a:t> chart for </a:t>
+            </a:r>
+            <a:r>
+              <a:rPr lang="it-IT" sz="2400" dirty="0" err="1"/>
+              <a:t>integration</a:t>
+            </a:r>
+            <a:r>
+              <a:rPr lang="it-IT" sz="2400" dirty="0"/>
+              <a:t> testing</a:t>
             </a:r>
           </a:p>
         </p:txBody>
@@ -5249,190 +5257,6 @@
           </a:p>
         </p:txBody>
       </p:sp>
-      <p:grpSp>
-        <p:nvGrpSpPr>
-          <p:cNvPr id="3098" name="Gruppo 3097">
-            <a:extLst>
-              <a:ext uri="{FF2B5EF4-FFF2-40B4-BE49-F238E27FC236}">
-                <a16:creationId xmlns:a16="http://schemas.microsoft.com/office/drawing/2014/main" id="{D80E5401-7103-4BC8-BBA4-51AEFF11DC4E}"/>
-              </a:ext>
-            </a:extLst>
-          </p:cNvPr>
-          <p:cNvGrpSpPr/>
-          <p:nvPr/>
-        </p:nvGrpSpPr>
-        <p:grpSpPr>
-          <a:xfrm>
-            <a:off x="1834428" y="3798140"/>
-            <a:ext cx="2074799" cy="1691224"/>
-            <a:chOff x="2400114" y="1975141"/>
-            <a:chExt cx="2074799" cy="1691224"/>
-          </a:xfrm>
-        </p:grpSpPr>
-        <p:sp>
-          <p:nvSpPr>
-            <p:cNvPr id="3095" name="Rettangolo 3094">
-              <a:extLst>
-                <a:ext uri="{FF2B5EF4-FFF2-40B4-BE49-F238E27FC236}">
-                  <a16:creationId xmlns:a16="http://schemas.microsoft.com/office/drawing/2014/main" id="{DB404DF7-A1FD-4983-B842-665B2D0ABD9D}"/>
-                </a:ext>
-              </a:extLst>
-            </p:cNvPr>
-            <p:cNvSpPr/>
-            <p:nvPr/>
-          </p:nvSpPr>
-          <p:spPr>
-            <a:xfrm>
-              <a:off x="2424270" y="1975141"/>
-              <a:ext cx="1973788" cy="1632224"/>
-            </a:xfrm>
-            <a:prstGeom prst="rect">
-              <a:avLst/>
-            </a:prstGeom>
-            <a:solidFill>
-              <a:schemeClr val="accent6">
-                <a:lumMod val="20000"/>
-                <a:lumOff val="80000"/>
-              </a:schemeClr>
-            </a:solidFill>
-          </p:spPr>
-          <p:style>
-            <a:lnRef idx="1">
-              <a:schemeClr val="accent1"/>
-            </a:lnRef>
-            <a:fillRef idx="3">
-              <a:schemeClr val="accent1"/>
-            </a:fillRef>
-            <a:effectRef idx="2">
-              <a:schemeClr val="accent1"/>
-            </a:effectRef>
-            <a:fontRef idx="minor">
-              <a:schemeClr val="lt1"/>
-            </a:fontRef>
-          </p:style>
-          <p:txBody>
-            <a:bodyPr rtlCol="0" anchor="ctr"/>
-            <a:lstStyle/>
-            <a:p>
-              <a:pPr algn="ctr"/>
-              <a:endParaRPr lang="it-IT" dirty="0"/>
-            </a:p>
-          </p:txBody>
-        </p:sp>
-        <p:sp>
-          <p:nvSpPr>
-            <p:cNvPr id="3096" name="CasellaDiTesto 3095">
-              <a:extLst>
-                <a:ext uri="{FF2B5EF4-FFF2-40B4-BE49-F238E27FC236}">
-                  <a16:creationId xmlns:a16="http://schemas.microsoft.com/office/drawing/2014/main" id="{4D125500-D9DF-4486-BC4D-D0DA8EF3D644}"/>
-                </a:ext>
-              </a:extLst>
-            </p:cNvPr>
-            <p:cNvSpPr txBox="1"/>
-            <p:nvPr/>
-          </p:nvSpPr>
-          <p:spPr>
-            <a:xfrm>
-              <a:off x="2400114" y="3297033"/>
-              <a:ext cx="2074799" cy="369332"/>
-            </a:xfrm>
-            <a:prstGeom prst="rect">
-              <a:avLst/>
-            </a:prstGeom>
-            <a:noFill/>
-          </p:spPr>
-          <p:txBody>
-            <a:bodyPr wrap="none" rtlCol="0">
-              <a:spAutoFit/>
-            </a:bodyPr>
-            <a:lstStyle/>
-            <a:p>
-              <a:r>
-                <a:rPr lang="it-IT" dirty="0" err="1"/>
-                <a:t>Isolated</a:t>
-              </a:r>
-              <a:r>
-                <a:rPr lang="it-IT" dirty="0"/>
-                <a:t> </a:t>
-              </a:r>
-              <a:r>
-                <a:rPr lang="it-IT" dirty="0" err="1"/>
-                <a:t>namespace</a:t>
-              </a:r>
-              <a:endParaRPr lang="it-IT" dirty="0"/>
-            </a:p>
-          </p:txBody>
-        </p:sp>
-        <p:sp>
-          <p:nvSpPr>
-            <p:cNvPr id="89" name="Ovale 88">
-              <a:extLst>
-                <a:ext uri="{FF2B5EF4-FFF2-40B4-BE49-F238E27FC236}">
-                  <a16:creationId xmlns:a16="http://schemas.microsoft.com/office/drawing/2014/main" id="{E0FCD020-F021-44EE-B5B2-DA167BD6E857}"/>
-                </a:ext>
-              </a:extLst>
-            </p:cNvPr>
-            <p:cNvSpPr/>
-            <p:nvPr/>
-          </p:nvSpPr>
-          <p:spPr>
-            <a:xfrm>
-              <a:off x="2507303" y="2169359"/>
-              <a:ext cx="1805533" cy="1243789"/>
-            </a:xfrm>
-            <a:prstGeom prst="ellipse">
-              <a:avLst/>
-            </a:prstGeom>
-            <a:solidFill>
-              <a:schemeClr val="tx2">
-                <a:lumMod val="20000"/>
-                <a:lumOff val="80000"/>
-              </a:schemeClr>
-            </a:solidFill>
-          </p:spPr>
-          <p:style>
-            <a:lnRef idx="1">
-              <a:schemeClr val="accent1"/>
-            </a:lnRef>
-            <a:fillRef idx="3">
-              <a:schemeClr val="accent1"/>
-            </a:fillRef>
-            <a:effectRef idx="2">
-              <a:schemeClr val="accent1"/>
-            </a:effectRef>
-            <a:fontRef idx="minor">
-              <a:schemeClr val="lt1"/>
-            </a:fontRef>
-          </p:style>
-          <p:txBody>
-            <a:bodyPr rtlCol="0" anchor="ctr"/>
-            <a:lstStyle/>
-            <a:p>
-              <a:pPr algn="ctr"/>
-              <a:r>
-                <a:rPr lang="it-IT" sz="1600" b="1" i="0" dirty="0" err="1">
-                  <a:solidFill>
-                    <a:srgbClr val="1F1F1F"/>
-                  </a:solidFill>
-                  <a:effectLst/>
-                  <a:latin typeface="Calibri" panose="020F0502020204030204" pitchFamily="34" charset="0"/>
-                </a:rPr>
-                <a:t>GitLab</a:t>
-              </a:r>
-              <a:r>
-                <a:rPr lang="it-IT" sz="1600" b="1" i="0" dirty="0">
-                  <a:solidFill>
-                    <a:srgbClr val="1F1F1F"/>
-                  </a:solidFill>
-                  <a:effectLst/>
-                  <a:latin typeface="Calibri" panose="020F0502020204030204" pitchFamily="34" charset="0"/>
-                </a:rPr>
-                <a:t> Runner Helm Chart</a:t>
-              </a:r>
-            </a:p>
-          </p:txBody>
-        </p:sp>
-      </p:grpSp>
       <p:sp>
         <p:nvSpPr>
           <p:cNvPr id="108" name="Saetta 107">
@@ -5494,7 +5318,7 @@
         </p:nvGrpSpPr>
         <p:grpSpPr>
           <a:xfrm>
-            <a:off x="4866570" y="3398132"/>
+            <a:off x="4820885" y="3614928"/>
             <a:ext cx="2074799" cy="1641418"/>
             <a:chOff x="5221228" y="2265743"/>
             <a:chExt cx="2074799" cy="1641418"/>
@@ -5735,15 +5559,32 @@
             <a:p>
               <a:pPr algn="ctr"/>
               <a:r>
-                <a:rPr lang="it-IT" sz="1600" b="1" i="0" dirty="0">
+                <a:rPr lang="it-IT" sz="1400" b="1" i="0" dirty="0">
                   <a:solidFill>
                     <a:srgbClr val="1F1F1F"/>
                   </a:solidFill>
                   <a:effectLst/>
                   <a:latin typeface="Calibri" panose="020F0502020204030204" pitchFamily="34" charset="0"/>
                 </a:rPr>
-                <a:t>SKA Chart</a:t>
+                <a:t>SKA k8s </a:t>
               </a:r>
+              <a:r>
+                <a:rPr lang="it-IT" sz="1400" b="1" i="0" dirty="0" err="1">
+                  <a:solidFill>
+                    <a:srgbClr val="1F1F1F"/>
+                  </a:solidFill>
+                  <a:effectLst/>
+                  <a:latin typeface="Calibri" panose="020F0502020204030204" pitchFamily="34" charset="0"/>
+                </a:rPr>
+                <a:t>resources</a:t>
+              </a:r>
+              <a:endParaRPr lang="it-IT" sz="1400" b="1" i="0" dirty="0">
+                <a:solidFill>
+                  <a:srgbClr val="1F1F1F"/>
+                </a:solidFill>
+                <a:effectLst/>
+                <a:latin typeface="Calibri" panose="020F0502020204030204" pitchFamily="34" charset="0"/>
+              </a:endParaRPr>
             </a:p>
           </p:txBody>
         </p:sp>
@@ -5792,78 +5633,6 @@
           </p:txBody>
         </p:sp>
       </p:grpSp>
-      <p:cxnSp>
-        <p:nvCxnSpPr>
-          <p:cNvPr id="68" name="Google Shape;113;p15">
-            <a:extLst>
-              <a:ext uri="{FF2B5EF4-FFF2-40B4-BE49-F238E27FC236}">
-                <a16:creationId xmlns:a16="http://schemas.microsoft.com/office/drawing/2014/main" id="{A26A5402-1F4C-4E3C-B1B9-3509A7113FA9}"/>
-              </a:ext>
-            </a:extLst>
-          </p:cNvPr>
-          <p:cNvCxnSpPr>
-            <a:cxnSpLocks/>
-            <a:stCxn id="89" idx="0"/>
-            <a:endCxn id="145" idx="3"/>
-          </p:cNvCxnSpPr>
-          <p:nvPr/>
-        </p:nvCxnSpPr>
-        <p:spPr>
-          <a:xfrm flipV="1">
-            <a:off x="2844384" y="2637837"/>
-            <a:ext cx="296321" cy="1354521"/>
-          </a:xfrm>
-          <a:prstGeom prst="straightConnector1">
-            <a:avLst/>
-          </a:prstGeom>
-          <a:noFill/>
-          <a:ln w="15875" cap="flat" cmpd="sng">
-            <a:solidFill>
-              <a:srgbClr val="000000"/>
-            </a:solidFill>
-            <a:prstDash val="solid"/>
-            <a:round/>
-            <a:headEnd type="none" w="med" len="med"/>
-            <a:tailEnd type="triangle" w="med" len="med"/>
-          </a:ln>
-        </p:spPr>
-      </p:cxnSp>
-      <p:cxnSp>
-        <p:nvCxnSpPr>
-          <p:cNvPr id="51" name="Google Shape;113;p15">
-            <a:extLst>
-              <a:ext uri="{FF2B5EF4-FFF2-40B4-BE49-F238E27FC236}">
-                <a16:creationId xmlns:a16="http://schemas.microsoft.com/office/drawing/2014/main" id="{2D5FFB7D-1EBA-4E2E-A395-95B59F9EB271}"/>
-              </a:ext>
-            </a:extLst>
-          </p:cNvPr>
-          <p:cNvCxnSpPr>
-            <a:cxnSpLocks/>
-            <a:stCxn id="89" idx="7"/>
-            <a:endCxn id="147" idx="3"/>
-          </p:cNvCxnSpPr>
-          <p:nvPr/>
-        </p:nvCxnSpPr>
-        <p:spPr>
-          <a:xfrm flipV="1">
-            <a:off x="3482736" y="2629609"/>
-            <a:ext cx="1573010" cy="1544898"/>
-          </a:xfrm>
-          <a:prstGeom prst="straightConnector1">
-            <a:avLst/>
-          </a:prstGeom>
-          <a:noFill/>
-          <a:ln w="15875" cap="flat" cmpd="sng">
-            <a:solidFill>
-              <a:srgbClr val="000000"/>
-            </a:solidFill>
-            <a:prstDash val="solid"/>
-            <a:round/>
-            <a:headEnd type="none" w="med" len="med"/>
-            <a:tailEnd type="triangle" w="med" len="med"/>
-          </a:ln>
-        </p:spPr>
-      </p:cxnSp>
       <p:sp>
         <p:nvSpPr>
           <p:cNvPr id="3101" name="Saetta 3100">
@@ -5972,7 +5741,7 @@
         </p:nvGrpSpPr>
         <p:grpSpPr>
           <a:xfrm>
-            <a:off x="5086904" y="3644089"/>
+            <a:off x="5014625" y="3795686"/>
             <a:ext cx="2074799" cy="1641418"/>
             <a:chOff x="5221228" y="2265743"/>
             <a:chExt cx="2074799" cy="1641418"/>
@@ -6213,15 +5982,32 @@
             <a:p>
               <a:pPr algn="ctr"/>
               <a:r>
-                <a:rPr lang="it-IT" sz="1600" b="1" i="0" dirty="0">
+                <a:rPr lang="it-IT" sz="1400" b="1" i="0" dirty="0">
                   <a:solidFill>
                     <a:srgbClr val="1F1F1F"/>
                   </a:solidFill>
                   <a:effectLst/>
                   <a:latin typeface="Calibri" panose="020F0502020204030204" pitchFamily="34" charset="0"/>
                 </a:rPr>
-                <a:t>SKA Chart</a:t>
+                <a:t>SKA k8s </a:t>
               </a:r>
+              <a:r>
+                <a:rPr lang="it-IT" sz="1400" b="1" i="0" dirty="0" err="1">
+                  <a:solidFill>
+                    <a:srgbClr val="1F1F1F"/>
+                  </a:solidFill>
+                  <a:effectLst/>
+                  <a:latin typeface="Calibri" panose="020F0502020204030204" pitchFamily="34" charset="0"/>
+                </a:rPr>
+                <a:t>resources</a:t>
+              </a:r>
+              <a:endParaRPr lang="it-IT" sz="1400" b="1" i="0" dirty="0">
+                <a:solidFill>
+                  <a:srgbClr val="1F1F1F"/>
+                </a:solidFill>
+                <a:effectLst/>
+                <a:latin typeface="Calibri" panose="020F0502020204030204" pitchFamily="34" charset="0"/>
+              </a:endParaRPr>
             </a:p>
           </p:txBody>
         </p:sp>
@@ -6284,7 +6070,7 @@
         </p:nvGrpSpPr>
         <p:grpSpPr>
           <a:xfrm>
-            <a:off x="5369198" y="3985559"/>
+            <a:off x="5198506" y="3948928"/>
             <a:ext cx="2074799" cy="1641418"/>
             <a:chOff x="5221228" y="2265743"/>
             <a:chExt cx="2074799" cy="1641418"/>
@@ -6525,15 +6311,32 @@
             <a:p>
               <a:pPr algn="ctr"/>
               <a:r>
-                <a:rPr lang="it-IT" sz="1600" b="1" i="0" dirty="0">
+                <a:rPr lang="it-IT" sz="1400" b="1" i="0" dirty="0">
                   <a:solidFill>
                     <a:srgbClr val="1F1F1F"/>
                   </a:solidFill>
                   <a:effectLst/>
                   <a:latin typeface="Calibri" panose="020F0502020204030204" pitchFamily="34" charset="0"/>
                 </a:rPr>
-                <a:t>SKA Chart</a:t>
+                <a:t>SKA k8s </a:t>
               </a:r>
+              <a:r>
+                <a:rPr lang="it-IT" sz="1400" b="1" i="0" dirty="0" err="1">
+                  <a:solidFill>
+                    <a:srgbClr val="1F1F1F"/>
+                  </a:solidFill>
+                  <a:effectLst/>
+                  <a:latin typeface="Calibri" panose="020F0502020204030204" pitchFamily="34" charset="0"/>
+                </a:rPr>
+                <a:t>resources</a:t>
+              </a:r>
+              <a:endParaRPr lang="it-IT" sz="1400" b="1" i="0" dirty="0">
+                <a:solidFill>
+                  <a:srgbClr val="1F1F1F"/>
+                </a:solidFill>
+                <a:effectLst/>
+                <a:latin typeface="Calibri" panose="020F0502020204030204" pitchFamily="34" charset="0"/>
+              </a:endParaRPr>
             </a:p>
           </p:txBody>
         </p:sp>
@@ -6582,42 +6385,6 @@
           </p:txBody>
         </p:sp>
       </p:grpSp>
-      <p:cxnSp>
-        <p:nvCxnSpPr>
-          <p:cNvPr id="48" name="Google Shape;110;p15">
-            <a:extLst>
-              <a:ext uri="{FF2B5EF4-FFF2-40B4-BE49-F238E27FC236}">
-                <a16:creationId xmlns:a16="http://schemas.microsoft.com/office/drawing/2014/main" id="{323751B8-99E5-4E1B-8CC5-10B2D504E9B1}"/>
-              </a:ext>
-            </a:extLst>
-          </p:cNvPr>
-          <p:cNvCxnSpPr>
-            <a:cxnSpLocks/>
-            <a:stCxn id="89" idx="1"/>
-            <a:endCxn id="104" idx="3"/>
-          </p:cNvCxnSpPr>
-          <p:nvPr/>
-        </p:nvCxnSpPr>
-        <p:spPr>
-          <a:xfrm flipH="1" flipV="1">
-            <a:off x="1364137" y="2670736"/>
-            <a:ext cx="841894" cy="1503771"/>
-          </a:xfrm>
-          <a:prstGeom prst="straightConnector1">
-            <a:avLst/>
-          </a:prstGeom>
-          <a:noFill/>
-          <a:ln w="15875" cap="flat" cmpd="sng">
-            <a:solidFill>
-              <a:srgbClr val="000000"/>
-            </a:solidFill>
-            <a:prstDash val="solid"/>
-            <a:round/>
-            <a:headEnd type="none" w="med" len="med"/>
-            <a:tailEnd type="triangle" w="med" len="med"/>
-          </a:ln>
-        </p:spPr>
-      </p:cxnSp>
       <p:sp>
         <p:nvSpPr>
           <p:cNvPr id="138" name="Fumetto: rettangolo 137">
@@ -7067,19 +6834,440 @@
             </a:r>
             <a:r>
               <a:rPr lang="it-IT" dirty="0"/>
-              <a:t> for </a:t>
+              <a:t> for the </a:t>
             </a:r>
             <a:r>
               <a:rPr lang="it-IT" dirty="0" err="1"/>
-              <a:t>automating</a:t>
+              <a:t>automation</a:t>
             </a:r>
             <a:r>
               <a:rPr lang="it-IT" dirty="0"/>
-              <a:t> the deployment and testing</a:t>
+              <a:t> of the deployment and testing</a:t>
             </a:r>
           </a:p>
         </p:txBody>
       </p:sp>
+      <p:grpSp>
+        <p:nvGrpSpPr>
+          <p:cNvPr id="14" name="Gruppo 13">
+            <a:extLst>
+              <a:ext uri="{FF2B5EF4-FFF2-40B4-BE49-F238E27FC236}">
+                <a16:creationId xmlns:a16="http://schemas.microsoft.com/office/drawing/2014/main" id="{5E7A1861-943D-4E1C-8CCE-F0E54D144563}"/>
+              </a:ext>
+            </a:extLst>
+          </p:cNvPr>
+          <p:cNvGrpSpPr/>
+          <p:nvPr/>
+        </p:nvGrpSpPr>
+        <p:grpSpPr>
+          <a:xfrm>
+            <a:off x="1858583" y="3798140"/>
+            <a:ext cx="2103951" cy="1691224"/>
+            <a:chOff x="1858583" y="3798140"/>
+            <a:chExt cx="2103951" cy="1691224"/>
+          </a:xfrm>
+        </p:grpSpPr>
+        <p:sp>
+          <p:nvSpPr>
+            <p:cNvPr id="3095" name="Rettangolo 3094">
+              <a:extLst>
+                <a:ext uri="{FF2B5EF4-FFF2-40B4-BE49-F238E27FC236}">
+                  <a16:creationId xmlns:a16="http://schemas.microsoft.com/office/drawing/2014/main" id="{DB404DF7-A1FD-4983-B842-665B2D0ABD9D}"/>
+                </a:ext>
+              </a:extLst>
+            </p:cNvPr>
+            <p:cNvSpPr/>
+            <p:nvPr/>
+          </p:nvSpPr>
+          <p:spPr>
+            <a:xfrm>
+              <a:off x="1858583" y="3798140"/>
+              <a:ext cx="2070531" cy="1632224"/>
+            </a:xfrm>
+            <a:prstGeom prst="rect">
+              <a:avLst/>
+            </a:prstGeom>
+            <a:solidFill>
+              <a:schemeClr val="accent6">
+                <a:lumMod val="20000"/>
+                <a:lumOff val="80000"/>
+              </a:schemeClr>
+            </a:solidFill>
+          </p:spPr>
+          <p:style>
+            <a:lnRef idx="1">
+              <a:schemeClr val="accent1"/>
+            </a:lnRef>
+            <a:fillRef idx="3">
+              <a:schemeClr val="accent1"/>
+            </a:fillRef>
+            <a:effectRef idx="2">
+              <a:schemeClr val="accent1"/>
+            </a:effectRef>
+            <a:fontRef idx="minor">
+              <a:schemeClr val="lt1"/>
+            </a:fontRef>
+          </p:style>
+          <p:txBody>
+            <a:bodyPr rtlCol="0" anchor="ctr"/>
+            <a:lstStyle/>
+            <a:p>
+              <a:pPr algn="ctr"/>
+              <a:endParaRPr lang="it-IT" dirty="0"/>
+            </a:p>
+          </p:txBody>
+        </p:sp>
+        <p:sp>
+          <p:nvSpPr>
+            <p:cNvPr id="3096" name="CasellaDiTesto 3095">
+              <a:extLst>
+                <a:ext uri="{FF2B5EF4-FFF2-40B4-BE49-F238E27FC236}">
+                  <a16:creationId xmlns:a16="http://schemas.microsoft.com/office/drawing/2014/main" id="{4D125500-D9DF-4486-BC4D-D0DA8EF3D644}"/>
+                </a:ext>
+              </a:extLst>
+            </p:cNvPr>
+            <p:cNvSpPr txBox="1"/>
+            <p:nvPr/>
+          </p:nvSpPr>
+          <p:spPr>
+            <a:xfrm>
+              <a:off x="1887735" y="5120032"/>
+              <a:ext cx="2074799" cy="369332"/>
+            </a:xfrm>
+            <a:prstGeom prst="rect">
+              <a:avLst/>
+            </a:prstGeom>
+            <a:noFill/>
+          </p:spPr>
+          <p:txBody>
+            <a:bodyPr wrap="none" rtlCol="0">
+              <a:spAutoFit/>
+            </a:bodyPr>
+            <a:lstStyle/>
+            <a:p>
+              <a:r>
+                <a:rPr lang="it-IT" dirty="0" err="1"/>
+                <a:t>Isolated</a:t>
+              </a:r>
+              <a:r>
+                <a:rPr lang="it-IT" dirty="0"/>
+                <a:t> </a:t>
+              </a:r>
+              <a:r>
+                <a:rPr lang="it-IT" dirty="0" err="1"/>
+                <a:t>namespace</a:t>
+              </a:r>
+              <a:endParaRPr lang="it-IT" dirty="0"/>
+            </a:p>
+          </p:txBody>
+        </p:sp>
+        <p:sp>
+          <p:nvSpPr>
+            <p:cNvPr id="89" name="Ovale 88">
+              <a:extLst>
+                <a:ext uri="{FF2B5EF4-FFF2-40B4-BE49-F238E27FC236}">
+                  <a16:creationId xmlns:a16="http://schemas.microsoft.com/office/drawing/2014/main" id="{E0FCD020-F021-44EE-B5B2-DA167BD6E857}"/>
+                </a:ext>
+              </a:extLst>
+            </p:cNvPr>
+            <p:cNvSpPr/>
+            <p:nvPr/>
+          </p:nvSpPr>
+          <p:spPr>
+            <a:xfrm>
+              <a:off x="1898852" y="4042164"/>
+              <a:ext cx="1816250" cy="698873"/>
+            </a:xfrm>
+            <a:prstGeom prst="ellipse">
+              <a:avLst/>
+            </a:prstGeom>
+            <a:solidFill>
+              <a:schemeClr val="tx2">
+                <a:lumMod val="20000"/>
+                <a:lumOff val="80000"/>
+              </a:schemeClr>
+            </a:solidFill>
+          </p:spPr>
+          <p:style>
+            <a:lnRef idx="1">
+              <a:schemeClr val="accent1"/>
+            </a:lnRef>
+            <a:fillRef idx="3">
+              <a:schemeClr val="accent1"/>
+            </a:fillRef>
+            <a:effectRef idx="2">
+              <a:schemeClr val="accent1"/>
+            </a:effectRef>
+            <a:fontRef idx="minor">
+              <a:schemeClr val="lt1"/>
+            </a:fontRef>
+          </p:style>
+          <p:txBody>
+            <a:bodyPr rtlCol="0" anchor="ctr"/>
+            <a:lstStyle/>
+            <a:p>
+              <a:pPr algn="ctr"/>
+              <a:endParaRPr lang="it-IT" sz="1600" b="1" i="0" dirty="0">
+                <a:solidFill>
+                  <a:srgbClr val="1F1F1F"/>
+                </a:solidFill>
+                <a:effectLst/>
+                <a:latin typeface="Calibri" panose="020F0502020204030204" pitchFamily="34" charset="0"/>
+              </a:endParaRPr>
+            </a:p>
+          </p:txBody>
+        </p:sp>
+        <p:sp>
+          <p:nvSpPr>
+            <p:cNvPr id="12" name="Ovale 11">
+              <a:extLst>
+                <a:ext uri="{FF2B5EF4-FFF2-40B4-BE49-F238E27FC236}">
+                  <a16:creationId xmlns:a16="http://schemas.microsoft.com/office/drawing/2014/main" id="{9938961A-6EED-478C-8F0D-C95CB8885306}"/>
+                </a:ext>
+              </a:extLst>
+            </p:cNvPr>
+            <p:cNvSpPr/>
+            <p:nvPr/>
+          </p:nvSpPr>
+          <p:spPr>
+            <a:xfrm>
+              <a:off x="1984963" y="4144365"/>
+              <a:ext cx="1816250" cy="698873"/>
+            </a:xfrm>
+            <a:prstGeom prst="ellipse">
+              <a:avLst/>
+            </a:prstGeom>
+            <a:solidFill>
+              <a:schemeClr val="tx2">
+                <a:lumMod val="20000"/>
+                <a:lumOff val="80000"/>
+              </a:schemeClr>
+            </a:solidFill>
+          </p:spPr>
+          <p:style>
+            <a:lnRef idx="1">
+              <a:schemeClr val="accent1"/>
+            </a:lnRef>
+            <a:fillRef idx="3">
+              <a:schemeClr val="accent1"/>
+            </a:fillRef>
+            <a:effectRef idx="2">
+              <a:schemeClr val="accent1"/>
+            </a:effectRef>
+            <a:fontRef idx="minor">
+              <a:schemeClr val="lt1"/>
+            </a:fontRef>
+          </p:style>
+          <p:txBody>
+            <a:bodyPr rtlCol="0" anchor="ctr"/>
+            <a:lstStyle/>
+            <a:p>
+              <a:pPr algn="ctr"/>
+              <a:endParaRPr lang="it-IT" sz="1600" b="1" i="0" dirty="0">
+                <a:solidFill>
+                  <a:srgbClr val="1F1F1F"/>
+                </a:solidFill>
+                <a:effectLst/>
+                <a:latin typeface="Calibri" panose="020F0502020204030204" pitchFamily="34" charset="0"/>
+              </a:endParaRPr>
+            </a:p>
+          </p:txBody>
+        </p:sp>
+        <p:sp>
+          <p:nvSpPr>
+            <p:cNvPr id="13" name="Ovale 12">
+              <a:extLst>
+                <a:ext uri="{FF2B5EF4-FFF2-40B4-BE49-F238E27FC236}">
+                  <a16:creationId xmlns:a16="http://schemas.microsoft.com/office/drawing/2014/main" id="{CA82629A-47EC-4F28-8296-022F8B5D5725}"/>
+                </a:ext>
+              </a:extLst>
+            </p:cNvPr>
+            <p:cNvSpPr/>
+            <p:nvPr/>
+          </p:nvSpPr>
+          <p:spPr>
+            <a:xfrm>
+              <a:off x="2077908" y="4231538"/>
+              <a:ext cx="1816250" cy="786146"/>
+            </a:xfrm>
+            <a:prstGeom prst="ellipse">
+              <a:avLst/>
+            </a:prstGeom>
+            <a:solidFill>
+              <a:schemeClr val="tx2">
+                <a:lumMod val="20000"/>
+                <a:lumOff val="80000"/>
+              </a:schemeClr>
+            </a:solidFill>
+          </p:spPr>
+          <p:style>
+            <a:lnRef idx="1">
+              <a:schemeClr val="accent1"/>
+            </a:lnRef>
+            <a:fillRef idx="3">
+              <a:schemeClr val="accent1"/>
+            </a:fillRef>
+            <a:effectRef idx="2">
+              <a:schemeClr val="accent1"/>
+            </a:effectRef>
+            <a:fontRef idx="minor">
+              <a:schemeClr val="lt1"/>
+            </a:fontRef>
+          </p:style>
+          <p:txBody>
+            <a:bodyPr rtlCol="0" anchor="ctr"/>
+            <a:lstStyle/>
+            <a:p>
+              <a:pPr algn="ctr"/>
+              <a:r>
+                <a:rPr lang="it-IT" sz="1600" b="1" i="0" dirty="0" err="1">
+                  <a:solidFill>
+                    <a:srgbClr val="1F1F1F"/>
+                  </a:solidFill>
+                  <a:effectLst/>
+                  <a:latin typeface="Calibri" panose="020F0502020204030204" pitchFamily="34" charset="0"/>
+                </a:rPr>
+                <a:t>GitLab</a:t>
+              </a:r>
+              <a:r>
+                <a:rPr lang="it-IT" sz="1600" b="1" i="0" dirty="0">
+                  <a:solidFill>
+                    <a:srgbClr val="1F1F1F"/>
+                  </a:solidFill>
+                  <a:effectLst/>
+                  <a:latin typeface="Calibri" panose="020F0502020204030204" pitchFamily="34" charset="0"/>
+                </a:rPr>
+                <a:t> Runner k8s </a:t>
+              </a:r>
+              <a:r>
+                <a:rPr lang="it-IT" sz="1600" b="1" i="0" dirty="0" err="1">
+                  <a:solidFill>
+                    <a:srgbClr val="1F1F1F"/>
+                  </a:solidFill>
+                  <a:effectLst/>
+                  <a:latin typeface="Calibri" panose="020F0502020204030204" pitchFamily="34" charset="0"/>
+                </a:rPr>
+                <a:t>resources</a:t>
+              </a:r>
+              <a:endParaRPr lang="it-IT" sz="1600" b="1" i="0" dirty="0">
+                <a:solidFill>
+                  <a:srgbClr val="1F1F1F"/>
+                </a:solidFill>
+                <a:effectLst/>
+                <a:latin typeface="Calibri" panose="020F0502020204030204" pitchFamily="34" charset="0"/>
+              </a:endParaRPr>
+            </a:p>
+          </p:txBody>
+        </p:sp>
+      </p:grpSp>
+      <p:cxnSp>
+        <p:nvCxnSpPr>
+          <p:cNvPr id="68" name="Google Shape;113;p15">
+            <a:extLst>
+              <a:ext uri="{FF2B5EF4-FFF2-40B4-BE49-F238E27FC236}">
+                <a16:creationId xmlns:a16="http://schemas.microsoft.com/office/drawing/2014/main" id="{A26A5402-1F4C-4E3C-B1B9-3509A7113FA9}"/>
+              </a:ext>
+            </a:extLst>
+          </p:cNvPr>
+          <p:cNvCxnSpPr>
+            <a:cxnSpLocks/>
+            <a:stCxn id="89" idx="0"/>
+            <a:endCxn id="145" idx="3"/>
+          </p:cNvCxnSpPr>
+          <p:nvPr/>
+        </p:nvCxnSpPr>
+        <p:spPr>
+          <a:xfrm flipV="1">
+            <a:off x="2806977" y="2637837"/>
+            <a:ext cx="333728" cy="1404327"/>
+          </a:xfrm>
+          <a:prstGeom prst="straightConnector1">
+            <a:avLst/>
+          </a:prstGeom>
+          <a:noFill/>
+          <a:ln w="15875" cap="flat" cmpd="sng">
+            <a:solidFill>
+              <a:srgbClr val="000000"/>
+            </a:solidFill>
+            <a:prstDash val="solid"/>
+            <a:round/>
+            <a:headEnd type="none" w="med" len="med"/>
+            <a:tailEnd type="triangle" w="med" len="med"/>
+          </a:ln>
+        </p:spPr>
+      </p:cxnSp>
+      <p:cxnSp>
+        <p:nvCxnSpPr>
+          <p:cNvPr id="48" name="Google Shape;110;p15">
+            <a:extLst>
+              <a:ext uri="{FF2B5EF4-FFF2-40B4-BE49-F238E27FC236}">
+                <a16:creationId xmlns:a16="http://schemas.microsoft.com/office/drawing/2014/main" id="{323751B8-99E5-4E1B-8CC5-10B2D504E9B1}"/>
+              </a:ext>
+            </a:extLst>
+          </p:cNvPr>
+          <p:cNvCxnSpPr>
+            <a:cxnSpLocks/>
+            <a:stCxn id="89" idx="1"/>
+            <a:endCxn id="104" idx="3"/>
+          </p:cNvCxnSpPr>
+          <p:nvPr/>
+        </p:nvCxnSpPr>
+        <p:spPr>
+          <a:xfrm flipH="1" flipV="1">
+            <a:off x="1364137" y="2670736"/>
+            <a:ext cx="800699" cy="1473776"/>
+          </a:xfrm>
+          <a:prstGeom prst="straightConnector1">
+            <a:avLst/>
+          </a:prstGeom>
+          <a:noFill/>
+          <a:ln w="15875" cap="flat" cmpd="sng">
+            <a:solidFill>
+              <a:srgbClr val="000000"/>
+            </a:solidFill>
+            <a:prstDash val="solid"/>
+            <a:round/>
+            <a:headEnd type="none" w="med" len="med"/>
+            <a:tailEnd type="triangle" w="med" len="med"/>
+          </a:ln>
+        </p:spPr>
+      </p:cxnSp>
+      <p:cxnSp>
+        <p:nvCxnSpPr>
+          <p:cNvPr id="51" name="Google Shape;113;p15">
+            <a:extLst>
+              <a:ext uri="{FF2B5EF4-FFF2-40B4-BE49-F238E27FC236}">
+                <a16:creationId xmlns:a16="http://schemas.microsoft.com/office/drawing/2014/main" id="{2D5FFB7D-1EBA-4E2E-A395-95B59F9EB271}"/>
+              </a:ext>
+            </a:extLst>
+          </p:cNvPr>
+          <p:cNvCxnSpPr>
+            <a:cxnSpLocks/>
+            <a:stCxn id="89" idx="7"/>
+            <a:endCxn id="147" idx="3"/>
+          </p:cNvCxnSpPr>
+          <p:nvPr/>
+        </p:nvCxnSpPr>
+        <p:spPr>
+          <a:xfrm flipV="1">
+            <a:off x="3449118" y="2629609"/>
+            <a:ext cx="1606628" cy="1514903"/>
+          </a:xfrm>
+          <a:prstGeom prst="straightConnector1">
+            <a:avLst/>
+          </a:prstGeom>
+          <a:noFill/>
+          <a:ln w="15875" cap="flat" cmpd="sng">
+            <a:solidFill>
+              <a:srgbClr val="000000"/>
+            </a:solidFill>
+            <a:prstDash val="solid"/>
+            <a:round/>
+            <a:headEnd type="none" w="med" len="med"/>
+            <a:tailEnd type="triangle" w="med" len="med"/>
+          </a:ln>
+        </p:spPr>
+      </p:cxnSp>
     </p:spTree>
     <p:extLst>
       <p:ext uri="{BB962C8B-B14F-4D97-AF65-F5344CB8AC3E}">
@@ -7145,15 +7333,24 @@
                                   </p:childTnLst>
                                 </p:cTn>
                               </p:par>
+                            </p:childTnLst>
+                          </p:cTn>
+                        </p:par>
+                        <p:par>
+                          <p:cTn id="8" fill="hold">
+                            <p:stCondLst>
+                              <p:cond delay="500"/>
+                            </p:stCondLst>
+                            <p:childTnLst>
                               <p:par>
-                                <p:cTn id="8" presetID="10" presetClass="entr" presetSubtype="0" fill="hold" grpId="0" nodeType="withEffect">
+                                <p:cTn id="9" presetID="10" presetClass="entr" presetSubtype="0" fill="hold" grpId="0" nodeType="afterEffect">
                                   <p:stCondLst>
                                     <p:cond delay="0"/>
                                   </p:stCondLst>
                                   <p:childTnLst>
                                     <p:set>
                                       <p:cBhvr>
-                                        <p:cTn id="9" dur="1" fill="hold">
+                                        <p:cTn id="10" dur="1" fill="hold">
                                           <p:stCondLst>
                                             <p:cond delay="0"/>
                                           </p:stCondLst>
@@ -7171,7 +7368,7 @@
                                     </p:set>
                                     <p:animEffect transition="in" filter="fade">
                                       <p:cBhvr>
-                                        <p:cTn id="10" dur="500"/>
+                                        <p:cTn id="11" dur="500"/>
                                         <p:tgtEl>
                                           <p:spTgt spid="145"/>
                                         </p:tgtEl>
@@ -7187,26 +7384,26 @@
                     </p:cTn>
                   </p:par>
                   <p:par>
-                    <p:cTn id="11" fill="hold">
+                    <p:cTn id="12" fill="hold">
                       <p:stCondLst>
                         <p:cond delay="indefinite"/>
                       </p:stCondLst>
                       <p:childTnLst>
                         <p:par>
-                          <p:cTn id="12" fill="hold">
+                          <p:cTn id="13" fill="hold">
                             <p:stCondLst>
                               <p:cond delay="0"/>
                             </p:stCondLst>
                             <p:childTnLst>
                               <p:par>
-                                <p:cTn id="13" presetID="10" presetClass="entr" presetSubtype="0" fill="hold" grpId="0" nodeType="clickEffect">
+                                <p:cTn id="14" presetID="10" presetClass="entr" presetSubtype="0" fill="hold" grpId="0" nodeType="clickEffect">
                                   <p:stCondLst>
                                     <p:cond delay="0"/>
                                   </p:stCondLst>
                                   <p:childTnLst>
                                     <p:set>
                                       <p:cBhvr>
-                                        <p:cTn id="14" dur="1" fill="hold">
+                                        <p:cTn id="15" dur="1" fill="hold">
                                           <p:stCondLst>
                                             <p:cond delay="0"/>
                                           </p:stCondLst>
@@ -7224,7 +7421,7 @@
                                     </p:set>
                                     <p:animEffect transition="in" filter="fade">
                                       <p:cBhvr>
-                                        <p:cTn id="15" dur="500"/>
+                                        <p:cTn id="16" dur="500"/>
                                         <p:tgtEl>
                                           <p:spTgt spid="147"/>
                                         </p:tgtEl>
@@ -7240,26 +7437,26 @@
                     </p:cTn>
                   </p:par>
                   <p:par>
-                    <p:cTn id="16" fill="hold">
+                    <p:cTn id="17" fill="hold">
                       <p:stCondLst>
                         <p:cond delay="indefinite"/>
                       </p:stCondLst>
                       <p:childTnLst>
                         <p:par>
-                          <p:cTn id="17" fill="hold">
+                          <p:cTn id="18" fill="hold">
                             <p:stCondLst>
                               <p:cond delay="0"/>
                             </p:stCondLst>
                             <p:childTnLst>
                               <p:par>
-                                <p:cTn id="18" presetID="10" presetClass="entr" presetSubtype="0" fill="hold" grpId="0" nodeType="clickEffect">
+                                <p:cTn id="19" presetID="10" presetClass="entr" presetSubtype="0" fill="hold" grpId="0" nodeType="clickEffect">
                                   <p:stCondLst>
                                     <p:cond delay="0"/>
                                   </p:stCondLst>
                                   <p:childTnLst>
                                     <p:set>
                                       <p:cBhvr>
-                                        <p:cTn id="19" dur="1" fill="hold">
+                                        <p:cTn id="20" dur="1" fill="hold">
                                           <p:stCondLst>
                                             <p:cond delay="0"/>
                                           </p:stCondLst>
@@ -7277,7 +7474,7 @@
                                     </p:set>
                                     <p:animEffect transition="in" filter="fade">
                                       <p:cBhvr>
-                                        <p:cTn id="20" dur="500"/>
+                                        <p:cTn id="21" dur="500"/>
                                         <p:tgtEl>
                                           <p:spTgt spid="40"/>
                                         </p:tgtEl>
@@ -7286,15 +7483,24 @@
                                   </p:childTnLst>
                                 </p:cTn>
                               </p:par>
+                            </p:childTnLst>
+                          </p:cTn>
+                        </p:par>
+                        <p:par>
+                          <p:cTn id="22" fill="hold">
+                            <p:stCondLst>
+                              <p:cond delay="500"/>
+                            </p:stCondLst>
+                            <p:childTnLst>
                               <p:par>
-                                <p:cTn id="21" presetID="10" presetClass="entr" presetSubtype="0" fill="hold" grpId="0" nodeType="withEffect">
+                                <p:cTn id="23" presetID="10" presetClass="entr" presetSubtype="0" fill="hold" grpId="0" nodeType="afterEffect">
                                   <p:stCondLst>
                                     <p:cond delay="0"/>
                                   </p:stCondLst>
                                   <p:childTnLst>
                                     <p:set>
                                       <p:cBhvr>
-                                        <p:cTn id="22" dur="1" fill="hold">
+                                        <p:cTn id="24" dur="1" fill="hold">
                                           <p:stCondLst>
                                             <p:cond delay="0"/>
                                           </p:stCondLst>
@@ -7312,7 +7518,7 @@
                                     </p:set>
                                     <p:animEffect transition="in" filter="fade">
                                       <p:cBhvr>
-                                        <p:cTn id="23" dur="500"/>
+                                        <p:cTn id="25" dur="500"/>
                                         <p:tgtEl>
                                           <p:spTgt spid="2"/>
                                         </p:tgtEl>
@@ -7328,32 +7534,32 @@
                     </p:cTn>
                   </p:par>
                   <p:par>
-                    <p:cTn id="24" fill="hold">
+                    <p:cTn id="26" fill="hold">
                       <p:stCondLst>
                         <p:cond delay="indefinite"/>
                       </p:stCondLst>
                       <p:childTnLst>
                         <p:par>
-                          <p:cTn id="25" fill="hold">
+                          <p:cTn id="27" fill="hold">
                             <p:stCondLst>
                               <p:cond delay="0"/>
                             </p:stCondLst>
                             <p:childTnLst>
                               <p:par>
-                                <p:cTn id="26" presetID="10" presetClass="entr" presetSubtype="0" fill="hold" nodeType="clickEffect">
+                                <p:cTn id="28" presetID="10" presetClass="entr" presetSubtype="0" fill="hold" nodeType="clickEffect">
                                   <p:stCondLst>
                                     <p:cond delay="0"/>
                                   </p:stCondLst>
                                   <p:childTnLst>
                                     <p:set>
                                       <p:cBhvr>
-                                        <p:cTn id="27" dur="1" fill="hold">
+                                        <p:cTn id="29" dur="1" fill="hold">
                                           <p:stCondLst>
                                             <p:cond delay="0"/>
                                           </p:stCondLst>
                                         </p:cTn>
                                         <p:tgtEl>
-                                          <p:spTgt spid="3098"/>
+                                          <p:spTgt spid="14"/>
                                         </p:tgtEl>
                                         <p:attrNameLst>
                                           <p:attrName>style.visibility</p:attrName>
@@ -7365,9 +7571,9 @@
                                     </p:set>
                                     <p:animEffect transition="in" filter="fade">
                                       <p:cBhvr>
-                                        <p:cTn id="28" dur="500"/>
+                                        <p:cTn id="30" dur="500"/>
                                         <p:tgtEl>
-                                          <p:spTgt spid="3098"/>
+                                          <p:spTgt spid="14"/>
                                         </p:tgtEl>
                                       </p:cBhvr>
                                     </p:animEffect>
@@ -7381,26 +7587,26 @@
                     </p:cTn>
                   </p:par>
                   <p:par>
-                    <p:cTn id="29" fill="hold">
+                    <p:cTn id="31" fill="hold">
                       <p:stCondLst>
                         <p:cond delay="indefinite"/>
                       </p:stCondLst>
                       <p:childTnLst>
                         <p:par>
-                          <p:cTn id="30" fill="hold">
+                          <p:cTn id="32" fill="hold">
                             <p:stCondLst>
                               <p:cond delay="0"/>
                             </p:stCondLst>
                             <p:childTnLst>
                               <p:par>
-                                <p:cTn id="31" presetID="10" presetClass="entr" presetSubtype="0" fill="hold" nodeType="clickEffect">
+                                <p:cTn id="33" presetID="10" presetClass="entr" presetSubtype="0" fill="hold" nodeType="clickEffect">
                                   <p:stCondLst>
                                     <p:cond delay="0"/>
                                   </p:stCondLst>
                                   <p:childTnLst>
                                     <p:set>
                                       <p:cBhvr>
-                                        <p:cTn id="32" dur="1" fill="hold">
+                                        <p:cTn id="34" dur="1" fill="hold">
                                           <p:stCondLst>
                                             <p:cond delay="0"/>
                                           </p:stCondLst>
@@ -7418,7 +7624,7 @@
                                     </p:set>
                                     <p:animEffect transition="in" filter="fade">
                                       <p:cBhvr>
-                                        <p:cTn id="33" dur="500"/>
+                                        <p:cTn id="35" dur="500"/>
                                         <p:tgtEl>
                                           <p:spTgt spid="48"/>
                                         </p:tgtEl>
@@ -7427,15 +7633,24 @@
                                   </p:childTnLst>
                                 </p:cTn>
                               </p:par>
+                            </p:childTnLst>
+                          </p:cTn>
+                        </p:par>
+                        <p:par>
+                          <p:cTn id="36" fill="hold">
+                            <p:stCondLst>
+                              <p:cond delay="500"/>
+                            </p:stCondLst>
+                            <p:childTnLst>
                               <p:par>
-                                <p:cTn id="34" presetID="10" presetClass="entr" presetSubtype="0" fill="hold" grpId="0" nodeType="withEffect">
+                                <p:cTn id="37" presetID="10" presetClass="entr" presetSubtype="0" fill="hold" grpId="0" nodeType="afterEffect">
                                   <p:stCondLst>
                                     <p:cond delay="0"/>
                                   </p:stCondLst>
                                   <p:childTnLst>
                                     <p:set>
                                       <p:cBhvr>
-                                        <p:cTn id="35" dur="1" fill="hold">
+                                        <p:cTn id="38" dur="1" fill="hold">
                                           <p:stCondLst>
                                             <p:cond delay="0"/>
                                           </p:stCondLst>
@@ -7453,7 +7668,7 @@
                                     </p:set>
                                     <p:animEffect transition="in" filter="fade">
                                       <p:cBhvr>
-                                        <p:cTn id="36" dur="500"/>
+                                        <p:cTn id="39" dur="500"/>
                                         <p:tgtEl>
                                           <p:spTgt spid="49"/>
                                         </p:tgtEl>
@@ -7469,26 +7684,26 @@
                     </p:cTn>
                   </p:par>
                   <p:par>
-                    <p:cTn id="37" fill="hold">
+                    <p:cTn id="40" fill="hold">
                       <p:stCondLst>
                         <p:cond delay="indefinite"/>
                       </p:stCondLst>
                       <p:childTnLst>
                         <p:par>
-                          <p:cTn id="38" fill="hold">
+                          <p:cTn id="41" fill="hold">
                             <p:stCondLst>
                               <p:cond delay="0"/>
                             </p:stCondLst>
                             <p:childTnLst>
                               <p:par>
-                                <p:cTn id="39" presetID="10" presetClass="entr" presetSubtype="0" fill="hold" grpId="0" nodeType="clickEffect">
+                                <p:cTn id="42" presetID="10" presetClass="entr" presetSubtype="0" fill="hold" grpId="0" nodeType="clickEffect">
                                   <p:stCondLst>
                                     <p:cond delay="0"/>
                                   </p:stCondLst>
                                   <p:childTnLst>
                                     <p:set>
                                       <p:cBhvr>
-                                        <p:cTn id="40" dur="1" fill="hold">
+                                        <p:cTn id="43" dur="1" fill="hold">
                                           <p:stCondLst>
                                             <p:cond delay="0"/>
                                           </p:stCondLst>
@@ -7506,7 +7721,7 @@
                                     </p:set>
                                     <p:animEffect transition="in" filter="fade">
                                       <p:cBhvr>
-                                        <p:cTn id="41" dur="500"/>
+                                        <p:cTn id="44" dur="500"/>
                                         <p:tgtEl>
                                           <p:spTgt spid="108"/>
                                         </p:tgtEl>
@@ -7515,15 +7730,24 @@
                                   </p:childTnLst>
                                 </p:cTn>
                               </p:par>
+                            </p:childTnLst>
+                          </p:cTn>
+                        </p:par>
+                        <p:par>
+                          <p:cTn id="45" fill="hold">
+                            <p:stCondLst>
+                              <p:cond delay="500"/>
+                            </p:stCondLst>
+                            <p:childTnLst>
                               <p:par>
-                                <p:cTn id="42" presetID="10" presetClass="entr" presetSubtype="0" fill="hold" nodeType="withEffect">
+                                <p:cTn id="46" presetID="10" presetClass="entr" presetSubtype="0" fill="hold" nodeType="afterEffect">
                                   <p:stCondLst>
                                     <p:cond delay="0"/>
                                   </p:stCondLst>
                                   <p:childTnLst>
                                     <p:set>
                                       <p:cBhvr>
-                                        <p:cTn id="43" dur="1" fill="hold">
+                                        <p:cTn id="47" dur="1" fill="hold">
                                           <p:stCondLst>
                                             <p:cond delay="0"/>
                                           </p:stCondLst>
@@ -7541,7 +7765,7 @@
                                     </p:set>
                                     <p:animEffect transition="in" filter="fade">
                                       <p:cBhvr>
-                                        <p:cTn id="44" dur="500"/>
+                                        <p:cTn id="48" dur="500"/>
                                         <p:tgtEl>
                                           <p:spTgt spid="170"/>
                                         </p:tgtEl>
@@ -7557,26 +7781,26 @@
                     </p:cTn>
                   </p:par>
                   <p:par>
-                    <p:cTn id="45" fill="hold">
+                    <p:cTn id="49" fill="hold">
                       <p:stCondLst>
                         <p:cond delay="indefinite"/>
                       </p:stCondLst>
                       <p:childTnLst>
                         <p:par>
-                          <p:cTn id="46" fill="hold">
+                          <p:cTn id="50" fill="hold">
                             <p:stCondLst>
                               <p:cond delay="0"/>
                             </p:stCondLst>
                             <p:childTnLst>
                               <p:par>
-                                <p:cTn id="47" presetID="10" presetClass="entr" presetSubtype="0" fill="hold" grpId="0" nodeType="clickEffect">
+                                <p:cTn id="51" presetID="10" presetClass="entr" presetSubtype="0" fill="hold" grpId="0" nodeType="clickEffect">
                                   <p:stCondLst>
                                     <p:cond delay="0"/>
                                   </p:stCondLst>
                                   <p:childTnLst>
                                     <p:set>
                                       <p:cBhvr>
-                                        <p:cTn id="48" dur="1" fill="hold">
+                                        <p:cTn id="52" dur="1" fill="hold">
                                           <p:stCondLst>
                                             <p:cond delay="0"/>
                                           </p:stCondLst>
@@ -7594,7 +7818,7 @@
                                     </p:set>
                                     <p:animEffect transition="in" filter="fade">
                                       <p:cBhvr>
-                                        <p:cTn id="49" dur="500"/>
+                                        <p:cTn id="53" dur="500"/>
                                         <p:tgtEl>
                                           <p:spTgt spid="3101"/>
                                         </p:tgtEl>
@@ -7603,15 +7827,24 @@
                                   </p:childTnLst>
                                 </p:cTn>
                               </p:par>
+                            </p:childTnLst>
+                          </p:cTn>
+                        </p:par>
+                        <p:par>
+                          <p:cTn id="54" fill="hold">
+                            <p:stCondLst>
+                              <p:cond delay="500"/>
+                            </p:stCondLst>
+                            <p:childTnLst>
                               <p:par>
-                                <p:cTn id="50" presetID="10" presetClass="entr" presetSubtype="0" fill="hold" nodeType="withEffect">
+                                <p:cTn id="55" presetID="10" presetClass="entr" presetSubtype="0" fill="hold" nodeType="afterEffect">
                                   <p:stCondLst>
                                     <p:cond delay="0"/>
                                   </p:stCondLst>
                                   <p:childTnLst>
                                     <p:set>
                                       <p:cBhvr>
-                                        <p:cTn id="51" dur="1" fill="hold">
+                                        <p:cTn id="56" dur="1" fill="hold">
                                           <p:stCondLst>
                                             <p:cond delay="0"/>
                                           </p:stCondLst>
@@ -7629,7 +7862,7 @@
                                     </p:set>
                                     <p:animEffect transition="in" filter="fade">
                                       <p:cBhvr>
-                                        <p:cTn id="52" dur="500"/>
+                                        <p:cTn id="57" dur="500"/>
                                         <p:tgtEl>
                                           <p:spTgt spid="204"/>
                                         </p:tgtEl>
@@ -7645,26 +7878,26 @@
                     </p:cTn>
                   </p:par>
                   <p:par>
-                    <p:cTn id="53" fill="hold">
+                    <p:cTn id="58" fill="hold">
                       <p:stCondLst>
                         <p:cond delay="indefinite"/>
                       </p:stCondLst>
                       <p:childTnLst>
                         <p:par>
-                          <p:cTn id="54" fill="hold">
+                          <p:cTn id="59" fill="hold">
                             <p:stCondLst>
                               <p:cond delay="0"/>
                             </p:stCondLst>
                             <p:childTnLst>
                               <p:par>
-                                <p:cTn id="55" presetID="10" presetClass="entr" presetSubtype="0" fill="hold" grpId="0" nodeType="clickEffect">
+                                <p:cTn id="60" presetID="10" presetClass="entr" presetSubtype="0" fill="hold" grpId="0" nodeType="clickEffect">
                                   <p:stCondLst>
                                     <p:cond delay="0"/>
                                   </p:stCondLst>
                                   <p:childTnLst>
                                     <p:set>
                                       <p:cBhvr>
-                                        <p:cTn id="56" dur="1" fill="hold">
+                                        <p:cTn id="61" dur="1" fill="hold">
                                           <p:stCondLst>
                                             <p:cond delay="0"/>
                                           </p:stCondLst>
@@ -7682,7 +7915,7 @@
                                     </p:set>
                                     <p:animEffect transition="in" filter="fade">
                                       <p:cBhvr>
-                                        <p:cTn id="57" dur="500"/>
+                                        <p:cTn id="62" dur="500"/>
                                         <p:tgtEl>
                                           <p:spTgt spid="3102"/>
                                         </p:tgtEl>
@@ -7691,15 +7924,24 @@
                                   </p:childTnLst>
                                 </p:cTn>
                               </p:par>
+                            </p:childTnLst>
+                          </p:cTn>
+                        </p:par>
+                        <p:par>
+                          <p:cTn id="63" fill="hold">
+                            <p:stCondLst>
+                              <p:cond delay="500"/>
+                            </p:stCondLst>
+                            <p:childTnLst>
                               <p:par>
-                                <p:cTn id="58" presetID="10" presetClass="entr" presetSubtype="0" fill="hold" nodeType="withEffect">
+                                <p:cTn id="64" presetID="10" presetClass="entr" presetSubtype="0" fill="hold" nodeType="afterEffect">
                                   <p:stCondLst>
                                     <p:cond delay="0"/>
                                   </p:stCondLst>
                                   <p:childTnLst>
                                     <p:set>
                                       <p:cBhvr>
-                                        <p:cTn id="59" dur="1" fill="hold">
+                                        <p:cTn id="65" dur="1" fill="hold">
                                           <p:stCondLst>
                                             <p:cond delay="0"/>
                                           </p:stCondLst>
@@ -7717,7 +7959,7 @@
                                     </p:set>
                                     <p:animEffect transition="in" filter="fade">
                                       <p:cBhvr>
-                                        <p:cTn id="60" dur="500"/>
+                                        <p:cTn id="66" dur="500"/>
                                         <p:tgtEl>
                                           <p:spTgt spid="210"/>
                                         </p:tgtEl>
@@ -7733,26 +7975,26 @@
                     </p:cTn>
                   </p:par>
                   <p:par>
-                    <p:cTn id="61" fill="hold">
+                    <p:cTn id="67" fill="hold">
                       <p:stCondLst>
                         <p:cond delay="indefinite"/>
                       </p:stCondLst>
                       <p:childTnLst>
                         <p:par>
-                          <p:cTn id="62" fill="hold">
+                          <p:cTn id="68" fill="hold">
                             <p:stCondLst>
                               <p:cond delay="0"/>
                             </p:stCondLst>
                             <p:childTnLst>
                               <p:par>
-                                <p:cTn id="63" presetID="10" presetClass="entr" presetSubtype="0" fill="hold" grpId="0" nodeType="clickEffect">
+                                <p:cTn id="69" presetID="10" presetClass="entr" presetSubtype="0" fill="hold" grpId="0" nodeType="clickEffect">
                                   <p:stCondLst>
                                     <p:cond delay="0"/>
                                   </p:stCondLst>
                                   <p:childTnLst>
                                     <p:set>
                                       <p:cBhvr>
-                                        <p:cTn id="64" dur="1" fill="hold">
+                                        <p:cTn id="70" dur="1" fill="hold">
                                           <p:stCondLst>
                                             <p:cond delay="0"/>
                                           </p:stCondLst>
@@ -7770,7 +8012,7 @@
                                     </p:set>
                                     <p:animEffect transition="in" filter="fade">
                                       <p:cBhvr>
-                                        <p:cTn id="65" dur="500"/>
+                                        <p:cTn id="71" dur="500"/>
                                         <p:tgtEl>
                                           <p:spTgt spid="138"/>
                                         </p:tgtEl>
@@ -7786,26 +8028,26 @@
                     </p:cTn>
                   </p:par>
                   <p:par>
-                    <p:cTn id="66" fill="hold">
+                    <p:cTn id="72" fill="hold">
                       <p:stCondLst>
                         <p:cond delay="indefinite"/>
                       </p:stCondLst>
                       <p:childTnLst>
                         <p:par>
-                          <p:cTn id="67" fill="hold">
+                          <p:cTn id="73" fill="hold">
                             <p:stCondLst>
                               <p:cond delay="0"/>
                             </p:stCondLst>
                             <p:childTnLst>
                               <p:par>
-                                <p:cTn id="68" presetID="10" presetClass="entr" presetSubtype="0" fill="hold" grpId="0" nodeType="clickEffect">
+                                <p:cTn id="74" presetID="10" presetClass="entr" presetSubtype="0" fill="hold" grpId="0" nodeType="clickEffect">
                                   <p:stCondLst>
                                     <p:cond delay="0"/>
                                   </p:stCondLst>
                                   <p:childTnLst>
                                     <p:set>
                                       <p:cBhvr>
-                                        <p:cTn id="69" dur="1" fill="hold">
+                                        <p:cTn id="75" dur="1" fill="hold">
                                           <p:stCondLst>
                                             <p:cond delay="0"/>
                                           </p:stCondLst>
@@ -7823,7 +8065,7 @@
                                     </p:set>
                                     <p:animEffect transition="in" filter="fade">
                                       <p:cBhvr>
-                                        <p:cTn id="70" dur="500"/>
+                                        <p:cTn id="76" dur="500"/>
                                         <p:tgtEl>
                                           <p:spTgt spid="143"/>
                                         </p:tgtEl>
@@ -7839,26 +8081,26 @@
                     </p:cTn>
                   </p:par>
                   <p:par>
-                    <p:cTn id="71" fill="hold">
+                    <p:cTn id="77" fill="hold">
                       <p:stCondLst>
                         <p:cond delay="indefinite"/>
                       </p:stCondLst>
                       <p:childTnLst>
                         <p:par>
-                          <p:cTn id="72" fill="hold">
+                          <p:cTn id="78" fill="hold">
                             <p:stCondLst>
                               <p:cond delay="0"/>
                             </p:stCondLst>
                             <p:childTnLst>
                               <p:par>
-                                <p:cTn id="73" presetID="10" presetClass="entr" presetSubtype="0" fill="hold" grpId="0" nodeType="clickEffect">
+                                <p:cTn id="79" presetID="10" presetClass="entr" presetSubtype="0" fill="hold" grpId="0" nodeType="clickEffect">
                                   <p:stCondLst>
                                     <p:cond delay="0"/>
                                   </p:stCondLst>
                                   <p:childTnLst>
                                     <p:set>
                                       <p:cBhvr>
-                                        <p:cTn id="74" dur="1" fill="hold">
+                                        <p:cTn id="80" dur="1" fill="hold">
                                           <p:stCondLst>
                                             <p:cond delay="0"/>
                                           </p:stCondLst>
@@ -7876,7 +8118,7 @@
                                     </p:set>
                                     <p:animEffect transition="in" filter="fade">
                                       <p:cBhvr>
-                                        <p:cTn id="75" dur="500"/>
+                                        <p:cTn id="81" dur="500"/>
                                         <p:tgtEl>
                                           <p:spTgt spid="141"/>
                                         </p:tgtEl>
@@ -7885,15 +8127,24 @@
                                   </p:childTnLst>
                                 </p:cTn>
                               </p:par>
+                            </p:childTnLst>
+                          </p:cTn>
+                        </p:par>
+                        <p:par>
+                          <p:cTn id="82" fill="hold">
+                            <p:stCondLst>
+                              <p:cond delay="500"/>
+                            </p:stCondLst>
+                            <p:childTnLst>
                               <p:par>
-                                <p:cTn id="76" presetID="10" presetClass="entr" presetSubtype="0" fill="hold" grpId="0" nodeType="withEffect">
+                                <p:cTn id="83" presetID="10" presetClass="entr" presetSubtype="0" fill="hold" grpId="0" nodeType="afterEffect">
                                   <p:stCondLst>
                                     <p:cond delay="0"/>
                                   </p:stCondLst>
                                   <p:childTnLst>
                                     <p:set>
                                       <p:cBhvr>
-                                        <p:cTn id="77" dur="1" fill="hold">
+                                        <p:cTn id="84" dur="1" fill="hold">
                                           <p:stCondLst>
                                             <p:cond delay="0"/>
                                           </p:stCondLst>
@@ -7911,7 +8162,7 @@
                                     </p:set>
                                     <p:animEffect transition="in" filter="fade">
                                       <p:cBhvr>
-                                        <p:cTn id="78" dur="500"/>
+                                        <p:cTn id="85" dur="500"/>
                                         <p:tgtEl>
                                           <p:spTgt spid="139"/>
                                         </p:tgtEl>
@@ -7927,26 +8178,26 @@
                     </p:cTn>
                   </p:par>
                   <p:par>
-                    <p:cTn id="79" fill="hold">
+                    <p:cTn id="86" fill="hold">
                       <p:stCondLst>
                         <p:cond delay="indefinite"/>
                       </p:stCondLst>
                       <p:childTnLst>
                         <p:par>
-                          <p:cTn id="80" fill="hold">
+                          <p:cTn id="87" fill="hold">
                             <p:stCondLst>
                               <p:cond delay="0"/>
                             </p:stCondLst>
                             <p:childTnLst>
                               <p:par>
-                                <p:cTn id="81" presetID="10" presetClass="entr" presetSubtype="0" fill="hold" nodeType="clickEffect">
+                                <p:cTn id="88" presetID="10" presetClass="entr" presetSubtype="0" fill="hold" nodeType="clickEffect">
                                   <p:stCondLst>
                                     <p:cond delay="0"/>
                                   </p:stCondLst>
                                   <p:childTnLst>
                                     <p:set>
                                       <p:cBhvr>
-                                        <p:cTn id="82" dur="1" fill="hold">
+                                        <p:cTn id="89" dur="1" fill="hold">
                                           <p:stCondLst>
                                             <p:cond delay="0"/>
                                           </p:stCondLst>
@@ -7964,7 +8215,7 @@
                                     </p:set>
                                     <p:animEffect transition="in" filter="fade">
                                       <p:cBhvr>
-                                        <p:cTn id="83" dur="500"/>
+                                        <p:cTn id="90" dur="500"/>
                                         <p:tgtEl>
                                           <p:spTgt spid="68"/>
                                         </p:tgtEl>
@@ -7973,15 +8224,24 @@
                                   </p:childTnLst>
                                 </p:cTn>
                               </p:par>
+                            </p:childTnLst>
+                          </p:cTn>
+                        </p:par>
+                        <p:par>
+                          <p:cTn id="91" fill="hold">
+                            <p:stCondLst>
+                              <p:cond delay="500"/>
+                            </p:stCondLst>
+                            <p:childTnLst>
                               <p:par>
-                                <p:cTn id="84" presetID="10" presetClass="entr" presetSubtype="0" fill="hold" nodeType="withEffect">
+                                <p:cTn id="92" presetID="10" presetClass="entr" presetSubtype="0" fill="hold" nodeType="afterEffect">
                                   <p:stCondLst>
                                     <p:cond delay="0"/>
                                   </p:stCondLst>
                                   <p:childTnLst>
                                     <p:set>
                                       <p:cBhvr>
-                                        <p:cTn id="85" dur="1" fill="hold">
+                                        <p:cTn id="93" dur="1" fill="hold">
                                           <p:stCondLst>
                                             <p:cond delay="0"/>
                                           </p:stCondLst>
@@ -7999,7 +8259,7 @@
                                     </p:set>
                                     <p:animEffect transition="in" filter="fade">
                                       <p:cBhvr>
-                                        <p:cTn id="86" dur="500"/>
+                                        <p:cTn id="94" dur="500"/>
                                         <p:tgtEl>
                                           <p:spTgt spid="51"/>
                                         </p:tgtEl>
@@ -8100,7 +8360,15 @@
             </a:r>
             <a:r>
               <a:rPr lang="it-IT" dirty="0" err="1"/>
-              <a:t>every</a:t>
+              <a:t>each</a:t>
+            </a:r>
+            <a:r>
+              <a:rPr lang="it-IT" dirty="0"/>
+              <a:t> repo and for </a:t>
+            </a:r>
+            <a:r>
+              <a:rPr lang="it-IT" dirty="0" err="1"/>
+              <a:t>each</a:t>
             </a:r>
             <a:r>
               <a:rPr lang="it-IT" dirty="0"/>
@@ -8112,7 +8380,7 @@
             </a:r>
             <a:r>
               <a:rPr lang="it-IT" dirty="0"/>
-              <a:t>: </a:t>
+              <a:t> (!): </a:t>
             </a:r>
           </a:p>
           <a:p>
@@ -8353,9 +8621,16 @@
         <p:spPr/>
         <p:txBody>
           <a:bodyPr>
-            <a:normAutofit fontScale="85000" lnSpcReduction="20000"/>
+            <a:normAutofit fontScale="77500" lnSpcReduction="20000"/>
           </a:bodyPr>
           <a:lstStyle/>
+          <a:p>
+            <a:pPr fontAlgn="base"/>
+            <a:r>
+              <a:rPr lang="en-GB" dirty="0"/>
+              <a:t>Every commit deploys in a isolated and dedicated environment</a:t>
+            </a:r>
+          </a:p>
           <a:p>
             <a:pPr fontAlgn="base"/>
             <a:r>
@@ -8545,15 +8820,24 @@
                                   </p:childTnLst>
                                 </p:cTn>
                               </p:par>
+                            </p:childTnLst>
+                          </p:cTn>
+                        </p:par>
+                        <p:par>
+                          <p:cTn id="8" fill="hold">
+                            <p:stCondLst>
+                              <p:cond delay="500"/>
+                            </p:stCondLst>
+                            <p:childTnLst>
                               <p:par>
-                                <p:cTn id="8" presetID="10" presetClass="entr" presetSubtype="0" fill="hold" nodeType="withEffect">
+                                <p:cTn id="9" presetID="10" presetClass="entr" presetSubtype="0" fill="hold" nodeType="afterEffect">
                                   <p:stCondLst>
                                     <p:cond delay="0"/>
                                   </p:stCondLst>
                                   <p:childTnLst>
                                     <p:set>
                                       <p:cBhvr>
-                                        <p:cTn id="9" dur="1" fill="hold">
+                                        <p:cTn id="10" dur="1" fill="hold">
                                           <p:stCondLst>
                                             <p:cond delay="0"/>
                                           </p:stCondLst>
@@ -8575,7 +8859,7 @@
                                     </p:set>
                                     <p:animEffect transition="in" filter="fade">
                                       <p:cBhvr>
-                                        <p:cTn id="10" dur="500"/>
+                                        <p:cTn id="11" dur="500"/>
                                         <p:tgtEl>
                                           <p:spTgt spid="2">
                                             <p:txEl>
@@ -8588,17 +8872,8 @@
                                   </p:childTnLst>
                                 </p:cTn>
                               </p:par>
-                            </p:childTnLst>
-                          </p:cTn>
-                        </p:par>
-                        <p:par>
-                          <p:cTn id="11" fill="hold">
-                            <p:stCondLst>
-                              <p:cond delay="500"/>
-                            </p:stCondLst>
-                            <p:childTnLst>
                               <p:par>
-                                <p:cTn id="12" presetID="10" presetClass="entr" presetSubtype="0" fill="hold" nodeType="afterEffect">
+                                <p:cTn id="12" presetID="10" presetClass="entr" presetSubtype="0" fill="hold" nodeType="withEffect">
                                   <p:stCondLst>
                                     <p:cond delay="0"/>
                                   </p:stCondLst>
@@ -8840,6 +9115,58 @@
                                           <p:spTgt spid="2">
                                             <p:txEl>
                                               <p:pRg st="6" end="6"/>
+                                            </p:txEl>
+                                          </p:spTgt>
+                                        </p:tgtEl>
+                                      </p:cBhvr>
+                                    </p:animEffect>
+                                  </p:childTnLst>
+                                </p:cTn>
+                              </p:par>
+                            </p:childTnLst>
+                          </p:cTn>
+                        </p:par>
+                        <p:par>
+                          <p:cTn id="31" fill="hold">
+                            <p:stCondLst>
+                              <p:cond delay="3000"/>
+                            </p:stCondLst>
+                            <p:childTnLst>
+                              <p:par>
+                                <p:cTn id="32" presetID="10" presetClass="entr" presetSubtype="0" fill="hold" nodeType="afterEffect">
+                                  <p:stCondLst>
+                                    <p:cond delay="0"/>
+                                  </p:stCondLst>
+                                  <p:childTnLst>
+                                    <p:set>
+                                      <p:cBhvr>
+                                        <p:cTn id="33" dur="1" fill="hold">
+                                          <p:stCondLst>
+                                            <p:cond delay="0"/>
+                                          </p:stCondLst>
+                                        </p:cTn>
+                                        <p:tgtEl>
+                                          <p:spTgt spid="2">
+                                            <p:txEl>
+                                              <p:pRg st="7" end="7"/>
+                                            </p:txEl>
+                                          </p:spTgt>
+                                        </p:tgtEl>
+                                        <p:attrNameLst>
+                                          <p:attrName>style.visibility</p:attrName>
+                                        </p:attrNameLst>
+                                      </p:cBhvr>
+                                      <p:to>
+                                        <p:strVal val="visible"/>
+                                      </p:to>
+                                    </p:set>
+                                    <p:animEffect transition="in" filter="fade">
+                                      <p:cBhvr>
+                                        <p:cTn id="34" dur="500"/>
+                                        <p:tgtEl>
+                                          <p:spTgt spid="2">
+                                            <p:txEl>
+                                              <p:pRg st="7" end="7"/>
                                             </p:txEl>
                                           </p:spTgt>
                                         </p:tgtEl>

--- a/11452-15_talk.pptx
+++ b/11452-15_talk.pptx
@@ -5,7 +5,7 @@
     <p:sldMasterId id="2147483660" r:id="rId1"/>
   </p:sldMasterIdLst>
   <p:notesMasterIdLst>
-    <p:notesMasterId r:id="rId18"/>
+    <p:notesMasterId r:id="rId19"/>
   </p:notesMasterIdLst>
   <p:sldIdLst>
     <p:sldId id="256" r:id="rId2"/>
@@ -15,25 +15,26 @@
     <p:sldId id="278" r:id="rId6"/>
     <p:sldId id="261" r:id="rId7"/>
     <p:sldId id="264" r:id="rId8"/>
-    <p:sldId id="262" r:id="rId9"/>
+    <p:sldId id="279" r:id="rId9"/>
     <p:sldId id="274" r:id="rId10"/>
     <p:sldId id="275" r:id="rId11"/>
     <p:sldId id="276" r:id="rId12"/>
-    <p:sldId id="265" r:id="rId13"/>
-    <p:sldId id="263" r:id="rId14"/>
+    <p:sldId id="281" r:id="rId13"/>
+    <p:sldId id="280" r:id="rId14"/>
     <p:sldId id="277" r:id="rId15"/>
     <p:sldId id="268" r:id="rId16"/>
     <p:sldId id="258" r:id="rId17"/>
+    <p:sldId id="263" r:id="rId18"/>
   </p:sldIdLst>
-  <p:sldSz cx="9144000" cy="6858000" type="screen4x3"/>
+  <p:sldSz cx="12192000" cy="6858000"/>
   <p:notesSz cx="6858000" cy="9144000"/>
   <p:embeddedFontLst>
     <p:embeddedFont>
       <p:font typeface="Calibri" panose="020F0502020204030204" pitchFamily="34" charset="0"/>
-      <p:regular r:id="rId19"/>
-      <p:bold r:id="rId20"/>
-      <p:italic r:id="rId21"/>
-      <p:boldItalic r:id="rId22"/>
+      <p:regular r:id="rId20"/>
+      <p:bold r:id="rId21"/>
+      <p:italic r:id="rId22"/>
+      <p:boldItalic r:id="rId23"/>
     </p:embeddedFont>
   </p:embeddedFontLst>
   <p:defaultTextStyle>
@@ -134,12 +135,12 @@
   <p:extLst>
     <p:ext uri="{EFAFB233-063F-42B5-8137-9DF3F51BA10A}">
       <p15:sldGuideLst xmlns:p15="http://schemas.microsoft.com/office/powerpoint/2012/main">
-        <p15:guide id="1" orient="horz" pos="2160">
+        <p15:guide id="1" orient="horz" pos="2160" userDrawn="1">
           <p15:clr>
             <a:srgbClr val="A4A3A4"/>
           </p15:clr>
         </p15:guide>
-        <p15:guide id="2" pos="2880">
+        <p15:guide id="2" pos="3840" userDrawn="1">
           <p15:clr>
             <a:srgbClr val="A4A3A4"/>
           </p15:clr>
@@ -232,7 +233,7 @@
           <a:p>
             <a:fld id="{643E8225-23C1-CD44-BD25-A6605EA2E611}" type="datetimeFigureOut">
               <a:rPr lang="en-US" smtClean="0"/>
-              <a:t>11/3/2020</a:t>
+              <a:t>11/6/2020</a:t>
             </a:fld>
             <a:endParaRPr lang="en-US"/>
           </a:p>
@@ -250,8 +251,8 @@
         </p:nvSpPr>
         <p:spPr>
           <a:xfrm>
-            <a:off x="1371600" y="1143000"/>
-            <a:ext cx="4114800" cy="3086100"/>
+            <a:off x="685800" y="1143000"/>
+            <a:ext cx="5486400" cy="3086100"/>
           </a:xfrm>
           <a:prstGeom prst="rect">
             <a:avLst/>
@@ -538,8 +539,8 @@
         </p:blipFill>
         <p:spPr>
           <a:xfrm>
-            <a:off x="0" y="0"/>
-            <a:ext cx="9180000" cy="6882221"/>
+            <a:off x="0" y="1"/>
+            <a:ext cx="12240000" cy="6882221"/>
           </a:xfrm>
           <a:prstGeom prst="rect">
             <a:avLst/>
@@ -558,8 +559,8 @@
         </p:nvSpPr>
         <p:spPr>
           <a:xfrm>
-            <a:off x="384928" y="417968"/>
-            <a:ext cx="6276872" cy="619941"/>
+            <a:off x="513237" y="417969"/>
+            <a:ext cx="8369163" cy="619941"/>
           </a:xfrm>
           <a:prstGeom prst="rect">
             <a:avLst/>
@@ -638,8 +639,8 @@
         </p:nvSpPr>
         <p:spPr>
           <a:xfrm>
-            <a:off x="384924" y="1037909"/>
-            <a:ext cx="6276872" cy="639401"/>
+            <a:off x="513232" y="1037910"/>
+            <a:ext cx="8369163" cy="639401"/>
           </a:xfrm>
           <a:prstGeom prst="rect">
             <a:avLst/>
@@ -718,8 +719,8 @@
         </p:nvSpPr>
         <p:spPr>
           <a:xfrm>
-            <a:off x="5271927" y="5987208"/>
-            <a:ext cx="3433865" cy="354613"/>
+            <a:off x="7029237" y="5987209"/>
+            <a:ext cx="4578487" cy="354613"/>
           </a:xfrm>
           <a:prstGeom prst="rect">
             <a:avLst/>
@@ -798,8 +799,8 @@
         </p:nvSpPr>
         <p:spPr>
           <a:xfrm>
-            <a:off x="5270364" y="6272184"/>
-            <a:ext cx="3433865" cy="354613"/>
+            <a:off x="7027153" y="6272185"/>
+            <a:ext cx="4578487" cy="354613"/>
           </a:xfrm>
           <a:prstGeom prst="rect">
             <a:avLst/>
@@ -919,7 +920,7 @@
         <p:spPr>
           <a:xfrm>
             <a:off x="0" y="0"/>
-            <a:ext cx="9180000" cy="6882226"/>
+            <a:ext cx="12240000" cy="6882226"/>
           </a:xfrm>
           <a:prstGeom prst="rect">
             <a:avLst/>
@@ -938,8 +939,8 @@
         </p:nvSpPr>
         <p:spPr>
           <a:xfrm>
-            <a:off x="358123" y="1546158"/>
-            <a:ext cx="8378326" cy="4525963"/>
+            <a:off x="477498" y="1546158"/>
+            <a:ext cx="11171101" cy="4525963"/>
           </a:xfrm>
           <a:prstGeom prst="rect">
             <a:avLst/>
@@ -970,8 +971,8 @@
         </p:nvSpPr>
         <p:spPr>
           <a:xfrm>
-            <a:off x="360964" y="521799"/>
-            <a:ext cx="6276872" cy="619941"/>
+            <a:off x="481285" y="521800"/>
+            <a:ext cx="8369163" cy="619941"/>
           </a:xfrm>
           <a:prstGeom prst="rect">
             <a:avLst/>
@@ -1050,8 +1051,8 @@
         </p:nvSpPr>
         <p:spPr>
           <a:xfrm>
-            <a:off x="5439675" y="6410519"/>
-            <a:ext cx="3433865" cy="354613"/>
+            <a:off x="7252901" y="6410520"/>
+            <a:ext cx="4578487" cy="354613"/>
           </a:xfrm>
           <a:prstGeom prst="rect">
             <a:avLst/>
@@ -1170,8 +1171,8 @@
         </p:blipFill>
         <p:spPr>
           <a:xfrm>
-            <a:off x="1" y="2"/>
-            <a:ext cx="9180000" cy="6882225"/>
+            <a:off x="1" y="3"/>
+            <a:ext cx="12240000" cy="6882225"/>
           </a:xfrm>
           <a:prstGeom prst="rect">
             <a:avLst/>
@@ -1190,8 +1191,8 @@
         </p:nvSpPr>
         <p:spPr>
           <a:xfrm>
-            <a:off x="358123" y="1863686"/>
-            <a:ext cx="8378326" cy="4525963"/>
+            <a:off x="477498" y="1863686"/>
+            <a:ext cx="11171101" cy="4525963"/>
           </a:xfrm>
           <a:prstGeom prst="rect">
             <a:avLst/>
@@ -1551,7 +1552,7 @@
         </p:nvSpPr>
         <p:spPr>
           <a:xfrm>
-            <a:off x="5556012" y="5987208"/>
+            <a:off x="8780797" y="5987209"/>
             <a:ext cx="3433865" cy="354613"/>
           </a:xfrm>
         </p:spPr>
@@ -1578,7 +1579,7 @@
         </p:nvSpPr>
         <p:spPr>
           <a:xfrm>
-            <a:off x="5202315" y="6272184"/>
+            <a:off x="8427099" y="6272185"/>
             <a:ext cx="3786000" cy="354613"/>
           </a:xfrm>
         </p:spPr>
@@ -1588,7 +1589,15 @@
           <a:p>
             <a:r>
               <a:rPr lang="en-US" dirty="0"/>
-              <a:t>On behalf of the SKA System Team</a:t>
+              <a:t>Yilmaz U., Harding P., Bartolini M., Le Roux G., </a:t>
+            </a:r>
+            <a:r>
+              <a:rPr lang="en-US" dirty="0" err="1"/>
+              <a:t>Dolci</a:t>
+            </a:r>
+            <a:r>
+              <a:rPr lang="en-US" dirty="0"/>
+              <a:t> M.</a:t>
             </a:r>
           </a:p>
         </p:txBody>
@@ -1737,7 +1746,7 @@
         </p:nvSpPr>
         <p:spPr>
           <a:xfrm>
-            <a:off x="5288646" y="5963716"/>
+            <a:off x="6812647" y="5963717"/>
             <a:ext cx="3433865" cy="354613"/>
           </a:xfrm>
         </p:spPr>
@@ -1763,7 +1772,7 @@
         </p:nvSpPr>
         <p:spPr>
           <a:xfrm>
-            <a:off x="1994809" y="3507290"/>
+            <a:off x="3518809" y="3507291"/>
             <a:ext cx="1023456" cy="671119"/>
           </a:xfrm>
           <a:prstGeom prst="ellipse">
@@ -1812,7 +1821,7 @@
         </p:nvSpPr>
         <p:spPr>
           <a:xfrm>
-            <a:off x="1994809" y="4809192"/>
+            <a:off x="3518809" y="4809193"/>
             <a:ext cx="1023456" cy="671119"/>
           </a:xfrm>
           <a:prstGeom prst="ellipse">
@@ -1861,7 +1870,7 @@
         </p:nvSpPr>
         <p:spPr>
           <a:xfrm>
-            <a:off x="330587" y="4651094"/>
+            <a:off x="1854587" y="4651095"/>
             <a:ext cx="1023456" cy="671119"/>
           </a:xfrm>
           <a:prstGeom prst="ellipse">
@@ -1910,7 +1919,7 @@
         </p:nvSpPr>
         <p:spPr>
           <a:xfrm>
-            <a:off x="3459443" y="4692299"/>
+            <a:off x="4983443" y="4692300"/>
             <a:ext cx="1421934" cy="671119"/>
           </a:xfrm>
           <a:prstGeom prst="ellipse">
@@ -1964,7 +1973,7 @@
         </p:nvCxnSpPr>
         <p:spPr>
           <a:xfrm flipH="1">
-            <a:off x="1204161" y="4080126"/>
+            <a:off x="2728161" y="4080127"/>
             <a:ext cx="940530" cy="669251"/>
           </a:xfrm>
           <a:prstGeom prst="line">
@@ -2007,7 +2016,7 @@
         </p:nvCxnSpPr>
         <p:spPr>
           <a:xfrm>
-            <a:off x="2506537" y="4178409"/>
+            <a:off x="4030537" y="4178410"/>
             <a:ext cx="0" cy="630783"/>
           </a:xfrm>
           <a:prstGeom prst="line">
@@ -2050,7 +2059,7 @@
         </p:nvCxnSpPr>
         <p:spPr>
           <a:xfrm>
-            <a:off x="2868383" y="4080126"/>
+            <a:off x="4392384" y="4080127"/>
             <a:ext cx="1302027" cy="612173"/>
           </a:xfrm>
           <a:prstGeom prst="line">
@@ -2089,7 +2098,7 @@
         </p:nvSpPr>
         <p:spPr>
           <a:xfrm>
-            <a:off x="330587" y="3207033"/>
+            <a:off x="1854587" y="3207034"/>
             <a:ext cx="1023456" cy="671119"/>
           </a:xfrm>
           <a:prstGeom prst="ellipse">
@@ -2142,7 +2151,7 @@
         </p:nvCxnSpPr>
         <p:spPr>
           <a:xfrm>
-            <a:off x="1354043" y="3542593"/>
+            <a:off x="2878043" y="3542594"/>
             <a:ext cx="640766" cy="300257"/>
           </a:xfrm>
           <a:prstGeom prst="line">
@@ -2181,7 +2190,7 @@
         </p:nvGrpSpPr>
         <p:grpSpPr>
           <a:xfrm>
-            <a:off x="7612139" y="3227464"/>
+            <a:off x="9136139" y="3227464"/>
             <a:ext cx="1327608" cy="1819470"/>
             <a:chOff x="17111327" y="297638"/>
             <a:chExt cx="1327608" cy="1819470"/>
@@ -2417,7 +2426,7 @@
         </p:nvSpPr>
         <p:spPr>
           <a:xfrm>
-            <a:off x="5336709" y="3322235"/>
+            <a:off x="6860709" y="3322236"/>
             <a:ext cx="1766520" cy="671119"/>
           </a:xfrm>
           <a:prstGeom prst="ellipse">
@@ -2466,7 +2475,7 @@
         </p:nvSpPr>
         <p:spPr>
           <a:xfrm>
-            <a:off x="5336709" y="4191370"/>
+            <a:off x="6860709" y="4191371"/>
             <a:ext cx="1766520" cy="671119"/>
           </a:xfrm>
           <a:prstGeom prst="ellipse">
@@ -2516,7 +2525,7 @@
         </p:nvSpPr>
         <p:spPr>
           <a:xfrm>
-            <a:off x="5336709" y="5058335"/>
+            <a:off x="6860709" y="5058336"/>
             <a:ext cx="1766520" cy="671119"/>
           </a:xfrm>
           <a:prstGeom prst="ellipse">
@@ -2566,7 +2575,7 @@
         </p:nvSpPr>
         <p:spPr>
           <a:xfrm>
-            <a:off x="5032406" y="3090141"/>
+            <a:off x="6556406" y="3090142"/>
             <a:ext cx="2320506" cy="2873575"/>
           </a:xfrm>
           <a:prstGeom prst="rect">
@@ -2652,7 +2661,7 @@
         </p:nvSpPr>
         <p:spPr>
           <a:xfrm>
-            <a:off x="360964" y="521799"/>
+            <a:off x="1884964" y="521800"/>
             <a:ext cx="7109684" cy="619941"/>
           </a:xfrm>
         </p:spPr>
@@ -2719,7 +2728,7 @@
         </p:nvSpPr>
         <p:spPr>
           <a:xfrm>
-            <a:off x="813067" y="2680077"/>
+            <a:off x="2337067" y="2680078"/>
             <a:ext cx="1023456" cy="671119"/>
           </a:xfrm>
           <a:prstGeom prst="ellipse">
@@ -2768,7 +2777,7 @@
         </p:nvSpPr>
         <p:spPr>
           <a:xfrm>
-            <a:off x="2738395" y="4326224"/>
+            <a:off x="4262395" y="4326225"/>
             <a:ext cx="1023456" cy="671119"/>
           </a:xfrm>
           <a:prstGeom prst="ellipse">
@@ -2817,7 +2826,7 @@
         </p:nvSpPr>
         <p:spPr>
           <a:xfrm>
-            <a:off x="857702" y="4169084"/>
+            <a:off x="2381702" y="4169085"/>
             <a:ext cx="1023456" cy="671119"/>
           </a:xfrm>
           <a:prstGeom prst="ellipse">
@@ -2866,7 +2875,7 @@
         </p:nvSpPr>
         <p:spPr>
           <a:xfrm>
-            <a:off x="4552707" y="4370428"/>
+            <a:off x="6076707" y="4370429"/>
             <a:ext cx="1421934" cy="671119"/>
           </a:xfrm>
           <a:prstGeom prst="ellipse">
@@ -2916,7 +2925,7 @@
         </p:nvSpPr>
         <p:spPr>
           <a:xfrm>
-            <a:off x="1099230" y="1506175"/>
+            <a:off x="2623230" y="1506176"/>
             <a:ext cx="1023456" cy="671119"/>
           </a:xfrm>
           <a:prstGeom prst="ellipse">
@@ -2965,7 +2974,7 @@
         </p:nvSpPr>
         <p:spPr>
           <a:xfrm>
-            <a:off x="6428336" y="1703343"/>
+            <a:off x="7952336" y="1703344"/>
             <a:ext cx="1766520" cy="671119"/>
           </a:xfrm>
           <a:prstGeom prst="ellipse">
@@ -3014,7 +3023,7 @@
         </p:nvSpPr>
         <p:spPr>
           <a:xfrm>
-            <a:off x="6613182" y="2571392"/>
+            <a:off x="8137182" y="2571393"/>
             <a:ext cx="1766520" cy="671119"/>
           </a:xfrm>
           <a:prstGeom prst="ellipse">
@@ -3064,7 +3073,7 @@
         </p:nvSpPr>
         <p:spPr>
           <a:xfrm>
-            <a:off x="6419182" y="3836985"/>
+            <a:off x="7943182" y="3836986"/>
             <a:ext cx="1766520" cy="671119"/>
           </a:xfrm>
           <a:prstGeom prst="ellipse">
@@ -3114,7 +3123,7 @@
         </p:nvSpPr>
         <p:spPr>
           <a:xfrm>
-            <a:off x="3286925" y="2434846"/>
+            <a:off x="4810925" y="2434847"/>
             <a:ext cx="1875854" cy="671119"/>
           </a:xfrm>
           <a:prstGeom prst="ellipse">
@@ -3167,7 +3176,7 @@
         </p:nvCxnSpPr>
         <p:spPr>
           <a:xfrm flipH="1" flipV="1">
-            <a:off x="2122686" y="1841735"/>
+            <a:off x="3646687" y="1841735"/>
             <a:ext cx="1438951" cy="691394"/>
           </a:xfrm>
           <a:prstGeom prst="line">
@@ -3209,7 +3218,7 @@
         </p:nvCxnSpPr>
         <p:spPr>
           <a:xfrm flipH="1">
-            <a:off x="1836523" y="2818425"/>
+            <a:off x="3360524" y="2818425"/>
             <a:ext cx="1568091" cy="197212"/>
           </a:xfrm>
           <a:prstGeom prst="line">
@@ -3251,7 +3260,7 @@
         </p:nvCxnSpPr>
         <p:spPr>
           <a:xfrm flipH="1">
-            <a:off x="1731276" y="2877593"/>
+            <a:off x="3255277" y="2877593"/>
             <a:ext cx="2030575" cy="1389774"/>
           </a:xfrm>
           <a:prstGeom prst="line">
@@ -3293,7 +3302,7 @@
         </p:nvCxnSpPr>
         <p:spPr>
           <a:xfrm>
-            <a:off x="4583681" y="3087157"/>
+            <a:off x="6107682" y="3087158"/>
             <a:ext cx="679993" cy="1283271"/>
           </a:xfrm>
           <a:prstGeom prst="line">
@@ -3336,7 +3345,7 @@
         </p:nvCxnSpPr>
         <p:spPr>
           <a:xfrm flipV="1">
-            <a:off x="4888067" y="2038903"/>
+            <a:off x="6412068" y="2038903"/>
             <a:ext cx="1540269" cy="494226"/>
           </a:xfrm>
           <a:prstGeom prst="line">
@@ -3379,7 +3388,7 @@
         </p:nvCxnSpPr>
         <p:spPr>
           <a:xfrm>
-            <a:off x="5162779" y="2770406"/>
+            <a:off x="6686780" y="2770406"/>
             <a:ext cx="1450403" cy="136546"/>
           </a:xfrm>
           <a:prstGeom prst="line">
@@ -3422,7 +3431,7 @@
         </p:nvCxnSpPr>
         <p:spPr>
           <a:xfrm>
-            <a:off x="4888067" y="3007682"/>
+            <a:off x="6412067" y="3007682"/>
             <a:ext cx="1789816" cy="927586"/>
           </a:xfrm>
           <a:prstGeom prst="line">
@@ -3465,7 +3474,7 @@
         </p:nvCxnSpPr>
         <p:spPr>
           <a:xfrm flipH="1">
-            <a:off x="3250123" y="3105965"/>
+            <a:off x="4774124" y="3105966"/>
             <a:ext cx="974729" cy="1220259"/>
           </a:xfrm>
           <a:prstGeom prst="line">
@@ -3504,7 +3513,7 @@
         </p:nvSpPr>
         <p:spPr>
           <a:xfrm>
-            <a:off x="965467" y="2832477"/>
+            <a:off x="2489467" y="2832478"/>
             <a:ext cx="1023456" cy="671119"/>
           </a:xfrm>
           <a:prstGeom prst="ellipse">
@@ -3556,7 +3565,7 @@
         </p:nvSpPr>
         <p:spPr>
           <a:xfrm>
-            <a:off x="2890795" y="4478624"/>
+            <a:off x="4414795" y="4478625"/>
             <a:ext cx="1023456" cy="671119"/>
           </a:xfrm>
           <a:prstGeom prst="ellipse">
@@ -3608,7 +3617,7 @@
         </p:nvSpPr>
         <p:spPr>
           <a:xfrm>
-            <a:off x="1010102" y="4321484"/>
+            <a:off x="2534102" y="4321485"/>
             <a:ext cx="1023456" cy="671119"/>
           </a:xfrm>
           <a:prstGeom prst="ellipse">
@@ -3660,7 +3669,7 @@
         </p:nvSpPr>
         <p:spPr>
           <a:xfrm>
-            <a:off x="3439325" y="2587246"/>
+            <a:off x="4963325" y="2587247"/>
             <a:ext cx="1875854" cy="671119"/>
           </a:xfrm>
           <a:prstGeom prst="ellipse">
@@ -3712,7 +3721,7 @@
         </p:nvSpPr>
         <p:spPr>
           <a:xfrm>
-            <a:off x="6733136" y="2008143"/>
+            <a:off x="8257136" y="2008144"/>
             <a:ext cx="1766520" cy="671119"/>
           </a:xfrm>
           <a:prstGeom prst="ellipse">
@@ -3764,7 +3773,7 @@
         </p:nvSpPr>
         <p:spPr>
           <a:xfrm>
-            <a:off x="6917982" y="2876192"/>
+            <a:off x="8441982" y="2876193"/>
             <a:ext cx="1766520" cy="671119"/>
           </a:xfrm>
           <a:prstGeom prst="ellipse">
@@ -3817,7 +3826,7 @@
         </p:nvSpPr>
         <p:spPr>
           <a:xfrm>
-            <a:off x="3591725" y="2739646"/>
+            <a:off x="5115725" y="2739647"/>
             <a:ext cx="1875854" cy="671119"/>
           </a:xfrm>
           <a:prstGeom prst="ellipse">
@@ -3869,7 +3878,7 @@
         </p:nvSpPr>
         <p:spPr>
           <a:xfrm>
-            <a:off x="2033558" y="2541730"/>
+            <a:off x="3557558" y="2541730"/>
             <a:ext cx="7019002" cy="3868790"/>
           </a:xfrm>
           <a:prstGeom prst="irregularSeal2">
@@ -4349,22 +4358,98 @@
           <a:chExt cx="0" cy="0"/>
         </a:xfrm>
       </p:grpSpPr>
+      <p:sp>
+        <p:nvSpPr>
+          <p:cNvPr id="2" name="Segnaposto contenuto 1">
+            <a:extLst>
+              <a:ext uri="{FF2B5EF4-FFF2-40B4-BE49-F238E27FC236}">
+                <a16:creationId xmlns:a16="http://schemas.microsoft.com/office/drawing/2014/main" id="{84A82FF7-02F9-4B83-A960-FEFD4418DB8D}"/>
+              </a:ext>
+            </a:extLst>
+          </p:cNvPr>
+          <p:cNvSpPr>
+            <a:spLocks noGrp="1"/>
+          </p:cNvSpPr>
+          <p:nvPr>
+            <p:ph idx="1"/>
+          </p:nvPr>
+        </p:nvSpPr>
+        <p:spPr/>
+        <p:txBody>
+          <a:bodyPr/>
+          <a:lstStyle/>
+          <a:p>
+            <a:endParaRPr lang="it-IT"/>
+          </a:p>
+        </p:txBody>
+      </p:sp>
+      <p:sp>
+        <p:nvSpPr>
+          <p:cNvPr id="3" name="Segnaposto testo 2">
+            <a:extLst>
+              <a:ext uri="{FF2B5EF4-FFF2-40B4-BE49-F238E27FC236}">
+                <a16:creationId xmlns:a16="http://schemas.microsoft.com/office/drawing/2014/main" id="{34CA79C5-8B32-47F6-9325-F0BFC6F06E8C}"/>
+              </a:ext>
+            </a:extLst>
+          </p:cNvPr>
+          <p:cNvSpPr>
+            <a:spLocks noGrp="1"/>
+          </p:cNvSpPr>
+          <p:nvPr>
+            <p:ph type="body" sz="quarter" idx="11"/>
+          </p:nvPr>
+        </p:nvSpPr>
+        <p:spPr/>
+        <p:txBody>
+          <a:bodyPr/>
+          <a:lstStyle/>
+          <a:p>
+            <a:r>
+              <a:rPr lang="en-GB" dirty="0"/>
+              <a:t>Gitlab pipeline model</a:t>
+            </a:r>
+          </a:p>
+        </p:txBody>
+      </p:sp>
+      <p:sp>
+        <p:nvSpPr>
+          <p:cNvPr id="4" name="Segnaposto testo 3">
+            <a:extLst>
+              <a:ext uri="{FF2B5EF4-FFF2-40B4-BE49-F238E27FC236}">
+                <a16:creationId xmlns:a16="http://schemas.microsoft.com/office/drawing/2014/main" id="{CBB58943-F7F2-4C56-9F62-600C4F75A1B2}"/>
+              </a:ext>
+            </a:extLst>
+          </p:cNvPr>
+          <p:cNvSpPr>
+            <a:spLocks noGrp="1"/>
+          </p:cNvSpPr>
+          <p:nvPr>
+            <p:ph type="body" sz="quarter" idx="12"/>
+          </p:nvPr>
+        </p:nvSpPr>
+        <p:spPr/>
+        <p:txBody>
+          <a:bodyPr/>
+          <a:lstStyle/>
+          <a:p>
+            <a:endParaRPr lang="it-IT"/>
+          </a:p>
+        </p:txBody>
+      </p:sp>
       <p:pic>
         <p:nvPicPr>
-          <p:cNvPr id="4098" name="Picture 2">
+          <p:cNvPr id="5" name="Picture 2">
             <a:hlinkClick r:id="rId2"/>
             <a:extLst>
               <a:ext uri="{FF2B5EF4-FFF2-40B4-BE49-F238E27FC236}">
-                <a16:creationId xmlns:a16="http://schemas.microsoft.com/office/drawing/2014/main" id="{4BF88179-FEE7-4740-9F3E-150C802F049A}"/>
+                <a16:creationId xmlns:a16="http://schemas.microsoft.com/office/drawing/2014/main" id="{18B13092-DA28-4110-B2FE-EF01311EC404}"/>
               </a:ext>
             </a:extLst>
           </p:cNvPr>
           <p:cNvPicPr>
-            <a:picLocks noGrp="1" noChangeAspect="1" noChangeArrowheads="1"/>
+            <a:picLocks noChangeAspect="1" noChangeArrowheads="1"/>
           </p:cNvPicPr>
-          <p:nvPr>
-            <p:ph idx="1"/>
-          </p:nvPr>
+          <p:nvPr/>
         </p:nvPicPr>
         <p:blipFill>
           <a:blip r:embed="rId3">
@@ -4381,7 +4466,7 @@
         </p:blipFill>
         <p:spPr bwMode="auto">
           <a:xfrm>
-            <a:off x="0" y="1081150"/>
+            <a:off x="1524000" y="1081150"/>
             <a:ext cx="9125228" cy="5189974"/>
           </a:xfrm>
           <a:prstGeom prst="rect">
@@ -4401,68 +4486,10 @@
       </p:pic>
       <p:sp>
         <p:nvSpPr>
-          <p:cNvPr id="3" name="Segnaposto testo 2">
+          <p:cNvPr id="6" name="Ovale 5">
             <a:extLst>
               <a:ext uri="{FF2B5EF4-FFF2-40B4-BE49-F238E27FC236}">
-                <a16:creationId xmlns:a16="http://schemas.microsoft.com/office/drawing/2014/main" id="{C3E5CCE5-5CC6-48D4-9522-3FA779547C8C}"/>
-              </a:ext>
-            </a:extLst>
-          </p:cNvPr>
-          <p:cNvSpPr>
-            <a:spLocks noGrp="1"/>
-          </p:cNvSpPr>
-          <p:nvPr>
-            <p:ph type="body" sz="quarter" idx="11"/>
-          </p:nvPr>
-        </p:nvSpPr>
-        <p:spPr>
-          <a:xfrm>
-            <a:off x="360964" y="521799"/>
-            <a:ext cx="7329140" cy="619941"/>
-          </a:xfrm>
-        </p:spPr>
-        <p:txBody>
-          <a:bodyPr/>
-          <a:lstStyle/>
-          <a:p>
-            <a:r>
-              <a:rPr lang="en-GB" dirty="0"/>
-              <a:t>Gitlab pipeline model</a:t>
-            </a:r>
-          </a:p>
-        </p:txBody>
-      </p:sp>
-      <p:sp>
-        <p:nvSpPr>
-          <p:cNvPr id="4" name="Segnaposto testo 3">
-            <a:extLst>
-              <a:ext uri="{FF2B5EF4-FFF2-40B4-BE49-F238E27FC236}">
-                <a16:creationId xmlns:a16="http://schemas.microsoft.com/office/drawing/2014/main" id="{5C3D76C4-7BDB-4AC8-A340-1C3A2B3F889B}"/>
-              </a:ext>
-            </a:extLst>
-          </p:cNvPr>
-          <p:cNvSpPr>
-            <a:spLocks noGrp="1"/>
-          </p:cNvSpPr>
-          <p:nvPr>
-            <p:ph type="body" sz="quarter" idx="12"/>
-          </p:nvPr>
-        </p:nvSpPr>
-        <p:spPr/>
-        <p:txBody>
-          <a:bodyPr/>
-          <a:lstStyle/>
-          <a:p>
-            <a:endParaRPr lang="en-GB"/>
-          </a:p>
-        </p:txBody>
-      </p:sp>
-      <p:sp>
-        <p:nvSpPr>
-          <p:cNvPr id="2" name="Ovale 1">
-            <a:extLst>
-              <a:ext uri="{FF2B5EF4-FFF2-40B4-BE49-F238E27FC236}">
-                <a16:creationId xmlns:a16="http://schemas.microsoft.com/office/drawing/2014/main" id="{F8FF3014-674B-402F-883D-DA62F3E7F570}"/>
+                <a16:creationId xmlns:a16="http://schemas.microsoft.com/office/drawing/2014/main" id="{7D350D60-5A67-46A3-8B0A-7C0886ED3E37}"/>
               </a:ext>
             </a:extLst>
           </p:cNvPr>
@@ -4471,7 +4498,7 @@
         </p:nvSpPr>
         <p:spPr>
           <a:xfrm>
-            <a:off x="0" y="2743200"/>
+            <a:off x="1524000" y="2743200"/>
             <a:ext cx="1261872" cy="768096"/>
           </a:xfrm>
           <a:prstGeom prst="ellipse">
@@ -4509,10 +4536,10 @@
       </p:sp>
       <p:sp>
         <p:nvSpPr>
-          <p:cNvPr id="5" name="Ovale 4">
+          <p:cNvPr id="7" name="Ovale 6">
             <a:extLst>
               <a:ext uri="{FF2B5EF4-FFF2-40B4-BE49-F238E27FC236}">
-                <a16:creationId xmlns:a16="http://schemas.microsoft.com/office/drawing/2014/main" id="{DE1062FF-936B-4C7F-B79A-C5B85D52D097}"/>
+                <a16:creationId xmlns:a16="http://schemas.microsoft.com/office/drawing/2014/main" id="{74342A87-2C85-4056-BF54-EF611BB69FDE}"/>
               </a:ext>
             </a:extLst>
           </p:cNvPr>
@@ -4521,7 +4548,7 @@
         </p:nvSpPr>
         <p:spPr>
           <a:xfrm>
-            <a:off x="0" y="1564518"/>
+            <a:off x="1524000" y="1564518"/>
             <a:ext cx="1261872" cy="768096"/>
           </a:xfrm>
           <a:prstGeom prst="ellipse">
@@ -4559,10 +4586,10 @@
       </p:sp>
       <p:sp>
         <p:nvSpPr>
-          <p:cNvPr id="7" name="Ovale 6">
+          <p:cNvPr id="8" name="Ovale 7">
             <a:extLst>
               <a:ext uri="{FF2B5EF4-FFF2-40B4-BE49-F238E27FC236}">
-                <a16:creationId xmlns:a16="http://schemas.microsoft.com/office/drawing/2014/main" id="{F7293C41-6945-4FA1-A051-4462A8E94C38}"/>
+                <a16:creationId xmlns:a16="http://schemas.microsoft.com/office/drawing/2014/main" id="{CEC93C56-CF21-41A5-AC18-339DE917A768}"/>
               </a:ext>
             </a:extLst>
           </p:cNvPr>
@@ -4571,7 +4598,7 @@
         </p:nvSpPr>
         <p:spPr>
           <a:xfrm>
-            <a:off x="2072640" y="2743200"/>
+            <a:off x="3596640" y="2743200"/>
             <a:ext cx="1261872" cy="768096"/>
           </a:xfrm>
           <a:prstGeom prst="ellipse">
@@ -4612,7 +4639,7 @@
           <p:cNvPr id="9" name="Ovale 8">
             <a:extLst>
               <a:ext uri="{FF2B5EF4-FFF2-40B4-BE49-F238E27FC236}">
-                <a16:creationId xmlns:a16="http://schemas.microsoft.com/office/drawing/2014/main" id="{5F2C8057-0DFA-4637-826F-4104824D5A58}"/>
+                <a16:creationId xmlns:a16="http://schemas.microsoft.com/office/drawing/2014/main" id="{F6A39C82-D7DD-41B7-A60C-57FBDA2867DA}"/>
               </a:ext>
             </a:extLst>
           </p:cNvPr>
@@ -4621,7 +4648,7 @@
         </p:nvSpPr>
         <p:spPr>
           <a:xfrm>
-            <a:off x="6297168" y="2392680"/>
+            <a:off x="7821168" y="2392680"/>
             <a:ext cx="1261872" cy="768096"/>
           </a:xfrm>
           <a:prstGeom prst="ellipse">
@@ -4659,10 +4686,10 @@
       </p:sp>
       <p:sp>
         <p:nvSpPr>
-          <p:cNvPr id="11" name="Ovale 10">
+          <p:cNvPr id="10" name="Ovale 9">
             <a:extLst>
               <a:ext uri="{FF2B5EF4-FFF2-40B4-BE49-F238E27FC236}">
-                <a16:creationId xmlns:a16="http://schemas.microsoft.com/office/drawing/2014/main" id="{E42504A4-BD65-4FBF-BF11-96D05CFC191D}"/>
+                <a16:creationId xmlns:a16="http://schemas.microsoft.com/office/drawing/2014/main" id="{BA94F7A3-E99F-48AB-A15C-2D1EB0149166}"/>
               </a:ext>
             </a:extLst>
           </p:cNvPr>
@@ -4671,7 +4698,7 @@
         </p:nvSpPr>
         <p:spPr>
           <a:xfrm>
-            <a:off x="2703576" y="5629065"/>
+            <a:off x="4227576" y="5629065"/>
             <a:ext cx="1261872" cy="768096"/>
           </a:xfrm>
           <a:prstGeom prst="ellipse">
@@ -4710,7 +4737,7 @@
     </p:spTree>
     <p:extLst>
       <p:ext uri="{BB962C8B-B14F-4D97-AF65-F5344CB8AC3E}">
-        <p14:creationId xmlns:p14="http://schemas.microsoft.com/office/powerpoint/2010/main" val="3449428964"/>
+        <p14:creationId xmlns:p14="http://schemas.microsoft.com/office/powerpoint/2010/main" val="1596463852"/>
       </p:ext>
     </p:extLst>
   </p:cSld>
@@ -4751,7 +4778,7 @@
                                           </p:stCondLst>
                                         </p:cTn>
                                         <p:tgtEl>
-                                          <p:spTgt spid="5"/>
+                                          <p:spTgt spid="7"/>
                                         </p:tgtEl>
                                         <p:attrNameLst>
                                           <p:attrName>style.visibility</p:attrName>
@@ -4765,7 +4792,7 @@
                                       <p:cBhvr>
                                         <p:cTn id="7" dur="500"/>
                                         <p:tgtEl>
-                                          <p:spTgt spid="5"/>
+                                          <p:spTgt spid="7"/>
                                         </p:tgtEl>
                                       </p:cBhvr>
                                     </p:animEffect>
@@ -4804,7 +4831,7 @@
                                           </p:stCondLst>
                                         </p:cTn>
                                         <p:tgtEl>
-                                          <p:spTgt spid="2"/>
+                                          <p:spTgt spid="6"/>
                                         </p:tgtEl>
                                         <p:attrNameLst>
                                           <p:attrName>style.visibility</p:attrName>
@@ -4818,7 +4845,7 @@
                                       <p:cBhvr>
                                         <p:cTn id="12" dur="500"/>
                                         <p:tgtEl>
-                                          <p:spTgt spid="2"/>
+                                          <p:spTgt spid="6"/>
                                         </p:tgtEl>
                                       </p:cBhvr>
                                     </p:animEffect>
@@ -4857,7 +4884,7 @@
                                           </p:stCondLst>
                                         </p:cTn>
                                         <p:tgtEl>
-                                          <p:spTgt spid="7"/>
+                                          <p:spTgt spid="8"/>
                                         </p:tgtEl>
                                         <p:attrNameLst>
                                           <p:attrName>style.visibility</p:attrName>
@@ -4871,7 +4898,7 @@
                                       <p:cBhvr>
                                         <p:cTn id="17" dur="500"/>
                                         <p:tgtEl>
-                                          <p:spTgt spid="7"/>
+                                          <p:spTgt spid="8"/>
                                         </p:tgtEl>
                                       </p:cBhvr>
                                     </p:animEffect>
@@ -4910,7 +4937,7 @@
                                           </p:stCondLst>
                                         </p:cTn>
                                         <p:tgtEl>
-                                          <p:spTgt spid="11"/>
+                                          <p:spTgt spid="10"/>
                                         </p:tgtEl>
                                         <p:attrNameLst>
                                           <p:attrName>style.visibility</p:attrName>
@@ -4924,7 +4951,7 @@
                                       <p:cBhvr>
                                         <p:cTn id="22" dur="500"/>
                                         <p:tgtEl>
-                                          <p:spTgt spid="11"/>
+                                          <p:spTgt spid="10"/>
                                         </p:tgtEl>
                                       </p:cBhvr>
                                     </p:animEffect>
@@ -5012,11 +5039,11 @@
       </p:par>
     </p:tnLst>
     <p:bldLst>
-      <p:bldP spid="2" grpId="0" animBg="1"/>
-      <p:bldP spid="5" grpId="0" animBg="1"/>
+      <p:bldP spid="6" grpId="0" animBg="1"/>
       <p:bldP spid="7" grpId="0" animBg="1"/>
+      <p:bldP spid="8" grpId="0" animBg="1"/>
       <p:bldP spid="9" grpId="0" animBg="1"/>
-      <p:bldP spid="11" grpId="0" animBg="1"/>
+      <p:bldP spid="10" grpId="0" animBg="1"/>
     </p:bldLst>
   </p:timing>
 </p:sld>
@@ -5024,6 +5051,1871 @@
 
 <file path=ppt/slides/slide13.xml><?xml version="1.0" encoding="utf-8"?>
 <p:sld xmlns:a="http://schemas.openxmlformats.org/drawingml/2006/main" xmlns:r="http://schemas.openxmlformats.org/officeDocument/2006/relationships" xmlns:p="http://schemas.openxmlformats.org/presentationml/2006/main">
+  <p:cSld>
+    <p:spTree>
+      <p:nvGrpSpPr>
+        <p:cNvPr id="1" name=""/>
+        <p:cNvGrpSpPr/>
+        <p:nvPr/>
+      </p:nvGrpSpPr>
+      <p:grpSpPr>
+        <a:xfrm>
+          <a:off x="0" y="0"/>
+          <a:ext cx="0" cy="0"/>
+          <a:chOff x="0" y="0"/>
+          <a:chExt cx="0" cy="0"/>
+        </a:xfrm>
+      </p:grpSpPr>
+      <p:pic>
+        <p:nvPicPr>
+          <p:cNvPr id="9" name="Immagine 8">
+            <a:extLst>
+              <a:ext uri="{FF2B5EF4-FFF2-40B4-BE49-F238E27FC236}">
+                <a16:creationId xmlns:a16="http://schemas.microsoft.com/office/drawing/2014/main" id="{5B529902-9A13-48DD-9BDD-0A1AA4027549}"/>
+              </a:ext>
+            </a:extLst>
+          </p:cNvPr>
+          <p:cNvPicPr>
+            <a:picLocks noChangeAspect="1"/>
+          </p:cNvPicPr>
+          <p:nvPr/>
+        </p:nvPicPr>
+        <p:blipFill>
+          <a:blip r:embed="rId2"/>
+          <a:stretch>
+            <a:fillRect/>
+          </a:stretch>
+        </p:blipFill>
+        <p:spPr>
+          <a:xfrm>
+            <a:off x="2831111" y="771115"/>
+            <a:ext cx="9000277" cy="5819654"/>
+          </a:xfrm>
+          <a:prstGeom prst="rect">
+            <a:avLst/>
+          </a:prstGeom>
+        </p:spPr>
+      </p:pic>
+      <p:sp>
+        <p:nvSpPr>
+          <p:cNvPr id="3" name="Segnaposto testo 2">
+            <a:extLst>
+              <a:ext uri="{FF2B5EF4-FFF2-40B4-BE49-F238E27FC236}">
+                <a16:creationId xmlns:a16="http://schemas.microsoft.com/office/drawing/2014/main" id="{817F5615-4DB2-4B9D-8084-4573476C6590}"/>
+              </a:ext>
+            </a:extLst>
+          </p:cNvPr>
+          <p:cNvSpPr>
+            <a:spLocks noGrp="1"/>
+          </p:cNvSpPr>
+          <p:nvPr>
+            <p:ph type="body" sz="quarter" idx="11"/>
+          </p:nvPr>
+        </p:nvSpPr>
+        <p:spPr/>
+        <p:txBody>
+          <a:bodyPr/>
+          <a:lstStyle/>
+          <a:p>
+            <a:r>
+              <a:rPr lang="it-IT" dirty="0" err="1"/>
+              <a:t>Gitlab</a:t>
+            </a:r>
+            <a:r>
+              <a:rPr lang="it-IT" dirty="0"/>
+              <a:t> pipeline – </a:t>
+            </a:r>
+            <a:r>
+              <a:rPr lang="it-IT" dirty="0" err="1"/>
+              <a:t>run</a:t>
+            </a:r>
+            <a:r>
+              <a:rPr lang="it-IT" dirty="0"/>
+              <a:t>-time</a:t>
+            </a:r>
+          </a:p>
+          <a:p>
+            <a:endParaRPr lang="it-IT" dirty="0"/>
+          </a:p>
+        </p:txBody>
+      </p:sp>
+      <p:sp>
+        <p:nvSpPr>
+          <p:cNvPr id="4" name="Segnaposto testo 3">
+            <a:extLst>
+              <a:ext uri="{FF2B5EF4-FFF2-40B4-BE49-F238E27FC236}">
+                <a16:creationId xmlns:a16="http://schemas.microsoft.com/office/drawing/2014/main" id="{40314E53-09BE-4F24-A7A4-52B7ECA0B11E}"/>
+              </a:ext>
+            </a:extLst>
+          </p:cNvPr>
+          <p:cNvSpPr>
+            <a:spLocks noGrp="1"/>
+          </p:cNvSpPr>
+          <p:nvPr>
+            <p:ph type="body" sz="quarter" idx="12"/>
+          </p:nvPr>
+        </p:nvSpPr>
+        <p:spPr/>
+        <p:txBody>
+          <a:bodyPr/>
+          <a:lstStyle/>
+          <a:p>
+            <a:endParaRPr lang="it-IT"/>
+          </a:p>
+        </p:txBody>
+      </p:sp>
+      <p:sp>
+        <p:nvSpPr>
+          <p:cNvPr id="7" name="Ovale 6">
+            <a:extLst>
+              <a:ext uri="{FF2B5EF4-FFF2-40B4-BE49-F238E27FC236}">
+                <a16:creationId xmlns:a16="http://schemas.microsoft.com/office/drawing/2014/main" id="{7D40386B-08B1-48B3-8D29-6DBCA02E5D63}"/>
+              </a:ext>
+            </a:extLst>
+          </p:cNvPr>
+          <p:cNvSpPr/>
+          <p:nvPr/>
+        </p:nvSpPr>
+        <p:spPr>
+          <a:xfrm>
+            <a:off x="4381190" y="5034013"/>
+            <a:ext cx="1441704" cy="979302"/>
+          </a:xfrm>
+          <a:prstGeom prst="ellipse">
+            <a:avLst/>
+          </a:prstGeom>
+          <a:noFill/>
+          <a:ln w="19050">
+            <a:solidFill>
+              <a:srgbClr val="FF0000"/>
+            </a:solidFill>
+          </a:ln>
+        </p:spPr>
+        <p:style>
+          <a:lnRef idx="1">
+            <a:schemeClr val="accent1"/>
+          </a:lnRef>
+          <a:fillRef idx="3">
+            <a:schemeClr val="accent1"/>
+          </a:fillRef>
+          <a:effectRef idx="2">
+            <a:schemeClr val="accent1"/>
+          </a:effectRef>
+          <a:fontRef idx="minor">
+            <a:schemeClr val="lt1"/>
+          </a:fontRef>
+        </p:style>
+        <p:txBody>
+          <a:bodyPr rtlCol="0" anchor="ctr"/>
+          <a:lstStyle/>
+          <a:p>
+            <a:pPr algn="ctr"/>
+            <a:endParaRPr lang="it-IT"/>
+          </a:p>
+        </p:txBody>
+      </p:sp>
+      <p:sp>
+        <p:nvSpPr>
+          <p:cNvPr id="10" name="Ovale 9">
+            <a:extLst>
+              <a:ext uri="{FF2B5EF4-FFF2-40B4-BE49-F238E27FC236}">
+                <a16:creationId xmlns:a16="http://schemas.microsoft.com/office/drawing/2014/main" id="{2F390A69-307A-4A42-BE7B-6F73CEF61EC7}"/>
+              </a:ext>
+            </a:extLst>
+          </p:cNvPr>
+          <p:cNvSpPr/>
+          <p:nvPr/>
+        </p:nvSpPr>
+        <p:spPr>
+          <a:xfrm>
+            <a:off x="3660338" y="2267072"/>
+            <a:ext cx="1441704" cy="979302"/>
+          </a:xfrm>
+          <a:prstGeom prst="ellipse">
+            <a:avLst/>
+          </a:prstGeom>
+          <a:noFill/>
+          <a:ln w="19050">
+            <a:solidFill>
+              <a:srgbClr val="FF0000"/>
+            </a:solidFill>
+          </a:ln>
+        </p:spPr>
+        <p:style>
+          <a:lnRef idx="1">
+            <a:schemeClr val="accent1"/>
+          </a:lnRef>
+          <a:fillRef idx="3">
+            <a:schemeClr val="accent1"/>
+          </a:fillRef>
+          <a:effectRef idx="2">
+            <a:schemeClr val="accent1"/>
+          </a:effectRef>
+          <a:fontRef idx="minor">
+            <a:schemeClr val="lt1"/>
+          </a:fontRef>
+        </p:style>
+        <p:txBody>
+          <a:bodyPr rtlCol="0" anchor="ctr"/>
+          <a:lstStyle/>
+          <a:p>
+            <a:pPr algn="ctr"/>
+            <a:endParaRPr lang="it-IT"/>
+          </a:p>
+        </p:txBody>
+      </p:sp>
+      <p:sp>
+        <p:nvSpPr>
+          <p:cNvPr id="11" name="Ovale 10">
+            <a:extLst>
+              <a:ext uri="{FF2B5EF4-FFF2-40B4-BE49-F238E27FC236}">
+                <a16:creationId xmlns:a16="http://schemas.microsoft.com/office/drawing/2014/main" id="{8673D7F6-5739-434B-94D7-4F30973132C2}"/>
+              </a:ext>
+            </a:extLst>
+          </p:cNvPr>
+          <p:cNvSpPr/>
+          <p:nvPr/>
+        </p:nvSpPr>
+        <p:spPr>
+          <a:xfrm>
+            <a:off x="6930280" y="2307177"/>
+            <a:ext cx="1441704" cy="979302"/>
+          </a:xfrm>
+          <a:prstGeom prst="ellipse">
+            <a:avLst/>
+          </a:prstGeom>
+          <a:noFill/>
+          <a:ln w="19050">
+            <a:solidFill>
+              <a:srgbClr val="FF0000"/>
+            </a:solidFill>
+          </a:ln>
+        </p:spPr>
+        <p:style>
+          <a:lnRef idx="1">
+            <a:schemeClr val="accent1"/>
+          </a:lnRef>
+          <a:fillRef idx="3">
+            <a:schemeClr val="accent1"/>
+          </a:fillRef>
+          <a:effectRef idx="2">
+            <a:schemeClr val="accent1"/>
+          </a:effectRef>
+          <a:fontRef idx="minor">
+            <a:schemeClr val="lt1"/>
+          </a:fontRef>
+        </p:style>
+        <p:txBody>
+          <a:bodyPr rtlCol="0" anchor="ctr"/>
+          <a:lstStyle/>
+          <a:p>
+            <a:pPr algn="ctr"/>
+            <a:endParaRPr lang="it-IT"/>
+          </a:p>
+        </p:txBody>
+      </p:sp>
+      <p:sp>
+        <p:nvSpPr>
+          <p:cNvPr id="12" name="Ovale 11">
+            <a:extLst>
+              <a:ext uri="{FF2B5EF4-FFF2-40B4-BE49-F238E27FC236}">
+                <a16:creationId xmlns:a16="http://schemas.microsoft.com/office/drawing/2014/main" id="{30BB9C40-1031-43CD-B88A-A635E30CB3F9}"/>
+              </a:ext>
+            </a:extLst>
+          </p:cNvPr>
+          <p:cNvSpPr/>
+          <p:nvPr/>
+        </p:nvSpPr>
+        <p:spPr>
+          <a:xfrm>
+            <a:off x="7536672" y="5107583"/>
+            <a:ext cx="1441704" cy="979302"/>
+          </a:xfrm>
+          <a:prstGeom prst="ellipse">
+            <a:avLst/>
+          </a:prstGeom>
+          <a:noFill/>
+          <a:ln w="19050">
+            <a:solidFill>
+              <a:srgbClr val="FF0000"/>
+            </a:solidFill>
+          </a:ln>
+        </p:spPr>
+        <p:style>
+          <a:lnRef idx="1">
+            <a:schemeClr val="accent1"/>
+          </a:lnRef>
+          <a:fillRef idx="3">
+            <a:schemeClr val="accent1"/>
+          </a:fillRef>
+          <a:effectRef idx="2">
+            <a:schemeClr val="accent1"/>
+          </a:effectRef>
+          <a:fontRef idx="minor">
+            <a:schemeClr val="lt1"/>
+          </a:fontRef>
+        </p:style>
+        <p:txBody>
+          <a:bodyPr rtlCol="0" anchor="ctr"/>
+          <a:lstStyle/>
+          <a:p>
+            <a:pPr algn="ctr"/>
+            <a:endParaRPr lang="it-IT"/>
+          </a:p>
+        </p:txBody>
+      </p:sp>
+      <p:sp>
+        <p:nvSpPr>
+          <p:cNvPr id="13" name="Ovale 12">
+            <a:extLst>
+              <a:ext uri="{FF2B5EF4-FFF2-40B4-BE49-F238E27FC236}">
+                <a16:creationId xmlns:a16="http://schemas.microsoft.com/office/drawing/2014/main" id="{A417F859-2D83-4B62-BD82-6759C8F0A549}"/>
+              </a:ext>
+            </a:extLst>
+          </p:cNvPr>
+          <p:cNvSpPr/>
+          <p:nvPr/>
+        </p:nvSpPr>
+        <p:spPr>
+          <a:xfrm>
+            <a:off x="10289406" y="771114"/>
+            <a:ext cx="1809550" cy="1423445"/>
+          </a:xfrm>
+          <a:prstGeom prst="ellipse">
+            <a:avLst/>
+          </a:prstGeom>
+          <a:noFill/>
+          <a:ln w="19050">
+            <a:solidFill>
+              <a:srgbClr val="FF0000"/>
+            </a:solidFill>
+          </a:ln>
+        </p:spPr>
+        <p:style>
+          <a:lnRef idx="1">
+            <a:schemeClr val="accent1"/>
+          </a:lnRef>
+          <a:fillRef idx="3">
+            <a:schemeClr val="accent1"/>
+          </a:fillRef>
+          <a:effectRef idx="2">
+            <a:schemeClr val="accent1"/>
+          </a:effectRef>
+          <a:fontRef idx="minor">
+            <a:schemeClr val="lt1"/>
+          </a:fontRef>
+        </p:style>
+        <p:txBody>
+          <a:bodyPr rtlCol="0" anchor="ctr"/>
+          <a:lstStyle/>
+          <a:p>
+            <a:pPr algn="ctr"/>
+            <a:endParaRPr lang="it-IT"/>
+          </a:p>
+        </p:txBody>
+      </p:sp>
+      <p:sp>
+        <p:nvSpPr>
+          <p:cNvPr id="14" name="Ovale 13">
+            <a:extLst>
+              <a:ext uri="{FF2B5EF4-FFF2-40B4-BE49-F238E27FC236}">
+                <a16:creationId xmlns:a16="http://schemas.microsoft.com/office/drawing/2014/main" id="{3EBE3B04-8AA5-4052-B76A-482A039D944E}"/>
+              </a:ext>
+            </a:extLst>
+          </p:cNvPr>
+          <p:cNvSpPr/>
+          <p:nvPr/>
+        </p:nvSpPr>
+        <p:spPr>
+          <a:xfrm>
+            <a:off x="10504662" y="2228764"/>
+            <a:ext cx="1441704" cy="979302"/>
+          </a:xfrm>
+          <a:prstGeom prst="ellipse">
+            <a:avLst/>
+          </a:prstGeom>
+          <a:noFill/>
+          <a:ln w="19050">
+            <a:solidFill>
+              <a:srgbClr val="FF0000"/>
+            </a:solidFill>
+          </a:ln>
+        </p:spPr>
+        <p:style>
+          <a:lnRef idx="1">
+            <a:schemeClr val="accent1"/>
+          </a:lnRef>
+          <a:fillRef idx="3">
+            <a:schemeClr val="accent1"/>
+          </a:fillRef>
+          <a:effectRef idx="2">
+            <a:schemeClr val="accent1"/>
+          </a:effectRef>
+          <a:fontRef idx="minor">
+            <a:schemeClr val="lt1"/>
+          </a:fontRef>
+        </p:style>
+        <p:txBody>
+          <a:bodyPr rtlCol="0" anchor="ctr"/>
+          <a:lstStyle/>
+          <a:p>
+            <a:pPr algn="ctr"/>
+            <a:endParaRPr lang="it-IT"/>
+          </a:p>
+        </p:txBody>
+      </p:sp>
+      <p:sp>
+        <p:nvSpPr>
+          <p:cNvPr id="15" name="Ovale 14">
+            <a:extLst>
+              <a:ext uri="{FF2B5EF4-FFF2-40B4-BE49-F238E27FC236}">
+                <a16:creationId xmlns:a16="http://schemas.microsoft.com/office/drawing/2014/main" id="{AB3D1F75-87E2-46F4-88EF-507B18DA78B4}"/>
+              </a:ext>
+            </a:extLst>
+          </p:cNvPr>
+          <p:cNvSpPr/>
+          <p:nvPr/>
+        </p:nvSpPr>
+        <p:spPr>
+          <a:xfrm>
+            <a:off x="10570623" y="3252242"/>
+            <a:ext cx="1441704" cy="979302"/>
+          </a:xfrm>
+          <a:prstGeom prst="ellipse">
+            <a:avLst/>
+          </a:prstGeom>
+          <a:noFill/>
+          <a:ln w="19050">
+            <a:solidFill>
+              <a:srgbClr val="FF0000"/>
+            </a:solidFill>
+          </a:ln>
+        </p:spPr>
+        <p:style>
+          <a:lnRef idx="1">
+            <a:schemeClr val="accent1"/>
+          </a:lnRef>
+          <a:fillRef idx="3">
+            <a:schemeClr val="accent1"/>
+          </a:fillRef>
+          <a:effectRef idx="2">
+            <a:schemeClr val="accent1"/>
+          </a:effectRef>
+          <a:fontRef idx="minor">
+            <a:schemeClr val="lt1"/>
+          </a:fontRef>
+        </p:style>
+        <p:txBody>
+          <a:bodyPr rtlCol="0" anchor="ctr"/>
+          <a:lstStyle/>
+          <a:p>
+            <a:pPr algn="ctr"/>
+            <a:endParaRPr lang="it-IT"/>
+          </a:p>
+        </p:txBody>
+      </p:sp>
+    </p:spTree>
+    <p:extLst>
+      <p:ext uri="{BB962C8B-B14F-4D97-AF65-F5344CB8AC3E}">
+        <p14:creationId xmlns:p14="http://schemas.microsoft.com/office/powerpoint/2010/main" val="575407612"/>
+      </p:ext>
+    </p:extLst>
+  </p:cSld>
+  <p:clrMapOvr>
+    <a:masterClrMapping/>
+  </p:clrMapOvr>
+  <p:timing>
+    <p:tnLst>
+      <p:par>
+        <p:cTn id="1" dur="indefinite" restart="never" nodeType="tmRoot">
+          <p:childTnLst>
+            <p:seq concurrent="1" nextAc="seek">
+              <p:cTn id="2" dur="indefinite" nodeType="mainSeq">
+                <p:childTnLst>
+                  <p:par>
+                    <p:cTn id="3" fill="hold">
+                      <p:stCondLst>
+                        <p:cond delay="indefinite"/>
+                      </p:stCondLst>
+                      <p:childTnLst>
+                        <p:par>
+                          <p:cTn id="4" fill="hold">
+                            <p:stCondLst>
+                              <p:cond delay="0"/>
+                            </p:stCondLst>
+                            <p:childTnLst>
+                              <p:par>
+                                <p:cTn id="5" presetID="10" presetClass="entr" presetSubtype="0" fill="hold" grpId="0" nodeType="clickEffect">
+                                  <p:stCondLst>
+                                    <p:cond delay="0"/>
+                                  </p:stCondLst>
+                                  <p:childTnLst>
+                                    <p:set>
+                                      <p:cBhvr>
+                                        <p:cTn id="6" dur="1" fill="hold">
+                                          <p:stCondLst>
+                                            <p:cond delay="0"/>
+                                          </p:stCondLst>
+                                        </p:cTn>
+                                        <p:tgtEl>
+                                          <p:spTgt spid="7"/>
+                                        </p:tgtEl>
+                                        <p:attrNameLst>
+                                          <p:attrName>style.visibility</p:attrName>
+                                        </p:attrNameLst>
+                                      </p:cBhvr>
+                                      <p:to>
+                                        <p:strVal val="visible"/>
+                                      </p:to>
+                                    </p:set>
+                                    <p:animEffect transition="in" filter="fade">
+                                      <p:cBhvr>
+                                        <p:cTn id="7" dur="500"/>
+                                        <p:tgtEl>
+                                          <p:spTgt spid="7"/>
+                                        </p:tgtEl>
+                                      </p:cBhvr>
+                                    </p:animEffect>
+                                  </p:childTnLst>
+                                </p:cTn>
+                              </p:par>
+                            </p:childTnLst>
+                          </p:cTn>
+                        </p:par>
+                      </p:childTnLst>
+                    </p:cTn>
+                  </p:par>
+                  <p:par>
+                    <p:cTn id="8" fill="hold">
+                      <p:stCondLst>
+                        <p:cond delay="indefinite"/>
+                      </p:stCondLst>
+                      <p:childTnLst>
+                        <p:par>
+                          <p:cTn id="9" fill="hold">
+                            <p:stCondLst>
+                              <p:cond delay="0"/>
+                            </p:stCondLst>
+                            <p:childTnLst>
+                              <p:par>
+                                <p:cTn id="10" presetID="10" presetClass="entr" presetSubtype="0" fill="hold" grpId="0" nodeType="clickEffect">
+                                  <p:stCondLst>
+                                    <p:cond delay="0"/>
+                                  </p:stCondLst>
+                                  <p:childTnLst>
+                                    <p:set>
+                                      <p:cBhvr>
+                                        <p:cTn id="11" dur="1" fill="hold">
+                                          <p:stCondLst>
+                                            <p:cond delay="0"/>
+                                          </p:stCondLst>
+                                        </p:cTn>
+                                        <p:tgtEl>
+                                          <p:spTgt spid="10"/>
+                                        </p:tgtEl>
+                                        <p:attrNameLst>
+                                          <p:attrName>style.visibility</p:attrName>
+                                        </p:attrNameLst>
+                                      </p:cBhvr>
+                                      <p:to>
+                                        <p:strVal val="visible"/>
+                                      </p:to>
+                                    </p:set>
+                                    <p:animEffect transition="in" filter="fade">
+                                      <p:cBhvr>
+                                        <p:cTn id="12" dur="500"/>
+                                        <p:tgtEl>
+                                          <p:spTgt spid="10"/>
+                                        </p:tgtEl>
+                                      </p:cBhvr>
+                                    </p:animEffect>
+                                  </p:childTnLst>
+                                </p:cTn>
+                              </p:par>
+                            </p:childTnLst>
+                          </p:cTn>
+                        </p:par>
+                      </p:childTnLst>
+                    </p:cTn>
+                  </p:par>
+                  <p:par>
+                    <p:cTn id="13" fill="hold">
+                      <p:stCondLst>
+                        <p:cond delay="indefinite"/>
+                      </p:stCondLst>
+                      <p:childTnLst>
+                        <p:par>
+                          <p:cTn id="14" fill="hold">
+                            <p:stCondLst>
+                              <p:cond delay="0"/>
+                            </p:stCondLst>
+                            <p:childTnLst>
+                              <p:par>
+                                <p:cTn id="15" presetID="10" presetClass="entr" presetSubtype="0" fill="hold" grpId="0" nodeType="clickEffect">
+                                  <p:stCondLst>
+                                    <p:cond delay="0"/>
+                                  </p:stCondLst>
+                                  <p:childTnLst>
+                                    <p:set>
+                                      <p:cBhvr>
+                                        <p:cTn id="16" dur="1" fill="hold">
+                                          <p:stCondLst>
+                                            <p:cond delay="0"/>
+                                          </p:stCondLst>
+                                        </p:cTn>
+                                        <p:tgtEl>
+                                          <p:spTgt spid="11"/>
+                                        </p:tgtEl>
+                                        <p:attrNameLst>
+                                          <p:attrName>style.visibility</p:attrName>
+                                        </p:attrNameLst>
+                                      </p:cBhvr>
+                                      <p:to>
+                                        <p:strVal val="visible"/>
+                                      </p:to>
+                                    </p:set>
+                                    <p:animEffect transition="in" filter="fade">
+                                      <p:cBhvr>
+                                        <p:cTn id="17" dur="500"/>
+                                        <p:tgtEl>
+                                          <p:spTgt spid="11"/>
+                                        </p:tgtEl>
+                                      </p:cBhvr>
+                                    </p:animEffect>
+                                  </p:childTnLst>
+                                </p:cTn>
+                              </p:par>
+                            </p:childTnLst>
+                          </p:cTn>
+                        </p:par>
+                      </p:childTnLst>
+                    </p:cTn>
+                  </p:par>
+                  <p:par>
+                    <p:cTn id="18" fill="hold">
+                      <p:stCondLst>
+                        <p:cond delay="indefinite"/>
+                      </p:stCondLst>
+                      <p:childTnLst>
+                        <p:par>
+                          <p:cTn id="19" fill="hold">
+                            <p:stCondLst>
+                              <p:cond delay="0"/>
+                            </p:stCondLst>
+                            <p:childTnLst>
+                              <p:par>
+                                <p:cTn id="20" presetID="10" presetClass="entr" presetSubtype="0" fill="hold" grpId="0" nodeType="clickEffect">
+                                  <p:stCondLst>
+                                    <p:cond delay="0"/>
+                                  </p:stCondLst>
+                                  <p:childTnLst>
+                                    <p:set>
+                                      <p:cBhvr>
+                                        <p:cTn id="21" dur="1" fill="hold">
+                                          <p:stCondLst>
+                                            <p:cond delay="0"/>
+                                          </p:stCondLst>
+                                        </p:cTn>
+                                        <p:tgtEl>
+                                          <p:spTgt spid="12"/>
+                                        </p:tgtEl>
+                                        <p:attrNameLst>
+                                          <p:attrName>style.visibility</p:attrName>
+                                        </p:attrNameLst>
+                                      </p:cBhvr>
+                                      <p:to>
+                                        <p:strVal val="visible"/>
+                                      </p:to>
+                                    </p:set>
+                                    <p:animEffect transition="in" filter="fade">
+                                      <p:cBhvr>
+                                        <p:cTn id="22" dur="500"/>
+                                        <p:tgtEl>
+                                          <p:spTgt spid="12"/>
+                                        </p:tgtEl>
+                                      </p:cBhvr>
+                                    </p:animEffect>
+                                  </p:childTnLst>
+                                </p:cTn>
+                              </p:par>
+                            </p:childTnLst>
+                          </p:cTn>
+                        </p:par>
+                      </p:childTnLst>
+                    </p:cTn>
+                  </p:par>
+                  <p:par>
+                    <p:cTn id="23" fill="hold">
+                      <p:stCondLst>
+                        <p:cond delay="indefinite"/>
+                      </p:stCondLst>
+                      <p:childTnLst>
+                        <p:par>
+                          <p:cTn id="24" fill="hold">
+                            <p:stCondLst>
+                              <p:cond delay="0"/>
+                            </p:stCondLst>
+                            <p:childTnLst>
+                              <p:par>
+                                <p:cTn id="25" presetID="10" presetClass="entr" presetSubtype="0" fill="hold" grpId="0" nodeType="clickEffect">
+                                  <p:stCondLst>
+                                    <p:cond delay="0"/>
+                                  </p:stCondLst>
+                                  <p:childTnLst>
+                                    <p:set>
+                                      <p:cBhvr>
+                                        <p:cTn id="26" dur="1" fill="hold">
+                                          <p:stCondLst>
+                                            <p:cond delay="0"/>
+                                          </p:stCondLst>
+                                        </p:cTn>
+                                        <p:tgtEl>
+                                          <p:spTgt spid="13"/>
+                                        </p:tgtEl>
+                                        <p:attrNameLst>
+                                          <p:attrName>style.visibility</p:attrName>
+                                        </p:attrNameLst>
+                                      </p:cBhvr>
+                                      <p:to>
+                                        <p:strVal val="visible"/>
+                                      </p:to>
+                                    </p:set>
+                                    <p:animEffect transition="in" filter="fade">
+                                      <p:cBhvr>
+                                        <p:cTn id="27" dur="500"/>
+                                        <p:tgtEl>
+                                          <p:spTgt spid="13"/>
+                                        </p:tgtEl>
+                                      </p:cBhvr>
+                                    </p:animEffect>
+                                  </p:childTnLst>
+                                </p:cTn>
+                              </p:par>
+                            </p:childTnLst>
+                          </p:cTn>
+                        </p:par>
+                      </p:childTnLst>
+                    </p:cTn>
+                  </p:par>
+                  <p:par>
+                    <p:cTn id="28" fill="hold">
+                      <p:stCondLst>
+                        <p:cond delay="indefinite"/>
+                      </p:stCondLst>
+                      <p:childTnLst>
+                        <p:par>
+                          <p:cTn id="29" fill="hold">
+                            <p:stCondLst>
+                              <p:cond delay="0"/>
+                            </p:stCondLst>
+                            <p:childTnLst>
+                              <p:par>
+                                <p:cTn id="30" presetID="10" presetClass="entr" presetSubtype="0" fill="hold" grpId="0" nodeType="clickEffect">
+                                  <p:stCondLst>
+                                    <p:cond delay="0"/>
+                                  </p:stCondLst>
+                                  <p:childTnLst>
+                                    <p:set>
+                                      <p:cBhvr>
+                                        <p:cTn id="31" dur="1" fill="hold">
+                                          <p:stCondLst>
+                                            <p:cond delay="0"/>
+                                          </p:stCondLst>
+                                        </p:cTn>
+                                        <p:tgtEl>
+                                          <p:spTgt spid="14"/>
+                                        </p:tgtEl>
+                                        <p:attrNameLst>
+                                          <p:attrName>style.visibility</p:attrName>
+                                        </p:attrNameLst>
+                                      </p:cBhvr>
+                                      <p:to>
+                                        <p:strVal val="visible"/>
+                                      </p:to>
+                                    </p:set>
+                                    <p:animEffect transition="in" filter="fade">
+                                      <p:cBhvr>
+                                        <p:cTn id="32" dur="500"/>
+                                        <p:tgtEl>
+                                          <p:spTgt spid="14"/>
+                                        </p:tgtEl>
+                                      </p:cBhvr>
+                                    </p:animEffect>
+                                  </p:childTnLst>
+                                </p:cTn>
+                              </p:par>
+                            </p:childTnLst>
+                          </p:cTn>
+                        </p:par>
+                      </p:childTnLst>
+                    </p:cTn>
+                  </p:par>
+                  <p:par>
+                    <p:cTn id="33" fill="hold">
+                      <p:stCondLst>
+                        <p:cond delay="indefinite"/>
+                      </p:stCondLst>
+                      <p:childTnLst>
+                        <p:par>
+                          <p:cTn id="34" fill="hold">
+                            <p:stCondLst>
+                              <p:cond delay="0"/>
+                            </p:stCondLst>
+                            <p:childTnLst>
+                              <p:par>
+                                <p:cTn id="35" presetID="10" presetClass="entr" presetSubtype="0" fill="hold" grpId="0" nodeType="clickEffect">
+                                  <p:stCondLst>
+                                    <p:cond delay="0"/>
+                                  </p:stCondLst>
+                                  <p:childTnLst>
+                                    <p:set>
+                                      <p:cBhvr>
+                                        <p:cTn id="36" dur="1" fill="hold">
+                                          <p:stCondLst>
+                                            <p:cond delay="0"/>
+                                          </p:stCondLst>
+                                        </p:cTn>
+                                        <p:tgtEl>
+                                          <p:spTgt spid="15"/>
+                                        </p:tgtEl>
+                                        <p:attrNameLst>
+                                          <p:attrName>style.visibility</p:attrName>
+                                        </p:attrNameLst>
+                                      </p:cBhvr>
+                                      <p:to>
+                                        <p:strVal val="visible"/>
+                                      </p:to>
+                                    </p:set>
+                                    <p:animEffect transition="in" filter="fade">
+                                      <p:cBhvr>
+                                        <p:cTn id="37" dur="500"/>
+                                        <p:tgtEl>
+                                          <p:spTgt spid="15"/>
+                                        </p:tgtEl>
+                                      </p:cBhvr>
+                                    </p:animEffect>
+                                  </p:childTnLst>
+                                </p:cTn>
+                              </p:par>
+                            </p:childTnLst>
+                          </p:cTn>
+                        </p:par>
+                      </p:childTnLst>
+                    </p:cTn>
+                  </p:par>
+                </p:childTnLst>
+              </p:cTn>
+              <p:prevCondLst>
+                <p:cond evt="onPrev" delay="0">
+                  <p:tgtEl>
+                    <p:sldTgt/>
+                  </p:tgtEl>
+                </p:cond>
+              </p:prevCondLst>
+              <p:nextCondLst>
+                <p:cond evt="onNext" delay="0">
+                  <p:tgtEl>
+                    <p:sldTgt/>
+                  </p:tgtEl>
+                </p:cond>
+              </p:nextCondLst>
+            </p:seq>
+          </p:childTnLst>
+        </p:cTn>
+      </p:par>
+    </p:tnLst>
+    <p:bldLst>
+      <p:bldP spid="7" grpId="0" animBg="1"/>
+      <p:bldP spid="10" grpId="0" animBg="1"/>
+      <p:bldP spid="11" grpId="0" animBg="1"/>
+      <p:bldP spid="12" grpId="0" animBg="1"/>
+      <p:bldP spid="13" grpId="0" animBg="1"/>
+      <p:bldP spid="14" grpId="0" animBg="1"/>
+      <p:bldP spid="15" grpId="0" animBg="1"/>
+    </p:bldLst>
+  </p:timing>
+</p:sld>
+</file>
+
+<file path=ppt/slides/slide14.xml><?xml version="1.0" encoding="utf-8"?>
+<p:sld xmlns:a="http://schemas.openxmlformats.org/drawingml/2006/main" xmlns:r="http://schemas.openxmlformats.org/officeDocument/2006/relationships" xmlns:p="http://schemas.openxmlformats.org/presentationml/2006/main">
+  <p:cSld>
+    <p:spTree>
+      <p:nvGrpSpPr>
+        <p:cNvPr id="1" name=""/>
+        <p:cNvGrpSpPr/>
+        <p:nvPr/>
+      </p:nvGrpSpPr>
+      <p:grpSpPr>
+        <a:xfrm>
+          <a:off x="0" y="0"/>
+          <a:ext cx="0" cy="0"/>
+          <a:chOff x="0" y="0"/>
+          <a:chExt cx="0" cy="0"/>
+        </a:xfrm>
+      </p:grpSpPr>
+      <p:sp>
+        <p:nvSpPr>
+          <p:cNvPr id="2" name="Segnaposto contenuto 1">
+            <a:extLst>
+              <a:ext uri="{FF2B5EF4-FFF2-40B4-BE49-F238E27FC236}">
+                <a16:creationId xmlns:a16="http://schemas.microsoft.com/office/drawing/2014/main" id="{0BC7CC52-B5E4-4BA8-8D60-0A1E72E9119D}"/>
+              </a:ext>
+            </a:extLst>
+          </p:cNvPr>
+          <p:cNvSpPr>
+            <a:spLocks noGrp="1"/>
+          </p:cNvSpPr>
+          <p:nvPr>
+            <p:ph idx="1"/>
+          </p:nvPr>
+        </p:nvSpPr>
+        <p:spPr/>
+        <p:txBody>
+          <a:bodyPr>
+            <a:normAutofit/>
+          </a:bodyPr>
+          <a:lstStyle/>
+          <a:p>
+            <a:r>
+              <a:rPr lang="it-IT" dirty="0"/>
+              <a:t>For </a:t>
+            </a:r>
+            <a:r>
+              <a:rPr lang="it-IT" dirty="0" err="1"/>
+              <a:t>each</a:t>
+            </a:r>
+            <a:r>
+              <a:rPr lang="it-IT" dirty="0"/>
+              <a:t> repo and for </a:t>
+            </a:r>
+            <a:r>
+              <a:rPr lang="it-IT" dirty="0" err="1"/>
+              <a:t>each</a:t>
+            </a:r>
+            <a:r>
+              <a:rPr lang="it-IT" dirty="0"/>
+              <a:t> </a:t>
+            </a:r>
+            <a:r>
+              <a:rPr lang="it-IT" dirty="0" err="1"/>
+              <a:t>commit</a:t>
+            </a:r>
+            <a:r>
+              <a:rPr lang="it-IT" dirty="0"/>
+              <a:t> (!): </a:t>
+            </a:r>
+          </a:p>
+          <a:p>
+            <a:pPr lvl="1"/>
+            <a:r>
+              <a:rPr lang="it-IT" dirty="0" err="1"/>
+              <a:t>Pre</a:t>
+            </a:r>
+            <a:r>
+              <a:rPr lang="it-IT" dirty="0"/>
+              <a:t>-deployment </a:t>
+            </a:r>
+            <a:r>
+              <a:rPr lang="it-IT" dirty="0" err="1"/>
+              <a:t>tests</a:t>
+            </a:r>
+            <a:r>
+              <a:rPr lang="it-IT" dirty="0"/>
+              <a:t>: </a:t>
+            </a:r>
+            <a:r>
+              <a:rPr lang="en-US" dirty="0"/>
+              <a:t>made without the real system to be online</a:t>
+            </a:r>
+            <a:endParaRPr lang="it-IT" dirty="0"/>
+          </a:p>
+          <a:p>
+            <a:pPr lvl="1"/>
+            <a:r>
+              <a:rPr lang="it-IT" dirty="0"/>
+              <a:t>Post-deployment </a:t>
+            </a:r>
+            <a:r>
+              <a:rPr lang="it-IT" dirty="0" err="1"/>
+              <a:t>tests</a:t>
+            </a:r>
+            <a:endParaRPr lang="it-IT" dirty="0"/>
+          </a:p>
+          <a:p>
+            <a:pPr lvl="2"/>
+            <a:r>
+              <a:rPr lang="en-US" dirty="0"/>
+              <a:t>installs the chart (with the sub-charts needed) in an isolated namespace</a:t>
+            </a:r>
+          </a:p>
+          <a:p>
+            <a:pPr lvl="2"/>
+            <a:r>
+              <a:rPr lang="en-US" dirty="0"/>
+              <a:t>wait for every container to be running</a:t>
+            </a:r>
+          </a:p>
+          <a:p>
+            <a:pPr lvl="2"/>
+            <a:r>
+              <a:rPr lang="en-US" dirty="0"/>
+              <a:t>For the tests:</a:t>
+            </a:r>
+          </a:p>
+          <a:p>
+            <a:pPr lvl="3"/>
+            <a:r>
+              <a:rPr lang="en-US" dirty="0"/>
+              <a:t>Create a k8s pod in the isolated namespace</a:t>
+            </a:r>
+          </a:p>
+          <a:p>
+            <a:pPr lvl="3"/>
+            <a:r>
+              <a:rPr lang="en-US" dirty="0"/>
+              <a:t>Run </a:t>
+            </a:r>
+            <a:r>
+              <a:rPr lang="en-US" dirty="0" err="1"/>
+              <a:t>pytests</a:t>
+            </a:r>
+            <a:r>
+              <a:rPr lang="en-US" dirty="0"/>
+              <a:t> inside the above pod</a:t>
+            </a:r>
+          </a:p>
+          <a:p>
+            <a:pPr lvl="3"/>
+            <a:r>
+              <a:rPr lang="en-US" dirty="0"/>
+              <a:t>Return the tests results</a:t>
+            </a:r>
+            <a:endParaRPr lang="it-IT" dirty="0"/>
+          </a:p>
+        </p:txBody>
+      </p:sp>
+      <p:sp>
+        <p:nvSpPr>
+          <p:cNvPr id="3" name="Segnaposto testo 2">
+            <a:extLst>
+              <a:ext uri="{FF2B5EF4-FFF2-40B4-BE49-F238E27FC236}">
+                <a16:creationId xmlns:a16="http://schemas.microsoft.com/office/drawing/2014/main" id="{4F07E483-EBAE-4306-9B2A-DC5990C2B9B5}"/>
+              </a:ext>
+            </a:extLst>
+          </p:cNvPr>
+          <p:cNvSpPr>
+            <a:spLocks noGrp="1"/>
+          </p:cNvSpPr>
+          <p:nvPr>
+            <p:ph type="body" sz="quarter" idx="11"/>
+          </p:nvPr>
+        </p:nvSpPr>
+        <p:spPr/>
+        <p:txBody>
+          <a:bodyPr/>
+          <a:lstStyle/>
+          <a:p>
+            <a:r>
+              <a:rPr lang="it-IT" dirty="0"/>
+              <a:t>Deployment and Testing</a:t>
+            </a:r>
+          </a:p>
+        </p:txBody>
+      </p:sp>
+      <p:sp>
+        <p:nvSpPr>
+          <p:cNvPr id="4" name="Segnaposto testo 3">
+            <a:extLst>
+              <a:ext uri="{FF2B5EF4-FFF2-40B4-BE49-F238E27FC236}">
+                <a16:creationId xmlns:a16="http://schemas.microsoft.com/office/drawing/2014/main" id="{18B4599D-86D1-46D3-93D5-5328E1A0C0C2}"/>
+              </a:ext>
+            </a:extLst>
+          </p:cNvPr>
+          <p:cNvSpPr>
+            <a:spLocks noGrp="1"/>
+          </p:cNvSpPr>
+          <p:nvPr>
+            <p:ph type="body" sz="quarter" idx="12"/>
+          </p:nvPr>
+        </p:nvSpPr>
+        <p:spPr/>
+        <p:txBody>
+          <a:bodyPr/>
+          <a:lstStyle/>
+          <a:p>
+            <a:endParaRPr lang="it-IT"/>
+          </a:p>
+        </p:txBody>
+      </p:sp>
+      <p:sp>
+        <p:nvSpPr>
+          <p:cNvPr id="6" name="Saetta 5">
+            <a:extLst>
+              <a:ext uri="{FF2B5EF4-FFF2-40B4-BE49-F238E27FC236}">
+                <a16:creationId xmlns:a16="http://schemas.microsoft.com/office/drawing/2014/main" id="{FFC58228-37C8-4D4A-BCF0-36D8EF741F22}"/>
+              </a:ext>
+            </a:extLst>
+          </p:cNvPr>
+          <p:cNvSpPr/>
+          <p:nvPr/>
+        </p:nvSpPr>
+        <p:spPr>
+          <a:xfrm>
+            <a:off x="5322004" y="521800"/>
+            <a:ext cx="887282" cy="532545"/>
+          </a:xfrm>
+          <a:prstGeom prst="lightningBolt">
+            <a:avLst/>
+          </a:prstGeom>
+          <a:solidFill>
+            <a:srgbClr val="FFC000"/>
+          </a:solidFill>
+        </p:spPr>
+        <p:style>
+          <a:lnRef idx="1">
+            <a:schemeClr val="accent1"/>
+          </a:lnRef>
+          <a:fillRef idx="3">
+            <a:schemeClr val="accent1"/>
+          </a:fillRef>
+          <a:effectRef idx="2">
+            <a:schemeClr val="accent1"/>
+          </a:effectRef>
+          <a:fontRef idx="minor">
+            <a:schemeClr val="lt1"/>
+          </a:fontRef>
+        </p:style>
+        <p:txBody>
+          <a:bodyPr rtlCol="0" anchor="ctr"/>
+          <a:lstStyle/>
+          <a:p>
+            <a:pPr algn="ctr"/>
+            <a:endParaRPr lang="it-IT"/>
+          </a:p>
+        </p:txBody>
+      </p:sp>
+    </p:spTree>
+    <p:extLst>
+      <p:ext uri="{BB962C8B-B14F-4D97-AF65-F5344CB8AC3E}">
+        <p14:creationId xmlns:p14="http://schemas.microsoft.com/office/powerpoint/2010/main" val="960015179"/>
+      </p:ext>
+    </p:extLst>
+  </p:cSld>
+  <p:clrMapOvr>
+    <a:masterClrMapping/>
+  </p:clrMapOvr>
+</p:sld>
+</file>
+
+<file path=ppt/slides/slide15.xml><?xml version="1.0" encoding="utf-8"?>
+<p:sld xmlns:a="http://schemas.openxmlformats.org/drawingml/2006/main" xmlns:r="http://schemas.openxmlformats.org/officeDocument/2006/relationships" xmlns:p="http://schemas.openxmlformats.org/presentationml/2006/main">
+  <p:cSld>
+    <p:spTree>
+      <p:nvGrpSpPr>
+        <p:cNvPr id="1" name=""/>
+        <p:cNvGrpSpPr/>
+        <p:nvPr/>
+      </p:nvGrpSpPr>
+      <p:grpSpPr>
+        <a:xfrm>
+          <a:off x="0" y="0"/>
+          <a:ext cx="0" cy="0"/>
+          <a:chOff x="0" y="0"/>
+          <a:chExt cx="0" cy="0"/>
+        </a:xfrm>
+      </p:grpSpPr>
+      <p:sp>
+        <p:nvSpPr>
+          <p:cNvPr id="2" name="Segnaposto contenuto 1">
+            <a:extLst>
+              <a:ext uri="{FF2B5EF4-FFF2-40B4-BE49-F238E27FC236}">
+                <a16:creationId xmlns:a16="http://schemas.microsoft.com/office/drawing/2014/main" id="{8598A5CD-5D64-46F2-94AF-A7AAB5EF752C}"/>
+              </a:ext>
+            </a:extLst>
+          </p:cNvPr>
+          <p:cNvSpPr>
+            <a:spLocks noGrp="1"/>
+          </p:cNvSpPr>
+          <p:nvPr>
+            <p:ph idx="1"/>
+          </p:nvPr>
+        </p:nvSpPr>
+        <p:spPr/>
+        <p:txBody>
+          <a:bodyPr>
+            <a:normAutofit fontScale="92500" lnSpcReduction="20000"/>
+          </a:bodyPr>
+          <a:lstStyle/>
+          <a:p>
+            <a:pPr fontAlgn="base"/>
+            <a:r>
+              <a:rPr lang="en-GB" dirty="0"/>
+              <a:t>Every commit deploys in a isolated and dedicated environment</a:t>
+            </a:r>
+          </a:p>
+          <a:p>
+            <a:pPr fontAlgn="base"/>
+            <a:r>
+              <a:rPr lang="en-GB" dirty="0"/>
+              <a:t>One component-one repository </a:t>
+            </a:r>
+          </a:p>
+          <a:p>
+            <a:pPr lvl="1" fontAlgn="base"/>
+            <a:r>
+              <a:rPr lang="en-GB" dirty="0"/>
+              <a:t>short lived use of branching</a:t>
+            </a:r>
+          </a:p>
+          <a:p>
+            <a:pPr fontAlgn="base"/>
+            <a:r>
+              <a:rPr lang="en-GB" dirty="0" err="1"/>
+              <a:t>Makefile</a:t>
+            </a:r>
+            <a:r>
+              <a:rPr lang="en-GB" dirty="0"/>
+              <a:t>: build and test of each component in one command</a:t>
+            </a:r>
+          </a:p>
+          <a:p>
+            <a:pPr fontAlgn="base"/>
+            <a:r>
+              <a:rPr lang="en-GB" dirty="0"/>
+              <a:t>Every commit triggers a build, a deployment and run tests</a:t>
+            </a:r>
+          </a:p>
+          <a:p>
+            <a:pPr fontAlgn="base"/>
+            <a:r>
+              <a:rPr lang="en-GB" dirty="0"/>
+              <a:t>Test Artifacts in </a:t>
+            </a:r>
+            <a:r>
+              <a:rPr lang="en-GB" dirty="0" err="1"/>
+              <a:t>gitlab</a:t>
+            </a:r>
+            <a:r>
+              <a:rPr lang="en-GB" dirty="0"/>
+              <a:t> for each pipeline run </a:t>
+            </a:r>
+          </a:p>
+          <a:p>
+            <a:pPr fontAlgn="base"/>
+            <a:r>
+              <a:rPr lang="en-GB" dirty="0"/>
+              <a:t>Other artifacts available on nexus (docker images, helm charts, python modules, etc.)</a:t>
+            </a:r>
+          </a:p>
+          <a:p>
+            <a:pPr fontAlgn="base"/>
+            <a:r>
+              <a:rPr lang="en-GB" dirty="0"/>
+              <a:t>Integration environment is accessible for every developer in every repository</a:t>
+            </a:r>
+          </a:p>
+        </p:txBody>
+      </p:sp>
+      <p:sp>
+        <p:nvSpPr>
+          <p:cNvPr id="3" name="Segnaposto testo 2">
+            <a:extLst>
+              <a:ext uri="{FF2B5EF4-FFF2-40B4-BE49-F238E27FC236}">
+                <a16:creationId xmlns:a16="http://schemas.microsoft.com/office/drawing/2014/main" id="{E1F0DED8-5C79-44E8-9765-DF8D153125D2}"/>
+              </a:ext>
+            </a:extLst>
+          </p:cNvPr>
+          <p:cNvSpPr>
+            <a:spLocks noGrp="1"/>
+          </p:cNvSpPr>
+          <p:nvPr>
+            <p:ph type="body" sz="quarter" idx="11"/>
+          </p:nvPr>
+        </p:nvSpPr>
+        <p:spPr/>
+        <p:txBody>
+          <a:bodyPr/>
+          <a:lstStyle/>
+          <a:p>
+            <a:r>
+              <a:rPr lang="en-GB" dirty="0"/>
+              <a:t>Conclusion</a:t>
+            </a:r>
+          </a:p>
+        </p:txBody>
+      </p:sp>
+      <p:sp>
+        <p:nvSpPr>
+          <p:cNvPr id="4" name="Segnaposto testo 3">
+            <a:extLst>
+              <a:ext uri="{FF2B5EF4-FFF2-40B4-BE49-F238E27FC236}">
+                <a16:creationId xmlns:a16="http://schemas.microsoft.com/office/drawing/2014/main" id="{A142F9A1-9C0F-4D2C-B7CA-12361F7B084A}"/>
+              </a:ext>
+            </a:extLst>
+          </p:cNvPr>
+          <p:cNvSpPr>
+            <a:spLocks noGrp="1"/>
+          </p:cNvSpPr>
+          <p:nvPr>
+            <p:ph type="body" sz="quarter" idx="12"/>
+          </p:nvPr>
+        </p:nvSpPr>
+        <p:spPr/>
+        <p:txBody>
+          <a:bodyPr/>
+          <a:lstStyle/>
+          <a:p>
+            <a:endParaRPr lang="en-GB"/>
+          </a:p>
+        </p:txBody>
+      </p:sp>
+    </p:spTree>
+    <p:extLst>
+      <p:ext uri="{BB962C8B-B14F-4D97-AF65-F5344CB8AC3E}">
+        <p14:creationId xmlns:p14="http://schemas.microsoft.com/office/powerpoint/2010/main" val="2260119509"/>
+      </p:ext>
+    </p:extLst>
+  </p:cSld>
+  <p:clrMapOvr>
+    <a:masterClrMapping/>
+  </p:clrMapOvr>
+  <p:timing>
+    <p:tnLst>
+      <p:par>
+        <p:cTn id="1" dur="indefinite" restart="never" nodeType="tmRoot">
+          <p:childTnLst>
+            <p:seq concurrent="1" nextAc="seek">
+              <p:cTn id="2" dur="indefinite" nodeType="mainSeq">
+                <p:childTnLst>
+                  <p:par>
+                    <p:cTn id="3" fill="hold">
+                      <p:stCondLst>
+                        <p:cond delay="indefinite"/>
+                      </p:stCondLst>
+                      <p:childTnLst>
+                        <p:par>
+                          <p:cTn id="4" fill="hold">
+                            <p:stCondLst>
+                              <p:cond delay="0"/>
+                            </p:stCondLst>
+                            <p:childTnLst>
+                              <p:par>
+                                <p:cTn id="5" presetID="10" presetClass="entr" presetSubtype="0" fill="hold" nodeType="clickEffect">
+                                  <p:stCondLst>
+                                    <p:cond delay="0"/>
+                                  </p:stCondLst>
+                                  <p:childTnLst>
+                                    <p:set>
+                                      <p:cBhvr>
+                                        <p:cTn id="6" dur="1" fill="hold">
+                                          <p:stCondLst>
+                                            <p:cond delay="0"/>
+                                          </p:stCondLst>
+                                        </p:cTn>
+                                        <p:tgtEl>
+                                          <p:spTgt spid="2">
+                                            <p:txEl>
+                                              <p:pRg st="0" end="0"/>
+                                            </p:txEl>
+                                          </p:spTgt>
+                                        </p:tgtEl>
+                                        <p:attrNameLst>
+                                          <p:attrName>style.visibility</p:attrName>
+                                        </p:attrNameLst>
+                                      </p:cBhvr>
+                                      <p:to>
+                                        <p:strVal val="visible"/>
+                                      </p:to>
+                                    </p:set>
+                                    <p:animEffect transition="in" filter="fade">
+                                      <p:cBhvr>
+                                        <p:cTn id="7" dur="500"/>
+                                        <p:tgtEl>
+                                          <p:spTgt spid="2">
+                                            <p:txEl>
+                                              <p:pRg st="0" end="0"/>
+                                            </p:txEl>
+                                          </p:spTgt>
+                                        </p:tgtEl>
+                                      </p:cBhvr>
+                                    </p:animEffect>
+                                  </p:childTnLst>
+                                </p:cTn>
+                              </p:par>
+                            </p:childTnLst>
+                          </p:cTn>
+                        </p:par>
+                        <p:par>
+                          <p:cTn id="8" fill="hold">
+                            <p:stCondLst>
+                              <p:cond delay="500"/>
+                            </p:stCondLst>
+                            <p:childTnLst>
+                              <p:par>
+                                <p:cTn id="9" presetID="10" presetClass="entr" presetSubtype="0" fill="hold" nodeType="afterEffect">
+                                  <p:stCondLst>
+                                    <p:cond delay="0"/>
+                                  </p:stCondLst>
+                                  <p:childTnLst>
+                                    <p:set>
+                                      <p:cBhvr>
+                                        <p:cTn id="10" dur="1" fill="hold">
+                                          <p:stCondLst>
+                                            <p:cond delay="0"/>
+                                          </p:stCondLst>
+                                        </p:cTn>
+                                        <p:tgtEl>
+                                          <p:spTgt spid="2">
+                                            <p:txEl>
+                                              <p:pRg st="1" end="1"/>
+                                            </p:txEl>
+                                          </p:spTgt>
+                                        </p:tgtEl>
+                                        <p:attrNameLst>
+                                          <p:attrName>style.visibility</p:attrName>
+                                        </p:attrNameLst>
+                                      </p:cBhvr>
+                                      <p:to>
+                                        <p:strVal val="visible"/>
+                                      </p:to>
+                                    </p:set>
+                                    <p:animEffect transition="in" filter="fade">
+                                      <p:cBhvr>
+                                        <p:cTn id="11" dur="500"/>
+                                        <p:tgtEl>
+                                          <p:spTgt spid="2">
+                                            <p:txEl>
+                                              <p:pRg st="1" end="1"/>
+                                            </p:txEl>
+                                          </p:spTgt>
+                                        </p:tgtEl>
+                                      </p:cBhvr>
+                                    </p:animEffect>
+                                  </p:childTnLst>
+                                </p:cTn>
+                              </p:par>
+                              <p:par>
+                                <p:cTn id="12" presetID="10" presetClass="entr" presetSubtype="0" fill="hold" nodeType="withEffect">
+                                  <p:stCondLst>
+                                    <p:cond delay="0"/>
+                                  </p:stCondLst>
+                                  <p:childTnLst>
+                                    <p:set>
+                                      <p:cBhvr>
+                                        <p:cTn id="13" dur="1" fill="hold">
+                                          <p:stCondLst>
+                                            <p:cond delay="0"/>
+                                          </p:stCondLst>
+                                        </p:cTn>
+                                        <p:tgtEl>
+                                          <p:spTgt spid="2">
+                                            <p:txEl>
+                                              <p:pRg st="2" end="2"/>
+                                            </p:txEl>
+                                          </p:spTgt>
+                                        </p:tgtEl>
+                                        <p:attrNameLst>
+                                          <p:attrName>style.visibility</p:attrName>
+                                        </p:attrNameLst>
+                                      </p:cBhvr>
+                                      <p:to>
+                                        <p:strVal val="visible"/>
+                                      </p:to>
+                                    </p:set>
+                                    <p:animEffect transition="in" filter="fade">
+                                      <p:cBhvr>
+                                        <p:cTn id="14" dur="500"/>
+                                        <p:tgtEl>
+                                          <p:spTgt spid="2">
+                                            <p:txEl>
+                                              <p:pRg st="2" end="2"/>
+                                            </p:txEl>
+                                          </p:spTgt>
+                                        </p:tgtEl>
+                                      </p:cBhvr>
+                                    </p:animEffect>
+                                  </p:childTnLst>
+                                </p:cTn>
+                              </p:par>
+                            </p:childTnLst>
+                          </p:cTn>
+                        </p:par>
+                        <p:par>
+                          <p:cTn id="15" fill="hold">
+                            <p:stCondLst>
+                              <p:cond delay="1000"/>
+                            </p:stCondLst>
+                            <p:childTnLst>
+                              <p:par>
+                                <p:cTn id="16" presetID="10" presetClass="entr" presetSubtype="0" fill="hold" nodeType="afterEffect">
+                                  <p:stCondLst>
+                                    <p:cond delay="0"/>
+                                  </p:stCondLst>
+                                  <p:childTnLst>
+                                    <p:set>
+                                      <p:cBhvr>
+                                        <p:cTn id="17" dur="1" fill="hold">
+                                          <p:stCondLst>
+                                            <p:cond delay="0"/>
+                                          </p:stCondLst>
+                                        </p:cTn>
+                                        <p:tgtEl>
+                                          <p:spTgt spid="2">
+                                            <p:txEl>
+                                              <p:pRg st="3" end="3"/>
+                                            </p:txEl>
+                                          </p:spTgt>
+                                        </p:tgtEl>
+                                        <p:attrNameLst>
+                                          <p:attrName>style.visibility</p:attrName>
+                                        </p:attrNameLst>
+                                      </p:cBhvr>
+                                      <p:to>
+                                        <p:strVal val="visible"/>
+                                      </p:to>
+                                    </p:set>
+                                    <p:animEffect transition="in" filter="fade">
+                                      <p:cBhvr>
+                                        <p:cTn id="18" dur="500"/>
+                                        <p:tgtEl>
+                                          <p:spTgt spid="2">
+                                            <p:txEl>
+                                              <p:pRg st="3" end="3"/>
+                                            </p:txEl>
+                                          </p:spTgt>
+                                        </p:tgtEl>
+                                      </p:cBhvr>
+                                    </p:animEffect>
+                                  </p:childTnLst>
+                                </p:cTn>
+                              </p:par>
+                            </p:childTnLst>
+                          </p:cTn>
+                        </p:par>
+                        <p:par>
+                          <p:cTn id="19" fill="hold">
+                            <p:stCondLst>
+                              <p:cond delay="1500"/>
+                            </p:stCondLst>
+                            <p:childTnLst>
+                              <p:par>
+                                <p:cTn id="20" presetID="10" presetClass="entr" presetSubtype="0" fill="hold" nodeType="afterEffect">
+                                  <p:stCondLst>
+                                    <p:cond delay="0"/>
+                                  </p:stCondLst>
+                                  <p:childTnLst>
+                                    <p:set>
+                                      <p:cBhvr>
+                                        <p:cTn id="21" dur="1" fill="hold">
+                                          <p:stCondLst>
+                                            <p:cond delay="0"/>
+                                          </p:stCondLst>
+                                        </p:cTn>
+                                        <p:tgtEl>
+                                          <p:spTgt spid="2">
+                                            <p:txEl>
+                                              <p:pRg st="4" end="4"/>
+                                            </p:txEl>
+                                          </p:spTgt>
+                                        </p:tgtEl>
+                                        <p:attrNameLst>
+                                          <p:attrName>style.visibility</p:attrName>
+                                        </p:attrNameLst>
+                                      </p:cBhvr>
+                                      <p:to>
+                                        <p:strVal val="visible"/>
+                                      </p:to>
+                                    </p:set>
+                                    <p:animEffect transition="in" filter="fade">
+                                      <p:cBhvr>
+                                        <p:cTn id="22" dur="500"/>
+                                        <p:tgtEl>
+                                          <p:spTgt spid="2">
+                                            <p:txEl>
+                                              <p:pRg st="4" end="4"/>
+                                            </p:txEl>
+                                          </p:spTgt>
+                                        </p:tgtEl>
+                                      </p:cBhvr>
+                                    </p:animEffect>
+                                  </p:childTnLst>
+                                </p:cTn>
+                              </p:par>
+                            </p:childTnLst>
+                          </p:cTn>
+                        </p:par>
+                        <p:par>
+                          <p:cTn id="23" fill="hold">
+                            <p:stCondLst>
+                              <p:cond delay="2000"/>
+                            </p:stCondLst>
+                            <p:childTnLst>
+                              <p:par>
+                                <p:cTn id="24" presetID="10" presetClass="entr" presetSubtype="0" fill="hold" nodeType="afterEffect">
+                                  <p:stCondLst>
+                                    <p:cond delay="0"/>
+                                  </p:stCondLst>
+                                  <p:childTnLst>
+                                    <p:set>
+                                      <p:cBhvr>
+                                        <p:cTn id="25" dur="1" fill="hold">
+                                          <p:stCondLst>
+                                            <p:cond delay="0"/>
+                                          </p:stCondLst>
+                                        </p:cTn>
+                                        <p:tgtEl>
+                                          <p:spTgt spid="2">
+                                            <p:txEl>
+                                              <p:pRg st="5" end="5"/>
+                                            </p:txEl>
+                                          </p:spTgt>
+                                        </p:tgtEl>
+                                        <p:attrNameLst>
+                                          <p:attrName>style.visibility</p:attrName>
+                                        </p:attrNameLst>
+                                      </p:cBhvr>
+                                      <p:to>
+                                        <p:strVal val="visible"/>
+                                      </p:to>
+                                    </p:set>
+                                    <p:animEffect transition="in" filter="fade">
+                                      <p:cBhvr>
+                                        <p:cTn id="26" dur="500"/>
+                                        <p:tgtEl>
+                                          <p:spTgt spid="2">
+                                            <p:txEl>
+                                              <p:pRg st="5" end="5"/>
+                                            </p:txEl>
+                                          </p:spTgt>
+                                        </p:tgtEl>
+                                      </p:cBhvr>
+                                    </p:animEffect>
+                                  </p:childTnLst>
+                                </p:cTn>
+                              </p:par>
+                            </p:childTnLst>
+                          </p:cTn>
+                        </p:par>
+                        <p:par>
+                          <p:cTn id="27" fill="hold">
+                            <p:stCondLst>
+                              <p:cond delay="2500"/>
+                            </p:stCondLst>
+                            <p:childTnLst>
+                              <p:par>
+                                <p:cTn id="28" presetID="10" presetClass="entr" presetSubtype="0" fill="hold" nodeType="afterEffect">
+                                  <p:stCondLst>
+                                    <p:cond delay="0"/>
+                                  </p:stCondLst>
+                                  <p:childTnLst>
+                                    <p:set>
+                                      <p:cBhvr>
+                                        <p:cTn id="29" dur="1" fill="hold">
+                                          <p:stCondLst>
+                                            <p:cond delay="0"/>
+                                          </p:stCondLst>
+                                        </p:cTn>
+                                        <p:tgtEl>
+                                          <p:spTgt spid="2">
+                                            <p:txEl>
+                                              <p:pRg st="6" end="6"/>
+                                            </p:txEl>
+                                          </p:spTgt>
+                                        </p:tgtEl>
+                                        <p:attrNameLst>
+                                          <p:attrName>style.visibility</p:attrName>
+                                        </p:attrNameLst>
+                                      </p:cBhvr>
+                                      <p:to>
+                                        <p:strVal val="visible"/>
+                                      </p:to>
+                                    </p:set>
+                                    <p:animEffect transition="in" filter="fade">
+                                      <p:cBhvr>
+                                        <p:cTn id="30" dur="500"/>
+                                        <p:tgtEl>
+                                          <p:spTgt spid="2">
+                                            <p:txEl>
+                                              <p:pRg st="6" end="6"/>
+                                            </p:txEl>
+                                          </p:spTgt>
+                                        </p:tgtEl>
+                                      </p:cBhvr>
+                                    </p:animEffect>
+                                  </p:childTnLst>
+                                </p:cTn>
+                              </p:par>
+                            </p:childTnLst>
+                          </p:cTn>
+                        </p:par>
+                        <p:par>
+                          <p:cTn id="31" fill="hold">
+                            <p:stCondLst>
+                              <p:cond delay="3000"/>
+                            </p:stCondLst>
+                            <p:childTnLst>
+                              <p:par>
+                                <p:cTn id="32" presetID="10" presetClass="entr" presetSubtype="0" fill="hold" nodeType="afterEffect">
+                                  <p:stCondLst>
+                                    <p:cond delay="0"/>
+                                  </p:stCondLst>
+                                  <p:childTnLst>
+                                    <p:set>
+                                      <p:cBhvr>
+                                        <p:cTn id="33" dur="1" fill="hold">
+                                          <p:stCondLst>
+                                            <p:cond delay="0"/>
+                                          </p:stCondLst>
+                                        </p:cTn>
+                                        <p:tgtEl>
+                                          <p:spTgt spid="2">
+                                            <p:txEl>
+                                              <p:pRg st="7" end="7"/>
+                                            </p:txEl>
+                                          </p:spTgt>
+                                        </p:tgtEl>
+                                        <p:attrNameLst>
+                                          <p:attrName>style.visibility</p:attrName>
+                                        </p:attrNameLst>
+                                      </p:cBhvr>
+                                      <p:to>
+                                        <p:strVal val="visible"/>
+                                      </p:to>
+                                    </p:set>
+                                    <p:animEffect transition="in" filter="fade">
+                                      <p:cBhvr>
+                                        <p:cTn id="34" dur="500"/>
+                                        <p:tgtEl>
+                                          <p:spTgt spid="2">
+                                            <p:txEl>
+                                              <p:pRg st="7" end="7"/>
+                                            </p:txEl>
+                                          </p:spTgt>
+                                        </p:tgtEl>
+                                      </p:cBhvr>
+                                    </p:animEffect>
+                                  </p:childTnLst>
+                                </p:cTn>
+                              </p:par>
+                            </p:childTnLst>
+                          </p:cTn>
+                        </p:par>
+                      </p:childTnLst>
+                    </p:cTn>
+                  </p:par>
+                </p:childTnLst>
+              </p:cTn>
+              <p:prevCondLst>
+                <p:cond evt="onPrev" delay="0">
+                  <p:tgtEl>
+                    <p:sldTgt/>
+                  </p:tgtEl>
+                </p:cond>
+              </p:prevCondLst>
+              <p:nextCondLst>
+                <p:cond evt="onNext" delay="0">
+                  <p:tgtEl>
+                    <p:sldTgt/>
+                  </p:tgtEl>
+                </p:cond>
+              </p:nextCondLst>
+            </p:seq>
+          </p:childTnLst>
+        </p:cTn>
+      </p:par>
+    </p:tnLst>
+  </p:timing>
+</p:sld>
+</file>
+
+<file path=ppt/slides/slide16.xml><?xml version="1.0" encoding="utf-8"?>
+<p:sld xmlns:a="http://schemas.openxmlformats.org/drawingml/2006/main" xmlns:r="http://schemas.openxmlformats.org/officeDocument/2006/relationships" xmlns:p="http://schemas.openxmlformats.org/presentationml/2006/main">
+  <p:cSld>
+    <p:spTree>
+      <p:nvGrpSpPr>
+        <p:cNvPr id="1" name=""/>
+        <p:cNvGrpSpPr/>
+        <p:nvPr/>
+      </p:nvGrpSpPr>
+      <p:grpSpPr>
+        <a:xfrm>
+          <a:off x="0" y="0"/>
+          <a:ext cx="0" cy="0"/>
+          <a:chOff x="0" y="0"/>
+          <a:chExt cx="0" cy="0"/>
+        </a:xfrm>
+      </p:grpSpPr>
+      <p:sp>
+        <p:nvSpPr>
+          <p:cNvPr id="2" name="Content Placeholder 1"/>
+          <p:cNvSpPr>
+            <a:spLocks noGrp="1"/>
+          </p:cNvSpPr>
+          <p:nvPr>
+            <p:ph idx="1"/>
+          </p:nvPr>
+        </p:nvSpPr>
+        <p:spPr/>
+        <p:txBody>
+          <a:bodyPr/>
+          <a:lstStyle/>
+          <a:p>
+            <a:pPr marL="0" indent="0" algn="ctr">
+              <a:buNone/>
+            </a:pPr>
+            <a:endParaRPr lang="en-US" dirty="0">
+              <a:latin typeface="Arial"/>
+              <a:cs typeface="Arial"/>
+            </a:endParaRPr>
+          </a:p>
+          <a:p>
+            <a:pPr marL="0" indent="0" algn="ctr">
+              <a:buNone/>
+            </a:pPr>
+            <a:endParaRPr lang="en-US" dirty="0">
+              <a:latin typeface="Arial"/>
+              <a:cs typeface="Arial"/>
+            </a:endParaRPr>
+          </a:p>
+          <a:p>
+            <a:pPr marL="0" indent="0" algn="ctr">
+              <a:buNone/>
+            </a:pPr>
+            <a:endParaRPr lang="en-US" dirty="0">
+              <a:latin typeface="Arial"/>
+              <a:cs typeface="Arial"/>
+            </a:endParaRPr>
+          </a:p>
+          <a:p>
+            <a:pPr marL="0" indent="0" algn="ctr">
+              <a:buNone/>
+            </a:pPr>
+            <a:r>
+              <a:rPr lang="en-US" dirty="0">
+                <a:latin typeface="Arial"/>
+                <a:cs typeface="Arial"/>
+              </a:rPr>
+              <a:t>Thanks</a:t>
+            </a:r>
+          </a:p>
+        </p:txBody>
+      </p:sp>
+    </p:spTree>
+    <p:extLst>
+      <p:ext uri="{BB962C8B-B14F-4D97-AF65-F5344CB8AC3E}">
+        <p14:creationId xmlns:p14="http://schemas.microsoft.com/office/powerpoint/2010/main" val="159018920"/>
+      </p:ext>
+    </p:extLst>
+  </p:cSld>
+  <p:clrMapOvr>
+    <a:masterClrMapping/>
+  </p:clrMapOvr>
+</p:sld>
+</file>
+
+<file path=ppt/slides/slide17.xml><?xml version="1.0" encoding="utf-8"?>
+<p:sld xmlns:a="http://schemas.openxmlformats.org/drawingml/2006/main" xmlns:r="http://schemas.openxmlformats.org/officeDocument/2006/relationships" xmlns:p="http://schemas.openxmlformats.org/presentationml/2006/main" show="0">
   <p:cSld>
     <p:spTree>
       <p:nvGrpSpPr>
@@ -5093,7 +6985,7 @@
         </p:nvSpPr>
         <p:spPr>
           <a:xfrm>
-            <a:off x="783117" y="2670736"/>
+            <a:off x="2307117" y="2670737"/>
             <a:ext cx="7696474" cy="3727921"/>
           </a:xfrm>
           <a:prstGeom prst="cloud">
@@ -5137,7 +7029,7 @@
         </p:nvSpPr>
         <p:spPr>
           <a:xfrm>
-            <a:off x="704364" y="2916298"/>
+            <a:off x="2228364" y="2916298"/>
             <a:ext cx="1306296" cy="612300"/>
           </a:xfrm>
           <a:prstGeom prst="rect">
@@ -5180,7 +7072,7 @@
         </p:nvSpPr>
         <p:spPr>
           <a:xfrm>
-            <a:off x="6079763" y="1117017"/>
+            <a:off x="7603763" y="1117017"/>
             <a:ext cx="1889700" cy="767400"/>
           </a:xfrm>
           <a:prstGeom prst="rect">
@@ -5215,7 +7107,7 @@
         </p:nvSpPr>
         <p:spPr>
           <a:xfrm>
-            <a:off x="655212" y="1055554"/>
+            <a:off x="2179212" y="1055554"/>
             <a:ext cx="1417850" cy="1615182"/>
           </a:xfrm>
           <a:prstGeom prst="flowChartMagneticDisk">
@@ -5271,7 +7163,7 @@
         </p:nvSpPr>
         <p:spPr>
           <a:xfrm>
-            <a:off x="3924175" y="3850556"/>
+            <a:off x="5448175" y="3850557"/>
             <a:ext cx="887282" cy="532545"/>
           </a:xfrm>
           <a:prstGeom prst="lightningBolt">
@@ -5318,7 +7210,7 @@
         </p:nvGrpSpPr>
         <p:grpSpPr>
           <a:xfrm>
-            <a:off x="4820885" y="3614928"/>
+            <a:off x="6344886" y="3614928"/>
             <a:ext cx="2074799" cy="1641418"/>
             <a:chOff x="5221228" y="2265743"/>
             <a:chExt cx="2074799" cy="1641418"/>
@@ -5421,21 +7313,19 @@
             <a:p>
               <a:pPr algn="ctr"/>
               <a:r>
-                <a:rPr lang="it-IT" sz="1600" b="1" i="0" dirty="0" err="1">
+                <a:rPr lang="it-IT" sz="1600" b="1" dirty="0" err="1">
                   <a:solidFill>
                     <a:srgbClr val="1F1F1F"/>
                   </a:solidFill>
-                  <a:effectLst/>
                   <a:latin typeface="Calibri" panose="020F0502020204030204" pitchFamily="34" charset="0"/>
                 </a:rPr>
                 <a:t>Umbrella</a:t>
               </a:r>
               <a:r>
-                <a:rPr lang="it-IT" sz="1600" b="1" i="0" dirty="0">
+                <a:rPr lang="it-IT" sz="1600" b="1" dirty="0">
                   <a:solidFill>
                     <a:srgbClr val="1F1F1F"/>
                   </a:solidFill>
-                  <a:effectLst/>
                   <a:latin typeface="Calibri" panose="020F0502020204030204" pitchFamily="34" charset="0"/>
                 </a:rPr>
                 <a:t> chart</a:t>
@@ -5490,21 +7380,19 @@
             <a:p>
               <a:pPr algn="ctr"/>
               <a:r>
-                <a:rPr lang="it-IT" sz="1600" b="1" i="0" dirty="0" err="1">
+                <a:rPr lang="it-IT" sz="1600" b="1" dirty="0" err="1">
                   <a:solidFill>
                     <a:srgbClr val="1F1F1F"/>
                   </a:solidFill>
-                  <a:effectLst/>
                   <a:latin typeface="Calibri" panose="020F0502020204030204" pitchFamily="34" charset="0"/>
                 </a:rPr>
                 <a:t>Umbrella</a:t>
               </a:r>
               <a:r>
-                <a:rPr lang="it-IT" sz="1600" b="1" i="0" dirty="0">
+                <a:rPr lang="it-IT" sz="1600" b="1" dirty="0">
                   <a:solidFill>
                     <a:srgbClr val="1F1F1F"/>
                   </a:solidFill>
-                  <a:effectLst/>
                   <a:latin typeface="Calibri" panose="020F0502020204030204" pitchFamily="34" charset="0"/>
                 </a:rPr>
                 <a:t> chart</a:t>
@@ -5559,30 +7447,27 @@
             <a:p>
               <a:pPr algn="ctr"/>
               <a:r>
-                <a:rPr lang="it-IT" sz="1400" b="1" i="0" dirty="0">
+                <a:rPr lang="it-IT" sz="1400" b="1" dirty="0">
                   <a:solidFill>
                     <a:srgbClr val="1F1F1F"/>
                   </a:solidFill>
-                  <a:effectLst/>
                   <a:latin typeface="Calibri" panose="020F0502020204030204" pitchFamily="34" charset="0"/>
                 </a:rPr>
                 <a:t>SKA k8s </a:t>
               </a:r>
               <a:r>
-                <a:rPr lang="it-IT" sz="1400" b="1" i="0" dirty="0" err="1">
+                <a:rPr lang="it-IT" sz="1400" b="1" dirty="0" err="1">
                   <a:solidFill>
                     <a:srgbClr val="1F1F1F"/>
                   </a:solidFill>
-                  <a:effectLst/>
                   <a:latin typeface="Calibri" panose="020F0502020204030204" pitchFamily="34" charset="0"/>
                 </a:rPr>
                 <a:t>resources</a:t>
               </a:r>
-              <a:endParaRPr lang="it-IT" sz="1400" b="1" i="0" dirty="0">
+              <a:endParaRPr lang="it-IT" sz="1400" b="1" dirty="0">
                 <a:solidFill>
                   <a:srgbClr val="1F1F1F"/>
                 </a:solidFill>
-                <a:effectLst/>
                 <a:latin typeface="Calibri" panose="020F0502020204030204" pitchFamily="34" charset="0"/>
               </a:endParaRPr>
             </a:p>
@@ -5647,7 +7532,7 @@
         </p:nvSpPr>
         <p:spPr>
           <a:xfrm>
-            <a:off x="3912895" y="4208246"/>
+            <a:off x="5436895" y="4208247"/>
             <a:ext cx="887282" cy="532545"/>
           </a:xfrm>
           <a:prstGeom prst="lightningBolt">
@@ -5694,7 +7579,7 @@
         </p:nvSpPr>
         <p:spPr>
           <a:xfrm>
-            <a:off x="3959131" y="4606097"/>
+            <a:off x="5483131" y="4606098"/>
             <a:ext cx="887282" cy="532545"/>
           </a:xfrm>
           <a:prstGeom prst="lightningBolt">
@@ -5741,7 +7626,7 @@
         </p:nvGrpSpPr>
         <p:grpSpPr>
           <a:xfrm>
-            <a:off x="5014625" y="3795686"/>
+            <a:off x="6538626" y="3795686"/>
             <a:ext cx="2074799" cy="1641418"/>
             <a:chOff x="5221228" y="2265743"/>
             <a:chExt cx="2074799" cy="1641418"/>
@@ -5844,21 +7729,19 @@
             <a:p>
               <a:pPr algn="ctr"/>
               <a:r>
-                <a:rPr lang="it-IT" sz="1600" b="1" i="0" dirty="0" err="1">
+                <a:rPr lang="it-IT" sz="1600" b="1" dirty="0" err="1">
                   <a:solidFill>
                     <a:srgbClr val="1F1F1F"/>
                   </a:solidFill>
-                  <a:effectLst/>
                   <a:latin typeface="Calibri" panose="020F0502020204030204" pitchFamily="34" charset="0"/>
                 </a:rPr>
                 <a:t>Umbrella</a:t>
               </a:r>
               <a:r>
-                <a:rPr lang="it-IT" sz="1600" b="1" i="0" dirty="0">
+                <a:rPr lang="it-IT" sz="1600" b="1" dirty="0">
                   <a:solidFill>
                     <a:srgbClr val="1F1F1F"/>
                   </a:solidFill>
-                  <a:effectLst/>
                   <a:latin typeface="Calibri" panose="020F0502020204030204" pitchFamily="34" charset="0"/>
                 </a:rPr>
                 <a:t> chart</a:t>
@@ -5913,21 +7796,19 @@
             <a:p>
               <a:pPr algn="ctr"/>
               <a:r>
-                <a:rPr lang="it-IT" sz="1600" b="1" i="0" dirty="0" err="1">
+                <a:rPr lang="it-IT" sz="1600" b="1" dirty="0" err="1">
                   <a:solidFill>
                     <a:srgbClr val="1F1F1F"/>
                   </a:solidFill>
-                  <a:effectLst/>
                   <a:latin typeface="Calibri" panose="020F0502020204030204" pitchFamily="34" charset="0"/>
                 </a:rPr>
                 <a:t>Umbrella</a:t>
               </a:r>
               <a:r>
-                <a:rPr lang="it-IT" sz="1600" b="1" i="0" dirty="0">
+                <a:rPr lang="it-IT" sz="1600" b="1" dirty="0">
                   <a:solidFill>
                     <a:srgbClr val="1F1F1F"/>
                   </a:solidFill>
-                  <a:effectLst/>
                   <a:latin typeface="Calibri" panose="020F0502020204030204" pitchFamily="34" charset="0"/>
                 </a:rPr>
                 <a:t> chart</a:t>
@@ -5982,30 +7863,27 @@
             <a:p>
               <a:pPr algn="ctr"/>
               <a:r>
-                <a:rPr lang="it-IT" sz="1400" b="1" i="0" dirty="0">
+                <a:rPr lang="it-IT" sz="1400" b="1" dirty="0">
                   <a:solidFill>
                     <a:srgbClr val="1F1F1F"/>
                   </a:solidFill>
-                  <a:effectLst/>
                   <a:latin typeface="Calibri" panose="020F0502020204030204" pitchFamily="34" charset="0"/>
                 </a:rPr>
                 <a:t>SKA k8s </a:t>
               </a:r>
               <a:r>
-                <a:rPr lang="it-IT" sz="1400" b="1" i="0" dirty="0" err="1">
+                <a:rPr lang="it-IT" sz="1400" b="1" dirty="0" err="1">
                   <a:solidFill>
                     <a:srgbClr val="1F1F1F"/>
                   </a:solidFill>
-                  <a:effectLst/>
                   <a:latin typeface="Calibri" panose="020F0502020204030204" pitchFamily="34" charset="0"/>
                 </a:rPr>
                 <a:t>resources</a:t>
               </a:r>
-              <a:endParaRPr lang="it-IT" sz="1400" b="1" i="0" dirty="0">
+              <a:endParaRPr lang="it-IT" sz="1400" b="1" dirty="0">
                 <a:solidFill>
                   <a:srgbClr val="1F1F1F"/>
                 </a:solidFill>
-                <a:effectLst/>
                 <a:latin typeface="Calibri" panose="020F0502020204030204" pitchFamily="34" charset="0"/>
               </a:endParaRPr>
             </a:p>
@@ -6070,7 +7948,7 @@
         </p:nvGrpSpPr>
         <p:grpSpPr>
           <a:xfrm>
-            <a:off x="5198506" y="3948928"/>
+            <a:off x="6722507" y="3948928"/>
             <a:ext cx="2074799" cy="1641418"/>
             <a:chOff x="5221228" y="2265743"/>
             <a:chExt cx="2074799" cy="1641418"/>
@@ -6173,21 +8051,19 @@
             <a:p>
               <a:pPr algn="ctr"/>
               <a:r>
-                <a:rPr lang="it-IT" sz="1600" b="1" i="0" dirty="0" err="1">
+                <a:rPr lang="it-IT" sz="1600" b="1" dirty="0" err="1">
                   <a:solidFill>
                     <a:srgbClr val="1F1F1F"/>
                   </a:solidFill>
-                  <a:effectLst/>
                   <a:latin typeface="Calibri" panose="020F0502020204030204" pitchFamily="34" charset="0"/>
                 </a:rPr>
                 <a:t>Umbrella</a:t>
               </a:r>
               <a:r>
-                <a:rPr lang="it-IT" sz="1600" b="1" i="0" dirty="0">
+                <a:rPr lang="it-IT" sz="1600" b="1" dirty="0">
                   <a:solidFill>
                     <a:srgbClr val="1F1F1F"/>
                   </a:solidFill>
-                  <a:effectLst/>
                   <a:latin typeface="Calibri" panose="020F0502020204030204" pitchFamily="34" charset="0"/>
                 </a:rPr>
                 <a:t> chart</a:t>
@@ -6242,21 +8118,19 @@
             <a:p>
               <a:pPr algn="ctr"/>
               <a:r>
-                <a:rPr lang="it-IT" sz="1600" b="1" i="0" dirty="0" err="1">
+                <a:rPr lang="it-IT" sz="1600" b="1" dirty="0" err="1">
                   <a:solidFill>
                     <a:srgbClr val="1F1F1F"/>
                   </a:solidFill>
-                  <a:effectLst/>
                   <a:latin typeface="Calibri" panose="020F0502020204030204" pitchFamily="34" charset="0"/>
                 </a:rPr>
                 <a:t>Umbrella</a:t>
               </a:r>
               <a:r>
-                <a:rPr lang="it-IT" sz="1600" b="1" i="0" dirty="0">
+                <a:rPr lang="it-IT" sz="1600" b="1" dirty="0">
                   <a:solidFill>
                     <a:srgbClr val="1F1F1F"/>
                   </a:solidFill>
-                  <a:effectLst/>
                   <a:latin typeface="Calibri" panose="020F0502020204030204" pitchFamily="34" charset="0"/>
                 </a:rPr>
                 <a:t> chart</a:t>
@@ -6311,30 +8185,27 @@
             <a:p>
               <a:pPr algn="ctr"/>
               <a:r>
-                <a:rPr lang="it-IT" sz="1400" b="1" i="0" dirty="0">
+                <a:rPr lang="it-IT" sz="1400" b="1" dirty="0">
                   <a:solidFill>
                     <a:srgbClr val="1F1F1F"/>
                   </a:solidFill>
-                  <a:effectLst/>
                   <a:latin typeface="Calibri" panose="020F0502020204030204" pitchFamily="34" charset="0"/>
                 </a:rPr>
                 <a:t>SKA k8s </a:t>
               </a:r>
               <a:r>
-                <a:rPr lang="it-IT" sz="1400" b="1" i="0" dirty="0" err="1">
+                <a:rPr lang="it-IT" sz="1400" b="1" dirty="0" err="1">
                   <a:solidFill>
                     <a:srgbClr val="1F1F1F"/>
                   </a:solidFill>
-                  <a:effectLst/>
                   <a:latin typeface="Calibri" panose="020F0502020204030204" pitchFamily="34" charset="0"/>
                 </a:rPr>
                 <a:t>resources</a:t>
               </a:r>
-              <a:endParaRPr lang="it-IT" sz="1400" b="1" i="0" dirty="0">
+              <a:endParaRPr lang="it-IT" sz="1400" b="1" dirty="0">
                 <a:solidFill>
                   <a:srgbClr val="1F1F1F"/>
                 </a:solidFill>
-                <a:effectLst/>
                 <a:latin typeface="Calibri" panose="020F0502020204030204" pitchFamily="34" charset="0"/>
               </a:endParaRPr>
             </a:p>
@@ -6399,7 +8270,7 @@
         </p:nvSpPr>
         <p:spPr>
           <a:xfrm>
-            <a:off x="6637836" y="1544150"/>
+            <a:off x="8161837" y="1544151"/>
             <a:ext cx="2376597" cy="889387"/>
           </a:xfrm>
           <a:prstGeom prst="wedgeRectCallout">
@@ -6473,7 +8344,7 @@
         </p:nvSpPr>
         <p:spPr>
           <a:xfrm>
-            <a:off x="7764000" y="5421758"/>
+            <a:off x="9288001" y="5421759"/>
             <a:ext cx="1304429" cy="1369323"/>
           </a:xfrm>
           <a:prstGeom prst="flowChartMagneticDisk">
@@ -6521,7 +8392,7 @@
         </p:nvSpPr>
         <p:spPr>
           <a:xfrm rot="5400000">
-            <a:off x="6459441" y="5493077"/>
+            <a:off x="7983442" y="5493078"/>
             <a:ext cx="993043" cy="1304429"/>
           </a:xfrm>
           <a:prstGeom prst="bentUpArrow">
@@ -6572,7 +8443,7 @@
         </p:nvSpPr>
         <p:spPr>
           <a:xfrm>
-            <a:off x="2320275" y="1022655"/>
+            <a:off x="3844275" y="1022655"/>
             <a:ext cx="1640860" cy="1615182"/>
           </a:xfrm>
           <a:prstGeom prst="flowChartMagneticDisk">
@@ -6674,7 +8545,7 @@
         </p:nvSpPr>
         <p:spPr>
           <a:xfrm>
-            <a:off x="4163790" y="1014427"/>
+            <a:off x="5687791" y="1014427"/>
             <a:ext cx="1783911" cy="1615182"/>
           </a:xfrm>
           <a:prstGeom prst="flowChartMagneticDisk">
@@ -6757,7 +8628,7 @@
         </p:nvSpPr>
         <p:spPr>
           <a:xfrm>
-            <a:off x="4214355" y="6013911"/>
+            <a:off x="5738356" y="6013911"/>
             <a:ext cx="1304429" cy="369332"/>
           </a:xfrm>
           <a:prstGeom prst="rect">
@@ -6796,7 +8667,7 @@
         </p:nvSpPr>
         <p:spPr>
           <a:xfrm>
-            <a:off x="868681" y="5661727"/>
+            <a:off x="2392681" y="5661728"/>
             <a:ext cx="3624278" cy="889387"/>
           </a:xfrm>
           <a:prstGeom prst="wedgeRectCallout">
@@ -6861,7 +8732,7 @@
         </p:nvGrpSpPr>
         <p:grpSpPr>
           <a:xfrm>
-            <a:off x="1858583" y="3798140"/>
+            <a:off x="3382584" y="3798140"/>
             <a:ext cx="2103951" cy="1691224"/>
             <a:chOff x="1858583" y="3798140"/>
             <a:chExt cx="2103951" cy="1691224"/>
@@ -7007,11 +8878,10 @@
             <a:lstStyle/>
             <a:p>
               <a:pPr algn="ctr"/>
-              <a:endParaRPr lang="it-IT" sz="1600" b="1" i="0" dirty="0">
+              <a:endParaRPr lang="it-IT" sz="1600" b="1" dirty="0">
                 <a:solidFill>
                   <a:srgbClr val="1F1F1F"/>
                 </a:solidFill>
-                <a:effectLst/>
                 <a:latin typeface="Calibri" panose="020F0502020204030204" pitchFamily="34" charset="0"/>
               </a:endParaRPr>
             </a:p>
@@ -7063,11 +8933,10 @@
             <a:lstStyle/>
             <a:p>
               <a:pPr algn="ctr"/>
-              <a:endParaRPr lang="it-IT" sz="1600" b="1" i="0" dirty="0">
+              <a:endParaRPr lang="it-IT" sz="1600" b="1" dirty="0">
                 <a:solidFill>
                   <a:srgbClr val="1F1F1F"/>
                 </a:solidFill>
-                <a:effectLst/>
                 <a:latin typeface="Calibri" panose="020F0502020204030204" pitchFamily="34" charset="0"/>
               </a:endParaRPr>
             </a:p>
@@ -7120,40 +8989,36 @@
             <a:p>
               <a:pPr algn="ctr"/>
               <a:r>
-                <a:rPr lang="it-IT" sz="1600" b="1" i="0" dirty="0" err="1">
+                <a:rPr lang="it-IT" sz="1600" b="1" dirty="0" err="1">
                   <a:solidFill>
                     <a:srgbClr val="1F1F1F"/>
                   </a:solidFill>
-                  <a:effectLst/>
                   <a:latin typeface="Calibri" panose="020F0502020204030204" pitchFamily="34" charset="0"/>
                 </a:rPr>
                 <a:t>GitLab</a:t>
               </a:r>
               <a:r>
-                <a:rPr lang="it-IT" sz="1600" b="1" i="0" dirty="0">
+                <a:rPr lang="it-IT" sz="1600" b="1" dirty="0">
                   <a:solidFill>
                     <a:srgbClr val="1F1F1F"/>
                   </a:solidFill>
-                  <a:effectLst/>
                   <a:latin typeface="Calibri" panose="020F0502020204030204" pitchFamily="34" charset="0"/>
                 </a:rPr>
                 <a:t> Runner k8s </a:t>
               </a:r>
               <a:r>
-                <a:rPr lang="it-IT" sz="1600" b="1" i="0" dirty="0" err="1">
+                <a:rPr lang="it-IT" sz="1600" b="1" dirty="0" err="1">
                   <a:solidFill>
                     <a:srgbClr val="1F1F1F"/>
                   </a:solidFill>
-                  <a:effectLst/>
                   <a:latin typeface="Calibri" panose="020F0502020204030204" pitchFamily="34" charset="0"/>
                 </a:rPr>
                 <a:t>resources</a:t>
               </a:r>
-              <a:endParaRPr lang="it-IT" sz="1600" b="1" i="0" dirty="0">
+              <a:endParaRPr lang="it-IT" sz="1600" b="1" dirty="0">
                 <a:solidFill>
                   <a:srgbClr val="1F1F1F"/>
                 </a:solidFill>
-                <a:effectLst/>
                 <a:latin typeface="Calibri" panose="020F0502020204030204" pitchFamily="34" charset="0"/>
               </a:endParaRPr>
             </a:p>
@@ -7178,7 +9043,7 @@
         </p:nvCxnSpPr>
         <p:spPr>
           <a:xfrm flipV="1">
-            <a:off x="2806977" y="2637837"/>
+            <a:off x="4330977" y="2637838"/>
             <a:ext cx="333728" cy="1404327"/>
           </a:xfrm>
           <a:prstGeom prst="straightConnector1">
@@ -7214,7 +9079,7 @@
         </p:nvCxnSpPr>
         <p:spPr>
           <a:xfrm flipH="1" flipV="1">
-            <a:off x="1364137" y="2670736"/>
+            <a:off x="2888138" y="2670736"/>
             <a:ext cx="800699" cy="1473776"/>
           </a:xfrm>
           <a:prstGeom prst="straightConnector1">
@@ -7250,7 +9115,7 @@
         </p:nvCxnSpPr>
         <p:spPr>
           <a:xfrm flipV="1">
-            <a:off x="3449118" y="2629609"/>
+            <a:off x="4973118" y="2629610"/>
             <a:ext cx="1606628" cy="1514903"/>
           </a:xfrm>
           <a:prstGeom prst="straightConnector1">
@@ -8314,983 +10179,6 @@
 </p:sld>
 </file>
 
-<file path=ppt/slides/slide14.xml><?xml version="1.0" encoding="utf-8"?>
-<p:sld xmlns:a="http://schemas.openxmlformats.org/drawingml/2006/main" xmlns:r="http://schemas.openxmlformats.org/officeDocument/2006/relationships" xmlns:p="http://schemas.openxmlformats.org/presentationml/2006/main">
-  <p:cSld>
-    <p:spTree>
-      <p:nvGrpSpPr>
-        <p:cNvPr id="1" name=""/>
-        <p:cNvGrpSpPr/>
-        <p:nvPr/>
-      </p:nvGrpSpPr>
-      <p:grpSpPr>
-        <a:xfrm>
-          <a:off x="0" y="0"/>
-          <a:ext cx="0" cy="0"/>
-          <a:chOff x="0" y="0"/>
-          <a:chExt cx="0" cy="0"/>
-        </a:xfrm>
-      </p:grpSpPr>
-      <p:sp>
-        <p:nvSpPr>
-          <p:cNvPr id="2" name="Segnaposto contenuto 1">
-            <a:extLst>
-              <a:ext uri="{FF2B5EF4-FFF2-40B4-BE49-F238E27FC236}">
-                <a16:creationId xmlns:a16="http://schemas.microsoft.com/office/drawing/2014/main" id="{0BC7CC52-B5E4-4BA8-8D60-0A1E72E9119D}"/>
-              </a:ext>
-            </a:extLst>
-          </p:cNvPr>
-          <p:cNvSpPr>
-            <a:spLocks noGrp="1"/>
-          </p:cNvSpPr>
-          <p:nvPr>
-            <p:ph idx="1"/>
-          </p:nvPr>
-        </p:nvSpPr>
-        <p:spPr/>
-        <p:txBody>
-          <a:bodyPr>
-            <a:normAutofit lnSpcReduction="10000"/>
-          </a:bodyPr>
-          <a:lstStyle/>
-          <a:p>
-            <a:r>
-              <a:rPr lang="it-IT" dirty="0"/>
-              <a:t>For </a:t>
-            </a:r>
-            <a:r>
-              <a:rPr lang="it-IT" dirty="0" err="1"/>
-              <a:t>each</a:t>
-            </a:r>
-            <a:r>
-              <a:rPr lang="it-IT" dirty="0"/>
-              <a:t> repo and for </a:t>
-            </a:r>
-            <a:r>
-              <a:rPr lang="it-IT" dirty="0" err="1"/>
-              <a:t>each</a:t>
-            </a:r>
-            <a:r>
-              <a:rPr lang="it-IT" dirty="0"/>
-              <a:t> </a:t>
-            </a:r>
-            <a:r>
-              <a:rPr lang="it-IT" dirty="0" err="1"/>
-              <a:t>commit</a:t>
-            </a:r>
-            <a:r>
-              <a:rPr lang="it-IT" dirty="0"/>
-              <a:t> (!): </a:t>
-            </a:r>
-          </a:p>
-          <a:p>
-            <a:pPr lvl="1"/>
-            <a:r>
-              <a:rPr lang="it-IT" dirty="0" err="1"/>
-              <a:t>Pre</a:t>
-            </a:r>
-            <a:r>
-              <a:rPr lang="it-IT" dirty="0"/>
-              <a:t>-deployment </a:t>
-            </a:r>
-            <a:r>
-              <a:rPr lang="it-IT" dirty="0" err="1"/>
-              <a:t>tests</a:t>
-            </a:r>
-            <a:r>
-              <a:rPr lang="it-IT" dirty="0"/>
-              <a:t>: </a:t>
-            </a:r>
-            <a:r>
-              <a:rPr lang="en-US" dirty="0"/>
-              <a:t>made without the real system to be online</a:t>
-            </a:r>
-            <a:endParaRPr lang="it-IT" dirty="0"/>
-          </a:p>
-          <a:p>
-            <a:pPr lvl="1"/>
-            <a:r>
-              <a:rPr lang="it-IT" dirty="0"/>
-              <a:t>Post-deployment </a:t>
-            </a:r>
-            <a:r>
-              <a:rPr lang="it-IT" dirty="0" err="1"/>
-              <a:t>tests</a:t>
-            </a:r>
-            <a:endParaRPr lang="it-IT" dirty="0"/>
-          </a:p>
-          <a:p>
-            <a:pPr lvl="2"/>
-            <a:r>
-              <a:rPr lang="en-US" dirty="0"/>
-              <a:t>installs the chart (with the sub-charts needed) in an isolated namespace</a:t>
-            </a:r>
-          </a:p>
-          <a:p>
-            <a:pPr lvl="2"/>
-            <a:r>
-              <a:rPr lang="en-US" dirty="0"/>
-              <a:t>wait for every container to be running</a:t>
-            </a:r>
-          </a:p>
-          <a:p>
-            <a:pPr lvl="2"/>
-            <a:r>
-              <a:rPr lang="en-US" dirty="0"/>
-              <a:t>For the tests:</a:t>
-            </a:r>
-          </a:p>
-          <a:p>
-            <a:pPr lvl="3"/>
-            <a:r>
-              <a:rPr lang="en-US" dirty="0"/>
-              <a:t>Create a k8s pod in the isolated namespace</a:t>
-            </a:r>
-          </a:p>
-          <a:p>
-            <a:pPr lvl="3"/>
-            <a:r>
-              <a:rPr lang="en-US" dirty="0"/>
-              <a:t>Run </a:t>
-            </a:r>
-            <a:r>
-              <a:rPr lang="en-US" dirty="0" err="1"/>
-              <a:t>pytests</a:t>
-            </a:r>
-            <a:r>
-              <a:rPr lang="en-US" dirty="0"/>
-              <a:t> inside the above pod</a:t>
-            </a:r>
-          </a:p>
-          <a:p>
-            <a:pPr lvl="3"/>
-            <a:r>
-              <a:rPr lang="en-US" dirty="0"/>
-              <a:t>Return the tests results</a:t>
-            </a:r>
-            <a:endParaRPr lang="it-IT" dirty="0"/>
-          </a:p>
-        </p:txBody>
-      </p:sp>
-      <p:sp>
-        <p:nvSpPr>
-          <p:cNvPr id="3" name="Segnaposto testo 2">
-            <a:extLst>
-              <a:ext uri="{FF2B5EF4-FFF2-40B4-BE49-F238E27FC236}">
-                <a16:creationId xmlns:a16="http://schemas.microsoft.com/office/drawing/2014/main" id="{4F07E483-EBAE-4306-9B2A-DC5990C2B9B5}"/>
-              </a:ext>
-            </a:extLst>
-          </p:cNvPr>
-          <p:cNvSpPr>
-            <a:spLocks noGrp="1"/>
-          </p:cNvSpPr>
-          <p:nvPr>
-            <p:ph type="body" sz="quarter" idx="11"/>
-          </p:nvPr>
-        </p:nvSpPr>
-        <p:spPr/>
-        <p:txBody>
-          <a:bodyPr/>
-          <a:lstStyle/>
-          <a:p>
-            <a:r>
-              <a:rPr lang="it-IT" dirty="0"/>
-              <a:t>Deployment and Testing</a:t>
-            </a:r>
-          </a:p>
-        </p:txBody>
-      </p:sp>
-      <p:sp>
-        <p:nvSpPr>
-          <p:cNvPr id="4" name="Segnaposto testo 3">
-            <a:extLst>
-              <a:ext uri="{FF2B5EF4-FFF2-40B4-BE49-F238E27FC236}">
-                <a16:creationId xmlns:a16="http://schemas.microsoft.com/office/drawing/2014/main" id="{18B4599D-86D1-46D3-93D5-5328E1A0C0C2}"/>
-              </a:ext>
-            </a:extLst>
-          </p:cNvPr>
-          <p:cNvSpPr>
-            <a:spLocks noGrp="1"/>
-          </p:cNvSpPr>
-          <p:nvPr>
-            <p:ph type="body" sz="quarter" idx="12"/>
-          </p:nvPr>
-        </p:nvSpPr>
-        <p:spPr/>
-        <p:txBody>
-          <a:bodyPr/>
-          <a:lstStyle/>
-          <a:p>
-            <a:endParaRPr lang="it-IT"/>
-          </a:p>
-        </p:txBody>
-      </p:sp>
-      <p:sp>
-        <p:nvSpPr>
-          <p:cNvPr id="6" name="Saetta 5">
-            <a:extLst>
-              <a:ext uri="{FF2B5EF4-FFF2-40B4-BE49-F238E27FC236}">
-                <a16:creationId xmlns:a16="http://schemas.microsoft.com/office/drawing/2014/main" id="{FFC58228-37C8-4D4A-BCF0-36D8EF741F22}"/>
-              </a:ext>
-            </a:extLst>
-          </p:cNvPr>
-          <p:cNvSpPr/>
-          <p:nvPr/>
-        </p:nvSpPr>
-        <p:spPr>
-          <a:xfrm>
-            <a:off x="5331529" y="578142"/>
-            <a:ext cx="887282" cy="532545"/>
-          </a:xfrm>
-          <a:prstGeom prst="lightningBolt">
-            <a:avLst/>
-          </a:prstGeom>
-          <a:solidFill>
-            <a:srgbClr val="FFC000"/>
-          </a:solidFill>
-        </p:spPr>
-        <p:style>
-          <a:lnRef idx="1">
-            <a:schemeClr val="accent1"/>
-          </a:lnRef>
-          <a:fillRef idx="3">
-            <a:schemeClr val="accent1"/>
-          </a:fillRef>
-          <a:effectRef idx="2">
-            <a:schemeClr val="accent1"/>
-          </a:effectRef>
-          <a:fontRef idx="minor">
-            <a:schemeClr val="lt1"/>
-          </a:fontRef>
-        </p:style>
-        <p:txBody>
-          <a:bodyPr rtlCol="0" anchor="ctr"/>
-          <a:lstStyle/>
-          <a:p>
-            <a:pPr algn="ctr"/>
-            <a:endParaRPr lang="it-IT"/>
-          </a:p>
-        </p:txBody>
-      </p:sp>
-    </p:spTree>
-    <p:extLst>
-      <p:ext uri="{BB962C8B-B14F-4D97-AF65-F5344CB8AC3E}">
-        <p14:creationId xmlns:p14="http://schemas.microsoft.com/office/powerpoint/2010/main" val="960015179"/>
-      </p:ext>
-    </p:extLst>
-  </p:cSld>
-  <p:clrMapOvr>
-    <a:masterClrMapping/>
-  </p:clrMapOvr>
-</p:sld>
-</file>
-
-<file path=ppt/slides/slide15.xml><?xml version="1.0" encoding="utf-8"?>
-<p:sld xmlns:a="http://schemas.openxmlformats.org/drawingml/2006/main" xmlns:r="http://schemas.openxmlformats.org/officeDocument/2006/relationships" xmlns:p="http://schemas.openxmlformats.org/presentationml/2006/main">
-  <p:cSld>
-    <p:spTree>
-      <p:nvGrpSpPr>
-        <p:cNvPr id="1" name=""/>
-        <p:cNvGrpSpPr/>
-        <p:nvPr/>
-      </p:nvGrpSpPr>
-      <p:grpSpPr>
-        <a:xfrm>
-          <a:off x="0" y="0"/>
-          <a:ext cx="0" cy="0"/>
-          <a:chOff x="0" y="0"/>
-          <a:chExt cx="0" cy="0"/>
-        </a:xfrm>
-      </p:grpSpPr>
-      <p:sp>
-        <p:nvSpPr>
-          <p:cNvPr id="2" name="Segnaposto contenuto 1">
-            <a:extLst>
-              <a:ext uri="{FF2B5EF4-FFF2-40B4-BE49-F238E27FC236}">
-                <a16:creationId xmlns:a16="http://schemas.microsoft.com/office/drawing/2014/main" id="{8598A5CD-5D64-46F2-94AF-A7AAB5EF752C}"/>
-              </a:ext>
-            </a:extLst>
-          </p:cNvPr>
-          <p:cNvSpPr>
-            <a:spLocks noGrp="1"/>
-          </p:cNvSpPr>
-          <p:nvPr>
-            <p:ph idx="1"/>
-          </p:nvPr>
-        </p:nvSpPr>
-        <p:spPr/>
-        <p:txBody>
-          <a:bodyPr>
-            <a:normAutofit fontScale="77500" lnSpcReduction="20000"/>
-          </a:bodyPr>
-          <a:lstStyle/>
-          <a:p>
-            <a:pPr fontAlgn="base"/>
-            <a:r>
-              <a:rPr lang="en-GB" dirty="0"/>
-              <a:t>Every commit deploys in a isolated and dedicated environment</a:t>
-            </a:r>
-          </a:p>
-          <a:p>
-            <a:pPr fontAlgn="base"/>
-            <a:r>
-              <a:rPr lang="en-GB" dirty="0"/>
-              <a:t>One component-one repository </a:t>
-            </a:r>
-          </a:p>
-          <a:p>
-            <a:pPr lvl="1" fontAlgn="base"/>
-            <a:r>
-              <a:rPr lang="en-GB" dirty="0"/>
-              <a:t>short lived use of branching</a:t>
-            </a:r>
-          </a:p>
-          <a:p>
-            <a:pPr fontAlgn="base"/>
-            <a:r>
-              <a:rPr lang="en-GB" dirty="0" err="1"/>
-              <a:t>Makefile</a:t>
-            </a:r>
-            <a:r>
-              <a:rPr lang="en-GB" dirty="0"/>
-              <a:t>: build and test of each component in one command</a:t>
-            </a:r>
-          </a:p>
-          <a:p>
-            <a:pPr fontAlgn="base"/>
-            <a:r>
-              <a:rPr lang="en-GB" dirty="0"/>
-              <a:t>Every commit triggers a build, a deployment and run tests</a:t>
-            </a:r>
-          </a:p>
-          <a:p>
-            <a:pPr fontAlgn="base"/>
-            <a:r>
-              <a:rPr lang="en-GB" dirty="0"/>
-              <a:t>Test Artifacts in </a:t>
-            </a:r>
-            <a:r>
-              <a:rPr lang="en-GB" dirty="0" err="1"/>
-              <a:t>gitlab</a:t>
-            </a:r>
-            <a:r>
-              <a:rPr lang="en-GB" dirty="0"/>
-              <a:t> for each pipeline run </a:t>
-            </a:r>
-          </a:p>
-          <a:p>
-            <a:pPr fontAlgn="base"/>
-            <a:r>
-              <a:rPr lang="en-GB" dirty="0"/>
-              <a:t>Other artifacts available on nexus (docker images, helm charts, python modules, etc.)</a:t>
-            </a:r>
-          </a:p>
-          <a:p>
-            <a:pPr fontAlgn="base"/>
-            <a:r>
-              <a:rPr lang="en-GB" dirty="0"/>
-              <a:t>Integration environment is accessible for every developer in every repository</a:t>
-            </a:r>
-          </a:p>
-        </p:txBody>
-      </p:sp>
-      <p:sp>
-        <p:nvSpPr>
-          <p:cNvPr id="3" name="Segnaposto testo 2">
-            <a:extLst>
-              <a:ext uri="{FF2B5EF4-FFF2-40B4-BE49-F238E27FC236}">
-                <a16:creationId xmlns:a16="http://schemas.microsoft.com/office/drawing/2014/main" id="{E1F0DED8-5C79-44E8-9765-DF8D153125D2}"/>
-              </a:ext>
-            </a:extLst>
-          </p:cNvPr>
-          <p:cNvSpPr>
-            <a:spLocks noGrp="1"/>
-          </p:cNvSpPr>
-          <p:nvPr>
-            <p:ph type="body" sz="quarter" idx="11"/>
-          </p:nvPr>
-        </p:nvSpPr>
-        <p:spPr/>
-        <p:txBody>
-          <a:bodyPr/>
-          <a:lstStyle/>
-          <a:p>
-            <a:r>
-              <a:rPr lang="en-GB" dirty="0"/>
-              <a:t>Conclusion</a:t>
-            </a:r>
-          </a:p>
-        </p:txBody>
-      </p:sp>
-      <p:sp>
-        <p:nvSpPr>
-          <p:cNvPr id="4" name="Segnaposto testo 3">
-            <a:extLst>
-              <a:ext uri="{FF2B5EF4-FFF2-40B4-BE49-F238E27FC236}">
-                <a16:creationId xmlns:a16="http://schemas.microsoft.com/office/drawing/2014/main" id="{A142F9A1-9C0F-4D2C-B7CA-12361F7B084A}"/>
-              </a:ext>
-            </a:extLst>
-          </p:cNvPr>
-          <p:cNvSpPr>
-            <a:spLocks noGrp="1"/>
-          </p:cNvSpPr>
-          <p:nvPr>
-            <p:ph type="body" sz="quarter" idx="12"/>
-          </p:nvPr>
-        </p:nvSpPr>
-        <p:spPr/>
-        <p:txBody>
-          <a:bodyPr/>
-          <a:lstStyle/>
-          <a:p>
-            <a:endParaRPr lang="en-GB"/>
-          </a:p>
-        </p:txBody>
-      </p:sp>
-    </p:spTree>
-    <p:extLst>
-      <p:ext uri="{BB962C8B-B14F-4D97-AF65-F5344CB8AC3E}">
-        <p14:creationId xmlns:p14="http://schemas.microsoft.com/office/powerpoint/2010/main" val="2260119509"/>
-      </p:ext>
-    </p:extLst>
-  </p:cSld>
-  <p:clrMapOvr>
-    <a:masterClrMapping/>
-  </p:clrMapOvr>
-  <p:timing>
-    <p:tnLst>
-      <p:par>
-        <p:cTn id="1" dur="indefinite" restart="never" nodeType="tmRoot">
-          <p:childTnLst>
-            <p:seq concurrent="1" nextAc="seek">
-              <p:cTn id="2" dur="indefinite" nodeType="mainSeq">
-                <p:childTnLst>
-                  <p:par>
-                    <p:cTn id="3" fill="hold">
-                      <p:stCondLst>
-                        <p:cond delay="indefinite"/>
-                      </p:stCondLst>
-                      <p:childTnLst>
-                        <p:par>
-                          <p:cTn id="4" fill="hold">
-                            <p:stCondLst>
-                              <p:cond delay="0"/>
-                            </p:stCondLst>
-                            <p:childTnLst>
-                              <p:par>
-                                <p:cTn id="5" presetID="10" presetClass="entr" presetSubtype="0" fill="hold" nodeType="clickEffect">
-                                  <p:stCondLst>
-                                    <p:cond delay="0"/>
-                                  </p:stCondLst>
-                                  <p:childTnLst>
-                                    <p:set>
-                                      <p:cBhvr>
-                                        <p:cTn id="6" dur="1" fill="hold">
-                                          <p:stCondLst>
-                                            <p:cond delay="0"/>
-                                          </p:stCondLst>
-                                        </p:cTn>
-                                        <p:tgtEl>
-                                          <p:spTgt spid="2">
-                                            <p:txEl>
-                                              <p:pRg st="0" end="0"/>
-                                            </p:txEl>
-                                          </p:spTgt>
-                                        </p:tgtEl>
-                                        <p:attrNameLst>
-                                          <p:attrName>style.visibility</p:attrName>
-                                        </p:attrNameLst>
-                                      </p:cBhvr>
-                                      <p:to>
-                                        <p:strVal val="visible"/>
-                                      </p:to>
-                                    </p:set>
-                                    <p:animEffect transition="in" filter="fade">
-                                      <p:cBhvr>
-                                        <p:cTn id="7" dur="500"/>
-                                        <p:tgtEl>
-                                          <p:spTgt spid="2">
-                                            <p:txEl>
-                                              <p:pRg st="0" end="0"/>
-                                            </p:txEl>
-                                          </p:spTgt>
-                                        </p:tgtEl>
-                                      </p:cBhvr>
-                                    </p:animEffect>
-                                  </p:childTnLst>
-                                </p:cTn>
-                              </p:par>
-                            </p:childTnLst>
-                          </p:cTn>
-                        </p:par>
-                        <p:par>
-                          <p:cTn id="8" fill="hold">
-                            <p:stCondLst>
-                              <p:cond delay="500"/>
-                            </p:stCondLst>
-                            <p:childTnLst>
-                              <p:par>
-                                <p:cTn id="9" presetID="10" presetClass="entr" presetSubtype="0" fill="hold" nodeType="afterEffect">
-                                  <p:stCondLst>
-                                    <p:cond delay="0"/>
-                                  </p:stCondLst>
-                                  <p:childTnLst>
-                                    <p:set>
-                                      <p:cBhvr>
-                                        <p:cTn id="10" dur="1" fill="hold">
-                                          <p:stCondLst>
-                                            <p:cond delay="0"/>
-                                          </p:stCondLst>
-                                        </p:cTn>
-                                        <p:tgtEl>
-                                          <p:spTgt spid="2">
-                                            <p:txEl>
-                                              <p:pRg st="1" end="1"/>
-                                            </p:txEl>
-                                          </p:spTgt>
-                                        </p:tgtEl>
-                                        <p:attrNameLst>
-                                          <p:attrName>style.visibility</p:attrName>
-                                        </p:attrNameLst>
-                                      </p:cBhvr>
-                                      <p:to>
-                                        <p:strVal val="visible"/>
-                                      </p:to>
-                                    </p:set>
-                                    <p:animEffect transition="in" filter="fade">
-                                      <p:cBhvr>
-                                        <p:cTn id="11" dur="500"/>
-                                        <p:tgtEl>
-                                          <p:spTgt spid="2">
-                                            <p:txEl>
-                                              <p:pRg st="1" end="1"/>
-                                            </p:txEl>
-                                          </p:spTgt>
-                                        </p:tgtEl>
-                                      </p:cBhvr>
-                                    </p:animEffect>
-                                  </p:childTnLst>
-                                </p:cTn>
-                              </p:par>
-                              <p:par>
-                                <p:cTn id="12" presetID="10" presetClass="entr" presetSubtype="0" fill="hold" nodeType="withEffect">
-                                  <p:stCondLst>
-                                    <p:cond delay="0"/>
-                                  </p:stCondLst>
-                                  <p:childTnLst>
-                                    <p:set>
-                                      <p:cBhvr>
-                                        <p:cTn id="13" dur="1" fill="hold">
-                                          <p:stCondLst>
-                                            <p:cond delay="0"/>
-                                          </p:stCondLst>
-                                        </p:cTn>
-                                        <p:tgtEl>
-                                          <p:spTgt spid="2">
-                                            <p:txEl>
-                                              <p:pRg st="2" end="2"/>
-                                            </p:txEl>
-                                          </p:spTgt>
-                                        </p:tgtEl>
-                                        <p:attrNameLst>
-                                          <p:attrName>style.visibility</p:attrName>
-                                        </p:attrNameLst>
-                                      </p:cBhvr>
-                                      <p:to>
-                                        <p:strVal val="visible"/>
-                                      </p:to>
-                                    </p:set>
-                                    <p:animEffect transition="in" filter="fade">
-                                      <p:cBhvr>
-                                        <p:cTn id="14" dur="500"/>
-                                        <p:tgtEl>
-                                          <p:spTgt spid="2">
-                                            <p:txEl>
-                                              <p:pRg st="2" end="2"/>
-                                            </p:txEl>
-                                          </p:spTgt>
-                                        </p:tgtEl>
-                                      </p:cBhvr>
-                                    </p:animEffect>
-                                  </p:childTnLst>
-                                </p:cTn>
-                              </p:par>
-                            </p:childTnLst>
-                          </p:cTn>
-                        </p:par>
-                        <p:par>
-                          <p:cTn id="15" fill="hold">
-                            <p:stCondLst>
-                              <p:cond delay="1000"/>
-                            </p:stCondLst>
-                            <p:childTnLst>
-                              <p:par>
-                                <p:cTn id="16" presetID="10" presetClass="entr" presetSubtype="0" fill="hold" nodeType="afterEffect">
-                                  <p:stCondLst>
-                                    <p:cond delay="0"/>
-                                  </p:stCondLst>
-                                  <p:childTnLst>
-                                    <p:set>
-                                      <p:cBhvr>
-                                        <p:cTn id="17" dur="1" fill="hold">
-                                          <p:stCondLst>
-                                            <p:cond delay="0"/>
-                                          </p:stCondLst>
-                                        </p:cTn>
-                                        <p:tgtEl>
-                                          <p:spTgt spid="2">
-                                            <p:txEl>
-                                              <p:pRg st="3" end="3"/>
-                                            </p:txEl>
-                                          </p:spTgt>
-                                        </p:tgtEl>
-                                        <p:attrNameLst>
-                                          <p:attrName>style.visibility</p:attrName>
-                                        </p:attrNameLst>
-                                      </p:cBhvr>
-                                      <p:to>
-                                        <p:strVal val="visible"/>
-                                      </p:to>
-                                    </p:set>
-                                    <p:animEffect transition="in" filter="fade">
-                                      <p:cBhvr>
-                                        <p:cTn id="18" dur="500"/>
-                                        <p:tgtEl>
-                                          <p:spTgt spid="2">
-                                            <p:txEl>
-                                              <p:pRg st="3" end="3"/>
-                                            </p:txEl>
-                                          </p:spTgt>
-                                        </p:tgtEl>
-                                      </p:cBhvr>
-                                    </p:animEffect>
-                                  </p:childTnLst>
-                                </p:cTn>
-                              </p:par>
-                            </p:childTnLst>
-                          </p:cTn>
-                        </p:par>
-                        <p:par>
-                          <p:cTn id="19" fill="hold">
-                            <p:stCondLst>
-                              <p:cond delay="1500"/>
-                            </p:stCondLst>
-                            <p:childTnLst>
-                              <p:par>
-                                <p:cTn id="20" presetID="10" presetClass="entr" presetSubtype="0" fill="hold" nodeType="afterEffect">
-                                  <p:stCondLst>
-                                    <p:cond delay="0"/>
-                                  </p:stCondLst>
-                                  <p:childTnLst>
-                                    <p:set>
-                                      <p:cBhvr>
-                                        <p:cTn id="21" dur="1" fill="hold">
-                                          <p:stCondLst>
-                                            <p:cond delay="0"/>
-                                          </p:stCondLst>
-                                        </p:cTn>
-                                        <p:tgtEl>
-                                          <p:spTgt spid="2">
-                                            <p:txEl>
-                                              <p:pRg st="4" end="4"/>
-                                            </p:txEl>
-                                          </p:spTgt>
-                                        </p:tgtEl>
-                                        <p:attrNameLst>
-                                          <p:attrName>style.visibility</p:attrName>
-                                        </p:attrNameLst>
-                                      </p:cBhvr>
-                                      <p:to>
-                                        <p:strVal val="visible"/>
-                                      </p:to>
-                                    </p:set>
-                                    <p:animEffect transition="in" filter="fade">
-                                      <p:cBhvr>
-                                        <p:cTn id="22" dur="500"/>
-                                        <p:tgtEl>
-                                          <p:spTgt spid="2">
-                                            <p:txEl>
-                                              <p:pRg st="4" end="4"/>
-                                            </p:txEl>
-                                          </p:spTgt>
-                                        </p:tgtEl>
-                                      </p:cBhvr>
-                                    </p:animEffect>
-                                  </p:childTnLst>
-                                </p:cTn>
-                              </p:par>
-                            </p:childTnLst>
-                          </p:cTn>
-                        </p:par>
-                        <p:par>
-                          <p:cTn id="23" fill="hold">
-                            <p:stCondLst>
-                              <p:cond delay="2000"/>
-                            </p:stCondLst>
-                            <p:childTnLst>
-                              <p:par>
-                                <p:cTn id="24" presetID="10" presetClass="entr" presetSubtype="0" fill="hold" nodeType="afterEffect">
-                                  <p:stCondLst>
-                                    <p:cond delay="0"/>
-                                  </p:stCondLst>
-                                  <p:childTnLst>
-                                    <p:set>
-                                      <p:cBhvr>
-                                        <p:cTn id="25" dur="1" fill="hold">
-                                          <p:stCondLst>
-                                            <p:cond delay="0"/>
-                                          </p:stCondLst>
-                                        </p:cTn>
-                                        <p:tgtEl>
-                                          <p:spTgt spid="2">
-                                            <p:txEl>
-                                              <p:pRg st="5" end="5"/>
-                                            </p:txEl>
-                                          </p:spTgt>
-                                        </p:tgtEl>
-                                        <p:attrNameLst>
-                                          <p:attrName>style.visibility</p:attrName>
-                                        </p:attrNameLst>
-                                      </p:cBhvr>
-                                      <p:to>
-                                        <p:strVal val="visible"/>
-                                      </p:to>
-                                    </p:set>
-                                    <p:animEffect transition="in" filter="fade">
-                                      <p:cBhvr>
-                                        <p:cTn id="26" dur="500"/>
-                                        <p:tgtEl>
-                                          <p:spTgt spid="2">
-                                            <p:txEl>
-                                              <p:pRg st="5" end="5"/>
-                                            </p:txEl>
-                                          </p:spTgt>
-                                        </p:tgtEl>
-                                      </p:cBhvr>
-                                    </p:animEffect>
-                                  </p:childTnLst>
-                                </p:cTn>
-                              </p:par>
-                            </p:childTnLst>
-                          </p:cTn>
-                        </p:par>
-                        <p:par>
-                          <p:cTn id="27" fill="hold">
-                            <p:stCondLst>
-                              <p:cond delay="2500"/>
-                            </p:stCondLst>
-                            <p:childTnLst>
-                              <p:par>
-                                <p:cTn id="28" presetID="10" presetClass="entr" presetSubtype="0" fill="hold" nodeType="afterEffect">
-                                  <p:stCondLst>
-                                    <p:cond delay="0"/>
-                                  </p:stCondLst>
-                                  <p:childTnLst>
-                                    <p:set>
-                                      <p:cBhvr>
-                                        <p:cTn id="29" dur="1" fill="hold">
-                                          <p:stCondLst>
-                                            <p:cond delay="0"/>
-                                          </p:stCondLst>
-                                        </p:cTn>
-                                        <p:tgtEl>
-                                          <p:spTgt spid="2">
-                                            <p:txEl>
-                                              <p:pRg st="6" end="6"/>
-                                            </p:txEl>
-                                          </p:spTgt>
-                                        </p:tgtEl>
-                                        <p:attrNameLst>
-                                          <p:attrName>style.visibility</p:attrName>
-                                        </p:attrNameLst>
-                                      </p:cBhvr>
-                                      <p:to>
-                                        <p:strVal val="visible"/>
-                                      </p:to>
-                                    </p:set>
-                                    <p:animEffect transition="in" filter="fade">
-                                      <p:cBhvr>
-                                        <p:cTn id="30" dur="500"/>
-                                        <p:tgtEl>
-                                          <p:spTgt spid="2">
-                                            <p:txEl>
-                                              <p:pRg st="6" end="6"/>
-                                            </p:txEl>
-                                          </p:spTgt>
-                                        </p:tgtEl>
-                                      </p:cBhvr>
-                                    </p:animEffect>
-                                  </p:childTnLst>
-                                </p:cTn>
-                              </p:par>
-                            </p:childTnLst>
-                          </p:cTn>
-                        </p:par>
-                        <p:par>
-                          <p:cTn id="31" fill="hold">
-                            <p:stCondLst>
-                              <p:cond delay="3000"/>
-                            </p:stCondLst>
-                            <p:childTnLst>
-                              <p:par>
-                                <p:cTn id="32" presetID="10" presetClass="entr" presetSubtype="0" fill="hold" nodeType="afterEffect">
-                                  <p:stCondLst>
-                                    <p:cond delay="0"/>
-                                  </p:stCondLst>
-                                  <p:childTnLst>
-                                    <p:set>
-                                      <p:cBhvr>
-                                        <p:cTn id="33" dur="1" fill="hold">
-                                          <p:stCondLst>
-                                            <p:cond delay="0"/>
-                                          </p:stCondLst>
-                                        </p:cTn>
-                                        <p:tgtEl>
-                                          <p:spTgt spid="2">
-                                            <p:txEl>
-                                              <p:pRg st="7" end="7"/>
-                                            </p:txEl>
-                                          </p:spTgt>
-                                        </p:tgtEl>
-                                        <p:attrNameLst>
-                                          <p:attrName>style.visibility</p:attrName>
-                                        </p:attrNameLst>
-                                      </p:cBhvr>
-                                      <p:to>
-                                        <p:strVal val="visible"/>
-                                      </p:to>
-                                    </p:set>
-                                    <p:animEffect transition="in" filter="fade">
-                                      <p:cBhvr>
-                                        <p:cTn id="34" dur="500"/>
-                                        <p:tgtEl>
-                                          <p:spTgt spid="2">
-                                            <p:txEl>
-                                              <p:pRg st="7" end="7"/>
-                                            </p:txEl>
-                                          </p:spTgt>
-                                        </p:tgtEl>
-                                      </p:cBhvr>
-                                    </p:animEffect>
-                                  </p:childTnLst>
-                                </p:cTn>
-                              </p:par>
-                            </p:childTnLst>
-                          </p:cTn>
-                        </p:par>
-                      </p:childTnLst>
-                    </p:cTn>
-                  </p:par>
-                </p:childTnLst>
-              </p:cTn>
-              <p:prevCondLst>
-                <p:cond evt="onPrev" delay="0">
-                  <p:tgtEl>
-                    <p:sldTgt/>
-                  </p:tgtEl>
-                </p:cond>
-              </p:prevCondLst>
-              <p:nextCondLst>
-                <p:cond evt="onNext" delay="0">
-                  <p:tgtEl>
-                    <p:sldTgt/>
-                  </p:tgtEl>
-                </p:cond>
-              </p:nextCondLst>
-            </p:seq>
-          </p:childTnLst>
-        </p:cTn>
-      </p:par>
-    </p:tnLst>
-  </p:timing>
-</p:sld>
-</file>
-
-<file path=ppt/slides/slide16.xml><?xml version="1.0" encoding="utf-8"?>
-<p:sld xmlns:a="http://schemas.openxmlformats.org/drawingml/2006/main" xmlns:r="http://schemas.openxmlformats.org/officeDocument/2006/relationships" xmlns:p="http://schemas.openxmlformats.org/presentationml/2006/main">
-  <p:cSld>
-    <p:spTree>
-      <p:nvGrpSpPr>
-        <p:cNvPr id="1" name=""/>
-        <p:cNvGrpSpPr/>
-        <p:nvPr/>
-      </p:nvGrpSpPr>
-      <p:grpSpPr>
-        <a:xfrm>
-          <a:off x="0" y="0"/>
-          <a:ext cx="0" cy="0"/>
-          <a:chOff x="0" y="0"/>
-          <a:chExt cx="0" cy="0"/>
-        </a:xfrm>
-      </p:grpSpPr>
-      <p:sp>
-        <p:nvSpPr>
-          <p:cNvPr id="2" name="Content Placeholder 1"/>
-          <p:cNvSpPr>
-            <a:spLocks noGrp="1"/>
-          </p:cNvSpPr>
-          <p:nvPr>
-            <p:ph idx="1"/>
-          </p:nvPr>
-        </p:nvSpPr>
-        <p:spPr/>
-        <p:txBody>
-          <a:bodyPr/>
-          <a:lstStyle/>
-          <a:p>
-            <a:pPr marL="0" indent="0" algn="ctr">
-              <a:buNone/>
-            </a:pPr>
-            <a:endParaRPr lang="en-US" dirty="0">
-              <a:latin typeface="Arial"/>
-              <a:cs typeface="Arial"/>
-            </a:endParaRPr>
-          </a:p>
-          <a:p>
-            <a:pPr marL="0" indent="0" algn="ctr">
-              <a:buNone/>
-            </a:pPr>
-            <a:endParaRPr lang="en-US" dirty="0">
-              <a:latin typeface="Arial"/>
-              <a:cs typeface="Arial"/>
-            </a:endParaRPr>
-          </a:p>
-          <a:p>
-            <a:pPr marL="0" indent="0" algn="ctr">
-              <a:buNone/>
-            </a:pPr>
-            <a:endParaRPr lang="en-US" dirty="0">
-              <a:latin typeface="Arial"/>
-              <a:cs typeface="Arial"/>
-            </a:endParaRPr>
-          </a:p>
-          <a:p>
-            <a:pPr marL="0" indent="0" algn="ctr">
-              <a:buNone/>
-            </a:pPr>
-            <a:r>
-              <a:rPr lang="en-US" dirty="0">
-                <a:latin typeface="Arial"/>
-                <a:cs typeface="Arial"/>
-              </a:rPr>
-              <a:t>Thanks</a:t>
-            </a:r>
-          </a:p>
-        </p:txBody>
-      </p:sp>
-    </p:spTree>
-    <p:extLst>
-      <p:ext uri="{BB962C8B-B14F-4D97-AF65-F5344CB8AC3E}">
-        <p14:creationId xmlns:p14="http://schemas.microsoft.com/office/powerpoint/2010/main" val="159018920"/>
-      </p:ext>
-    </p:extLst>
-  </p:cSld>
-  <p:clrMapOvr>
-    <a:masterClrMapping/>
-  </p:clrMapOvr>
-</p:sld>
-</file>
-
 <file path=ppt/slides/slide2.xml><?xml version="1.0" encoding="utf-8"?>
 <p:sld xmlns:a="http://schemas.openxmlformats.org/drawingml/2006/main" xmlns:r="http://schemas.openxmlformats.org/officeDocument/2006/relationships" xmlns:p="http://schemas.openxmlformats.org/presentationml/2006/main">
   <p:cSld>
@@ -9327,7 +10215,7 @@
         <p:spPr/>
         <p:txBody>
           <a:bodyPr>
-            <a:normAutofit fontScale="92500" lnSpcReduction="10000"/>
+            <a:normAutofit lnSpcReduction="10000"/>
           </a:bodyPr>
           <a:lstStyle/>
           <a:p>
@@ -9736,7 +10624,9 @@
         </p:nvSpPr>
         <p:spPr/>
         <p:txBody>
-          <a:bodyPr/>
+          <a:bodyPr>
+            <a:normAutofit fontScale="92500"/>
+          </a:bodyPr>
           <a:lstStyle/>
           <a:p>
             <a:pPr marL="285750" indent="-285750" fontAlgn="base">
@@ -9745,16 +10635,20 @@
             </a:pPr>
             <a:r>
               <a:rPr lang="en-GB" sz="2000" dirty="0"/>
-              <a:t>Single source repository (for each component of the system) </a:t>
-            </a:r>
-          </a:p>
-          <a:p>
-            <a:pPr marL="742950" lvl="1" indent="-285750" fontAlgn="base">
+              <a:t>Single </a:t>
+            </a:r>
+            <a:r>
+              <a:rPr lang="en-GB" sz="2400" dirty="0"/>
+              <a:t>source repository (for each component of the system) </a:t>
+            </a:r>
+          </a:p>
+          <a:p>
+            <a:pPr lvl="1" fontAlgn="base">
               <a:buFont typeface="Arial" panose="020B0604020202020204" pitchFamily="34" charset="0"/>
               <a:buChar char="•"/>
             </a:pPr>
             <a:r>
-              <a:rPr lang="en-GB" sz="2000" dirty="0"/>
+              <a:rPr lang="en-GB" sz="2400" dirty="0"/>
               <a:t>minimize the use of branching</a:t>
             </a:r>
           </a:p>
@@ -9764,7 +10658,7 @@
               <a:buChar char="•"/>
             </a:pPr>
             <a:r>
-              <a:rPr lang="en-GB" sz="2000" dirty="0"/>
+              <a:rPr lang="en-GB" sz="2400" dirty="0"/>
               <a:t>Automate the build (build all in one command)</a:t>
             </a:r>
           </a:p>
@@ -9774,7 +10668,7 @@
               <a:buChar char="•"/>
             </a:pPr>
             <a:r>
-              <a:rPr lang="en-GB" sz="2000" dirty="0"/>
+              <a:rPr lang="en-GB" sz="2400" dirty="0"/>
               <a:t>Automate testing (together with the build) </a:t>
             </a:r>
           </a:p>
@@ -9784,27 +10678,27 @@
               <a:buChar char="•"/>
             </a:pPr>
             <a:r>
-              <a:rPr lang="en-GB" sz="2000" dirty="0"/>
+              <a:rPr lang="en-GB" sz="2400" dirty="0"/>
               <a:t>Every commit should build on an integration machine</a:t>
             </a:r>
           </a:p>
           <a:p>
-            <a:pPr marL="742950" lvl="1" indent="-285750" fontAlgn="base">
+            <a:pPr lvl="1" fontAlgn="base">
               <a:buFont typeface="Arial" panose="020B0604020202020204" pitchFamily="34" charset="0"/>
               <a:buChar char="•"/>
             </a:pPr>
             <a:r>
-              <a:rPr lang="en-GB" sz="2000" dirty="0"/>
+              <a:rPr lang="en-GB" sz="2400" dirty="0"/>
               <a:t>Commit often! (at least once per day)</a:t>
             </a:r>
           </a:p>
           <a:p>
-            <a:pPr marL="742950" lvl="1" indent="-285750" fontAlgn="base">
+            <a:pPr lvl="1" fontAlgn="base">
               <a:buFont typeface="Arial" panose="020B0604020202020204" pitchFamily="34" charset="0"/>
               <a:buChar char="•"/>
             </a:pPr>
             <a:r>
-              <a:rPr lang="en-GB" sz="2000" dirty="0"/>
+              <a:rPr lang="en-GB" sz="2400" dirty="0"/>
               <a:t>the smaller is the change the easier is the fix </a:t>
             </a:r>
           </a:p>
@@ -9814,7 +10708,7 @@
               <a:buChar char="•"/>
             </a:pPr>
             <a:r>
-              <a:rPr lang="en-GB" sz="2000" dirty="0"/>
+              <a:rPr lang="en-GB" sz="2400" dirty="0"/>
               <a:t>Build fast (so that a problem in integration can be found quickly)</a:t>
             </a:r>
           </a:p>
@@ -9824,7 +10718,7 @@
               <a:buChar char="•"/>
             </a:pPr>
             <a:r>
-              <a:rPr lang="en-GB" sz="2000" dirty="0"/>
+              <a:rPr lang="en-GB" sz="2400" dirty="0"/>
               <a:t>Multi-stage deployment: every build software must be tested in different environments</a:t>
             </a:r>
           </a:p>
@@ -9832,21 +10726,27 @@
             <a:pPr marL="0" indent="0" fontAlgn="base">
               <a:buNone/>
             </a:pPr>
-            <a:endParaRPr lang="en-GB" sz="2000" dirty="0"/>
+            <a:endParaRPr lang="en-GB" sz="2400" dirty="0"/>
           </a:p>
           <a:p>
             <a:pPr marL="0" indent="0" fontAlgn="base">
               <a:buNone/>
             </a:pPr>
             <a:r>
-              <a:rPr lang="en-GB" sz="2000" dirty="0"/>
+              <a:rPr lang="en-GB" sz="2400" dirty="0"/>
               <a:t>Ref: </a:t>
+            </a:r>
+            <a:r>
+              <a:rPr lang="en-GB" sz="2400" dirty="0">
+                <a:hlinkClick r:id="rId2" action="ppaction://hlinkfile"/>
+              </a:rPr>
+              <a:t>martinfowler.com</a:t>
             </a:r>
             <a:r>
               <a:rPr lang="en-GB" sz="2000" dirty="0">
                 <a:hlinkClick r:id="rId2" action="ppaction://hlinkfile"/>
               </a:rPr>
-              <a:t>martinfowler.com/articles/continuousIntegration.html</a:t>
+              <a:t>/articles/continuousIntegration.html</a:t>
             </a:r>
             <a:endParaRPr lang="it-IT" sz="2000" dirty="0"/>
           </a:p>
@@ -9964,52 +10864,52 @@
           <a:lstStyle/>
           <a:p>
             <a:r>
-              <a:rPr lang="en-GB" sz="2800" dirty="0"/>
+              <a:rPr lang="en-GB" dirty="0"/>
               <a:t>Continuous delivery</a:t>
             </a:r>
           </a:p>
           <a:p>
             <a:pPr lvl="1"/>
             <a:r>
-              <a:rPr lang="en-GB" sz="2400" dirty="0"/>
+              <a:rPr lang="en-GB" dirty="0"/>
               <a:t>Automate the delivery of new releases of software</a:t>
             </a:r>
           </a:p>
           <a:p>
             <a:pPr lvl="1"/>
             <a:r>
-              <a:rPr lang="en-GB" sz="2400" dirty="0"/>
+              <a:rPr lang="en-GB" dirty="0"/>
               <a:t>Deployment has to be predictable and sustainable</a:t>
             </a:r>
           </a:p>
           <a:p>
             <a:pPr lvl="2"/>
             <a:r>
-              <a:rPr lang="en-GB" sz="2000" dirty="0"/>
+              <a:rPr lang="en-GB" dirty="0"/>
               <a:t>The code must be in a deployable state</a:t>
             </a:r>
           </a:p>
           <a:p>
             <a:pPr lvl="2"/>
             <a:r>
-              <a:rPr lang="en-GB" sz="2000" b="1" dirty="0"/>
+              <a:rPr lang="en-GB" b="1" dirty="0"/>
               <a:t>Testing </a:t>
             </a:r>
             <a:r>
-              <a:rPr lang="en-GB" sz="2000" dirty="0"/>
+              <a:rPr lang="en-GB" dirty="0"/>
               <a:t>needs to cover enough of your codebase.</a:t>
             </a:r>
           </a:p>
           <a:p>
             <a:r>
-              <a:rPr lang="en-GB" sz="2800" dirty="0"/>
+              <a:rPr lang="en-GB" dirty="0"/>
               <a:t>Continuous deployment</a:t>
             </a:r>
           </a:p>
           <a:p>
             <a:pPr lvl="1"/>
             <a:r>
-              <a:rPr lang="en-GB" sz="2400" dirty="0"/>
+              <a:rPr lang="en-GB" dirty="0"/>
               <a:t>One step further: every single commit to the software that passes all the stages of the build and test pipeline is deployed into the production environment</a:t>
             </a:r>
           </a:p>
@@ -10147,7 +11047,7 @@
         </p:nvSpPr>
         <p:spPr>
           <a:xfrm>
-            <a:off x="5439675" y="6410519"/>
+            <a:off x="6963676" y="6410520"/>
             <a:ext cx="3433865" cy="354613"/>
           </a:xfrm>
         </p:spPr>
@@ -10181,7 +11081,7 @@
         </p:blipFill>
         <p:spPr>
           <a:xfrm>
-            <a:off x="0" y="1036420"/>
+            <a:off x="1524000" y="1036420"/>
             <a:ext cx="9144000" cy="5479420"/>
           </a:xfrm>
           <a:prstGeom prst="rect">
@@ -10203,7 +11103,7 @@
         </p:nvSpPr>
         <p:spPr>
           <a:xfrm>
-            <a:off x="6088612" y="6041187"/>
+            <a:off x="7612612" y="6041187"/>
             <a:ext cx="2920158" cy="369332"/>
           </a:xfrm>
           <a:prstGeom prst="rect">
@@ -10248,7 +11148,7 @@
         </p:nvSpPr>
         <p:spPr>
           <a:xfrm>
-            <a:off x="360964" y="540944"/>
+            <a:off x="1884964" y="540945"/>
             <a:ext cx="9048064" cy="5620283"/>
           </a:xfrm>
           <a:prstGeom prst="irregularSeal2">
@@ -10466,7 +11366,7 @@
           <p:cNvPr id="2" name="Segnaposto contenuto 1">
             <a:extLst>
               <a:ext uri="{FF2B5EF4-FFF2-40B4-BE49-F238E27FC236}">
-                <a16:creationId xmlns:a16="http://schemas.microsoft.com/office/drawing/2014/main" id="{14507040-A5DA-45C0-8F38-C0BCC06E7B65}"/>
+                <a16:creationId xmlns:a16="http://schemas.microsoft.com/office/drawing/2014/main" id="{D420430B-8DC2-4797-AA7C-1AA10BE389CB}"/>
               </a:ext>
             </a:extLst>
           </p:cNvPr>
@@ -10477,15 +11377,10 @@
             <p:ph idx="1"/>
           </p:nvPr>
         </p:nvSpPr>
-        <p:spPr>
-          <a:xfrm>
-            <a:off x="358123" y="1141740"/>
-            <a:ext cx="8378326" cy="4930381"/>
-          </a:xfrm>
-        </p:spPr>
+        <p:spPr/>
         <p:txBody>
           <a:bodyPr>
-            <a:normAutofit fontScale="92500" lnSpcReduction="10000"/>
+            <a:normAutofit lnSpcReduction="10000"/>
           </a:bodyPr>
           <a:lstStyle/>
           <a:p>
@@ -10547,6 +11442,9 @@
               <a:t>)</a:t>
             </a:r>
             <a:endParaRPr lang="en-GB" i="1" dirty="0"/>
+          </a:p>
+          <a:p>
+            <a:endParaRPr lang="it-IT" dirty="0"/>
           </a:p>
         </p:txBody>
       </p:sp>
@@ -10555,7 +11453,7 @@
           <p:cNvPr id="3" name="Segnaposto testo 2">
             <a:extLst>
               <a:ext uri="{FF2B5EF4-FFF2-40B4-BE49-F238E27FC236}">
-                <a16:creationId xmlns:a16="http://schemas.microsoft.com/office/drawing/2014/main" id="{C71991D4-0124-4584-A546-5340BE67C8F5}"/>
+                <a16:creationId xmlns:a16="http://schemas.microsoft.com/office/drawing/2014/main" id="{C371B462-09F1-461C-844C-EC64253DC01F}"/>
               </a:ext>
             </a:extLst>
           </p:cNvPr>
@@ -10573,8 +11471,9 @@
           <a:p>
             <a:r>
               <a:rPr lang="en-GB" dirty="0"/>
-              <a:t>Containerization </a:t>
-            </a:r>
+              <a:t>Containerization</a:t>
+            </a:r>
+            <a:endParaRPr lang="it-IT" dirty="0"/>
           </a:p>
         </p:txBody>
       </p:sp>
@@ -10583,7 +11482,7 @@
           <p:cNvPr id="4" name="Segnaposto testo 3">
             <a:extLst>
               <a:ext uri="{FF2B5EF4-FFF2-40B4-BE49-F238E27FC236}">
-                <a16:creationId xmlns:a16="http://schemas.microsoft.com/office/drawing/2014/main" id="{7BC4E4C8-23AC-45F4-9018-9656FFF1D981}"/>
+                <a16:creationId xmlns:a16="http://schemas.microsoft.com/office/drawing/2014/main" id="{0EAA3B59-006C-48F6-87EF-33E95F144FF3}"/>
               </a:ext>
             </a:extLst>
           </p:cNvPr>
@@ -10599,14 +11498,14 @@
           <a:bodyPr/>
           <a:lstStyle/>
           <a:p>
-            <a:endParaRPr lang="en-GB"/>
+            <a:endParaRPr lang="it-IT"/>
           </a:p>
         </p:txBody>
       </p:sp>
     </p:spTree>
     <p:extLst>
       <p:ext uri="{BB962C8B-B14F-4D97-AF65-F5344CB8AC3E}">
-        <p14:creationId xmlns:p14="http://schemas.microsoft.com/office/powerpoint/2010/main" val="1384369423"/>
+        <p14:creationId xmlns:p14="http://schemas.microsoft.com/office/powerpoint/2010/main" val="4013890356"/>
       </p:ext>
     </p:extLst>
   </p:cSld>
@@ -10734,7 +11633,7 @@
         </p:nvSpPr>
         <p:spPr>
           <a:xfrm>
-            <a:off x="2453310" y="2131143"/>
+            <a:off x="3977310" y="2131144"/>
             <a:ext cx="6729984" cy="4010939"/>
           </a:xfrm>
           <a:prstGeom prst="irregularSeal2">
@@ -11507,4 +12406,24 @@
     </a:ext>
   </a:extLst>
 </a:theme>
+</file>
+
+<file path=ppt/webextensions/taskpanes.xml><?xml version="1.0" encoding="utf-8"?>
+<wetp:taskpanes xmlns:wetp="http://schemas.microsoft.com/office/webextensions/taskpanes/2010/11">
+  <wetp:taskpane dockstate="right" visibility="0" width="350" row="7">
+    <wetp:webextensionref xmlns:r="http://schemas.openxmlformats.org/officeDocument/2006/relationships" r:id="rId1"/>
+  </wetp:taskpane>
+</wetp:taskpanes>
+</file>
+
+<file path=ppt/webextensions/webextension1.xml><?xml version="1.0" encoding="utf-8"?>
+<we:webextension xmlns:we="http://schemas.microsoft.com/office/webextensions/webextension/2010/11" id="{3381950D-8F9B-4C0C-9361-3F40143C056F}">
+  <we:reference id="wa200000113" version="1.0.0.0" store="en-001" storeType="OMEX"/>
+  <we:alternateReferences>
+    <we:reference id="wa200000113" version="1.0.0.0" store="en-001" storeType="OMEX"/>
+  </we:alternateReferences>
+  <we:properties/>
+  <we:bindings/>
+  <we:snapshot xmlns:r="http://schemas.openxmlformats.org/officeDocument/2006/relationships"/>
+</we:webextension>
 </file>